--- a/Take me Home.pptx
+++ b/Take me Home.pptx
@@ -2,7 +2,7 @@
 <file path=ppt/presentation.xml><?xml version="1.0" encoding="utf-8"?>
 <p:presentation xmlns:a="http://schemas.openxmlformats.org/drawingml/2006/main" xmlns:r="http://schemas.openxmlformats.org/officeDocument/2006/relationships" xmlns:p="http://schemas.openxmlformats.org/presentationml/2006/main" saveSubsetFonts="1">
   <p:sldMasterIdLst>
-    <p:sldMasterId id="2147483648" r:id="rId1"/>
+    <p:sldMasterId id="2147483696" r:id="rId1"/>
   </p:sldMasterIdLst>
   <p:sldIdLst>
     <p:sldId id="256" r:id="rId2"/>
@@ -16,9 +16,9 @@
   <p:notesSz cx="6858000" cy="9144000"/>
   <p:defaultTextStyle>
     <a:defPPr>
-      <a:defRPr lang="pt-PT"/>
+      <a:defRPr lang="en-US"/>
     </a:defPPr>
-    <a:lvl1pPr marL="0" algn="l" defTabSz="914400" rtl="0" eaLnBrk="1" latinLnBrk="0" hangingPunct="1">
+    <a:lvl1pPr marL="0" algn="l" defTabSz="457200" rtl="0" eaLnBrk="1" latinLnBrk="0" hangingPunct="1">
       <a:defRPr sz="1800" kern="1200">
         <a:solidFill>
           <a:schemeClr val="tx1"/>
@@ -28,7 +28,7 @@
         <a:cs typeface="+mn-cs"/>
       </a:defRPr>
     </a:lvl1pPr>
-    <a:lvl2pPr marL="457200" algn="l" defTabSz="914400" rtl="0" eaLnBrk="1" latinLnBrk="0" hangingPunct="1">
+    <a:lvl2pPr marL="457200" algn="l" defTabSz="457200" rtl="0" eaLnBrk="1" latinLnBrk="0" hangingPunct="1">
       <a:defRPr sz="1800" kern="1200">
         <a:solidFill>
           <a:schemeClr val="tx1"/>
@@ -38,7 +38,7 @@
         <a:cs typeface="+mn-cs"/>
       </a:defRPr>
     </a:lvl2pPr>
-    <a:lvl3pPr marL="914400" algn="l" defTabSz="914400" rtl="0" eaLnBrk="1" latinLnBrk="0" hangingPunct="1">
+    <a:lvl3pPr marL="914400" algn="l" defTabSz="457200" rtl="0" eaLnBrk="1" latinLnBrk="0" hangingPunct="1">
       <a:defRPr sz="1800" kern="1200">
         <a:solidFill>
           <a:schemeClr val="tx1"/>
@@ -48,7 +48,7 @@
         <a:cs typeface="+mn-cs"/>
       </a:defRPr>
     </a:lvl3pPr>
-    <a:lvl4pPr marL="1371600" algn="l" defTabSz="914400" rtl="0" eaLnBrk="1" latinLnBrk="0" hangingPunct="1">
+    <a:lvl4pPr marL="1371600" algn="l" defTabSz="457200" rtl="0" eaLnBrk="1" latinLnBrk="0" hangingPunct="1">
       <a:defRPr sz="1800" kern="1200">
         <a:solidFill>
           <a:schemeClr val="tx1"/>
@@ -58,7 +58,7 @@
         <a:cs typeface="+mn-cs"/>
       </a:defRPr>
     </a:lvl4pPr>
-    <a:lvl5pPr marL="1828800" algn="l" defTabSz="914400" rtl="0" eaLnBrk="1" latinLnBrk="0" hangingPunct="1">
+    <a:lvl5pPr marL="1828800" algn="l" defTabSz="457200" rtl="0" eaLnBrk="1" latinLnBrk="0" hangingPunct="1">
       <a:defRPr sz="1800" kern="1200">
         <a:solidFill>
           <a:schemeClr val="tx1"/>
@@ -68,7 +68,7 @@
         <a:cs typeface="+mn-cs"/>
       </a:defRPr>
     </a:lvl5pPr>
-    <a:lvl6pPr marL="2286000" algn="l" defTabSz="914400" rtl="0" eaLnBrk="1" latinLnBrk="0" hangingPunct="1">
+    <a:lvl6pPr marL="2286000" algn="l" defTabSz="457200" rtl="0" eaLnBrk="1" latinLnBrk="0" hangingPunct="1">
       <a:defRPr sz="1800" kern="1200">
         <a:solidFill>
           <a:schemeClr val="tx1"/>
@@ -78,7 +78,7 @@
         <a:cs typeface="+mn-cs"/>
       </a:defRPr>
     </a:lvl6pPr>
-    <a:lvl7pPr marL="2743200" algn="l" defTabSz="914400" rtl="0" eaLnBrk="1" latinLnBrk="0" hangingPunct="1">
+    <a:lvl7pPr marL="2743200" algn="l" defTabSz="457200" rtl="0" eaLnBrk="1" latinLnBrk="0" hangingPunct="1">
       <a:defRPr sz="1800" kern="1200">
         <a:solidFill>
           <a:schemeClr val="tx1"/>
@@ -88,7 +88,7 @@
         <a:cs typeface="+mn-cs"/>
       </a:defRPr>
     </a:lvl7pPr>
-    <a:lvl8pPr marL="3200400" algn="l" defTabSz="914400" rtl="0" eaLnBrk="1" latinLnBrk="0" hangingPunct="1">
+    <a:lvl8pPr marL="3200400" algn="l" defTabSz="457200" rtl="0" eaLnBrk="1" latinLnBrk="0" hangingPunct="1">
       <a:defRPr sz="1800" kern="1200">
         <a:solidFill>
           <a:schemeClr val="tx1"/>
@@ -98,7 +98,7 @@
         <a:cs typeface="+mn-cs"/>
       </a:defRPr>
     </a:lvl8pPr>
-    <a:lvl9pPr marL="3657600" algn="l" defTabSz="914400" rtl="0" eaLnBrk="1" latinLnBrk="0" hangingPunct="1">
+    <a:lvl9pPr marL="3657600" algn="l" defTabSz="457200" rtl="0" eaLnBrk="1" latinLnBrk="0" hangingPunct="1">
       <a:defRPr sz="1800" kern="1200">
         <a:solidFill>
           <a:schemeClr val="tx1"/>
@@ -109,6 +109,11 @@
       </a:defRPr>
     </a:lvl9pPr>
   </p:defaultTextStyle>
+  <p:extLst>
+    <p:ext uri="{EFAFB233-063F-42B5-8137-9DF3F51BA10A}">
+      <p15:sldGuideLst xmlns:p15="http://schemas.microsoft.com/office/powerpoint/2012/main"/>
+    </p:ext>
+  </p:extLst>
 </p:presentation>
 </file>
 
@@ -131,13 +136,7 @@
       </p:grpSpPr>
       <p:sp>
         <p:nvSpPr>
-          <p:cNvPr id="2" name="Título 1">
-            <a:extLst>
-              <a:ext uri="{FF2B5EF4-FFF2-40B4-BE49-F238E27FC236}">
-                <a16:creationId xmlns:a16="http://schemas.microsoft.com/office/drawing/2014/main" id="{D001588D-4AF1-5F6C-7D39-2D389A66EFCC}"/>
-              </a:ext>
-            </a:extLst>
-          </p:cNvPr>
+          <p:cNvPr id="2" name="Title 1"/>
           <p:cNvSpPr>
             <a:spLocks noGrp="1"/>
           </p:cNvSpPr>
@@ -163,18 +162,13 @@
               <a:rPr lang="pt-PT"/>
               <a:t>Clique para editar o estilo de título do Modelo Global</a:t>
             </a:r>
-          </a:p>
-        </p:txBody>
-      </p:sp>
-      <p:sp>
-        <p:nvSpPr>
-          <p:cNvPr id="3" name="Subtítulo 2">
-            <a:extLst>
-              <a:ext uri="{FF2B5EF4-FFF2-40B4-BE49-F238E27FC236}">
-                <a16:creationId xmlns:a16="http://schemas.microsoft.com/office/drawing/2014/main" id="{9A7CE52C-6839-5C3B-8F8A-A2A0F0DD1FF8}"/>
-              </a:ext>
-            </a:extLst>
-          </p:cNvPr>
+            <a:endParaRPr lang="en-US" dirty="0"/>
+          </a:p>
+        </p:txBody>
+      </p:sp>
+      <p:sp>
+        <p:nvSpPr>
+          <p:cNvPr id="3" name="Subtitle 2"/>
           <p:cNvSpPr>
             <a:spLocks noGrp="1"/>
           </p:cNvSpPr>
@@ -233,18 +227,13 @@
               <a:rPr lang="pt-PT"/>
               <a:t>Clique para editar o estilo de subtítulo do Modelo Global</a:t>
             </a:r>
-          </a:p>
-        </p:txBody>
-      </p:sp>
-      <p:sp>
-        <p:nvSpPr>
-          <p:cNvPr id="4" name="Marcador de Posição da Data 3">
-            <a:extLst>
-              <a:ext uri="{FF2B5EF4-FFF2-40B4-BE49-F238E27FC236}">
-                <a16:creationId xmlns:a16="http://schemas.microsoft.com/office/drawing/2014/main" id="{08DAFF13-4705-3D3F-2B3E-B53889C9D524}"/>
-              </a:ext>
-            </a:extLst>
-          </p:cNvPr>
+            <a:endParaRPr lang="en-US" dirty="0"/>
+          </a:p>
+        </p:txBody>
+      </p:sp>
+      <p:sp>
+        <p:nvSpPr>
+          <p:cNvPr id="4" name="Date Placeholder 3"/>
           <p:cNvSpPr>
             <a:spLocks noGrp="1"/>
           </p:cNvSpPr>
@@ -259,7 +248,7 @@
           <a:p>
             <a:fld id="{E779E40A-B168-454D-BC32-9D3B9DD297C1}" type="datetimeFigureOut">
               <a:rPr lang="pt-PT" smtClean="0"/>
-              <a:t>10/07/2022</a:t>
+              <a:t>11/07/2022</a:t>
             </a:fld>
             <a:endParaRPr lang="pt-PT"/>
           </a:p>
@@ -267,13 +256,7 @@
       </p:sp>
       <p:sp>
         <p:nvSpPr>
-          <p:cNvPr id="5" name="Marcador de Posição do Rodapé 4">
-            <a:extLst>
-              <a:ext uri="{FF2B5EF4-FFF2-40B4-BE49-F238E27FC236}">
-                <a16:creationId xmlns:a16="http://schemas.microsoft.com/office/drawing/2014/main" id="{18703B55-8F36-BBF4-C13F-BA9964F9DD94}"/>
-              </a:ext>
-            </a:extLst>
-          </p:cNvPr>
+          <p:cNvPr id="5" name="Footer Placeholder 4"/>
           <p:cNvSpPr>
             <a:spLocks noGrp="1"/>
           </p:cNvSpPr>
@@ -292,13 +275,7 @@
       </p:sp>
       <p:sp>
         <p:nvSpPr>
-          <p:cNvPr id="6" name="Marcador de Posição do Número do Diapositivo 5">
-            <a:extLst>
-              <a:ext uri="{FF2B5EF4-FFF2-40B4-BE49-F238E27FC236}">
-                <a16:creationId xmlns:a16="http://schemas.microsoft.com/office/drawing/2014/main" id="{0D6CFA50-7808-6C01-482F-A6007B4B9F44}"/>
-              </a:ext>
-            </a:extLst>
-          </p:cNvPr>
+          <p:cNvPr id="6" name="Slide Number Placeholder 5"/>
           <p:cNvSpPr>
             <a:spLocks noGrp="1"/>
           </p:cNvSpPr>
@@ -322,7 +299,7 @@
     </p:spTree>
     <p:extLst>
       <p:ext uri="{BB962C8B-B14F-4D97-AF65-F5344CB8AC3E}">
-        <p14:creationId xmlns:p14="http://schemas.microsoft.com/office/powerpoint/2010/main" val="3055392752"/>
+        <p14:creationId xmlns:p14="http://schemas.microsoft.com/office/powerpoint/2010/main" val="2057600380"/>
       </p:ext>
     </p:extLst>
   </p:cSld>
@@ -351,13 +328,7 @@
       </p:grpSpPr>
       <p:sp>
         <p:nvSpPr>
-          <p:cNvPr id="2" name="Título 1">
-            <a:extLst>
-              <a:ext uri="{FF2B5EF4-FFF2-40B4-BE49-F238E27FC236}">
-                <a16:creationId xmlns:a16="http://schemas.microsoft.com/office/drawing/2014/main" id="{4EB34780-E9AF-93EF-3661-6651E3AAF600}"/>
-              </a:ext>
-            </a:extLst>
-          </p:cNvPr>
+          <p:cNvPr id="2" name="Title 1"/>
           <p:cNvSpPr>
             <a:spLocks noGrp="1"/>
           </p:cNvSpPr>
@@ -374,18 +345,13 @@
               <a:rPr lang="pt-PT"/>
               <a:t>Clique para editar o estilo de título do Modelo Global</a:t>
             </a:r>
-          </a:p>
-        </p:txBody>
-      </p:sp>
-      <p:sp>
-        <p:nvSpPr>
-          <p:cNvPr id="3" name="Marcador de Posição de Texto Vertical 2">
-            <a:extLst>
-              <a:ext uri="{FF2B5EF4-FFF2-40B4-BE49-F238E27FC236}">
-                <a16:creationId xmlns:a16="http://schemas.microsoft.com/office/drawing/2014/main" id="{989C87A0-756D-F9F2-70E2-38851F727A43}"/>
-              </a:ext>
-            </a:extLst>
-          </p:cNvPr>
+            <a:endParaRPr lang="en-US" dirty="0"/>
+          </a:p>
+        </p:txBody>
+      </p:sp>
+      <p:sp>
+        <p:nvSpPr>
+          <p:cNvPr id="3" name="Vertical Text Placeholder 2"/>
           <p:cNvSpPr>
             <a:spLocks noGrp="1"/>
           </p:cNvSpPr>
@@ -431,18 +397,13 @@
               <a:rPr lang="pt-PT"/>
               <a:t>Quinto nível</a:t>
             </a:r>
-          </a:p>
-        </p:txBody>
-      </p:sp>
-      <p:sp>
-        <p:nvSpPr>
-          <p:cNvPr id="4" name="Marcador de Posição da Data 3">
-            <a:extLst>
-              <a:ext uri="{FF2B5EF4-FFF2-40B4-BE49-F238E27FC236}">
-                <a16:creationId xmlns:a16="http://schemas.microsoft.com/office/drawing/2014/main" id="{D16EB625-E1FE-EF1D-A2C7-3868ED4F46B4}"/>
-              </a:ext>
-            </a:extLst>
-          </p:cNvPr>
+            <a:endParaRPr lang="en-US" dirty="0"/>
+          </a:p>
+        </p:txBody>
+      </p:sp>
+      <p:sp>
+        <p:nvSpPr>
+          <p:cNvPr id="4" name="Date Placeholder 3"/>
           <p:cNvSpPr>
             <a:spLocks noGrp="1"/>
           </p:cNvSpPr>
@@ -457,7 +418,7 @@
           <a:p>
             <a:fld id="{E779E40A-B168-454D-BC32-9D3B9DD297C1}" type="datetimeFigureOut">
               <a:rPr lang="pt-PT" smtClean="0"/>
-              <a:t>10/07/2022</a:t>
+              <a:t>11/07/2022</a:t>
             </a:fld>
             <a:endParaRPr lang="pt-PT"/>
           </a:p>
@@ -465,13 +426,7 @@
       </p:sp>
       <p:sp>
         <p:nvSpPr>
-          <p:cNvPr id="5" name="Marcador de Posição do Rodapé 4">
-            <a:extLst>
-              <a:ext uri="{FF2B5EF4-FFF2-40B4-BE49-F238E27FC236}">
-                <a16:creationId xmlns:a16="http://schemas.microsoft.com/office/drawing/2014/main" id="{B127DBE5-4D28-DCDC-431A-9C8CFF605570}"/>
-              </a:ext>
-            </a:extLst>
-          </p:cNvPr>
+          <p:cNvPr id="5" name="Footer Placeholder 4"/>
           <p:cNvSpPr>
             <a:spLocks noGrp="1"/>
           </p:cNvSpPr>
@@ -490,13 +445,7 @@
       </p:sp>
       <p:sp>
         <p:nvSpPr>
-          <p:cNvPr id="6" name="Marcador de Posição do Número do Diapositivo 5">
-            <a:extLst>
-              <a:ext uri="{FF2B5EF4-FFF2-40B4-BE49-F238E27FC236}">
-                <a16:creationId xmlns:a16="http://schemas.microsoft.com/office/drawing/2014/main" id="{D1BB6C4E-3D1F-39BD-2EE4-381BDB70DE47}"/>
-              </a:ext>
-            </a:extLst>
-          </p:cNvPr>
+          <p:cNvPr id="6" name="Slide Number Placeholder 5"/>
           <p:cNvSpPr>
             <a:spLocks noGrp="1"/>
           </p:cNvSpPr>
@@ -520,7 +469,7 @@
     </p:spTree>
     <p:extLst>
       <p:ext uri="{BB962C8B-B14F-4D97-AF65-F5344CB8AC3E}">
-        <p14:creationId xmlns:p14="http://schemas.microsoft.com/office/powerpoint/2010/main" val="3410075708"/>
+        <p14:creationId xmlns:p14="http://schemas.microsoft.com/office/powerpoint/2010/main" val="3954599485"/>
       </p:ext>
     </p:extLst>
   </p:cSld>
@@ -549,13 +498,7 @@
       </p:grpSpPr>
       <p:sp>
         <p:nvSpPr>
-          <p:cNvPr id="2" name="Título Vertical 1">
-            <a:extLst>
-              <a:ext uri="{FF2B5EF4-FFF2-40B4-BE49-F238E27FC236}">
-                <a16:creationId xmlns:a16="http://schemas.microsoft.com/office/drawing/2014/main" id="{C678D7AC-1E8D-D493-5701-591E1996390E}"/>
-              </a:ext>
-            </a:extLst>
-          </p:cNvPr>
+          <p:cNvPr id="2" name="Vertical Title 1"/>
           <p:cNvSpPr>
             <a:spLocks noGrp="1"/>
           </p:cNvSpPr>
@@ -577,18 +520,13 @@
               <a:rPr lang="pt-PT"/>
               <a:t>Clique para editar o estilo de título do Modelo Global</a:t>
             </a:r>
-          </a:p>
-        </p:txBody>
-      </p:sp>
-      <p:sp>
-        <p:nvSpPr>
-          <p:cNvPr id="3" name="Marcador de Posição de Texto Vertical 2">
-            <a:extLst>
-              <a:ext uri="{FF2B5EF4-FFF2-40B4-BE49-F238E27FC236}">
-                <a16:creationId xmlns:a16="http://schemas.microsoft.com/office/drawing/2014/main" id="{4D625DA2-E599-D28C-E580-9E16848F9905}"/>
-              </a:ext>
-            </a:extLst>
-          </p:cNvPr>
+            <a:endParaRPr lang="en-US" dirty="0"/>
+          </a:p>
+        </p:txBody>
+      </p:sp>
+      <p:sp>
+        <p:nvSpPr>
+          <p:cNvPr id="3" name="Vertical Text Placeholder 2"/>
           <p:cNvSpPr>
             <a:spLocks noGrp="1"/>
           </p:cNvSpPr>
@@ -639,18 +577,13 @@
               <a:rPr lang="pt-PT"/>
               <a:t>Quinto nível</a:t>
             </a:r>
-          </a:p>
-        </p:txBody>
-      </p:sp>
-      <p:sp>
-        <p:nvSpPr>
-          <p:cNvPr id="4" name="Marcador de Posição da Data 3">
-            <a:extLst>
-              <a:ext uri="{FF2B5EF4-FFF2-40B4-BE49-F238E27FC236}">
-                <a16:creationId xmlns:a16="http://schemas.microsoft.com/office/drawing/2014/main" id="{D57507EE-0511-F142-B174-8188622354F9}"/>
-              </a:ext>
-            </a:extLst>
-          </p:cNvPr>
+            <a:endParaRPr lang="en-US" dirty="0"/>
+          </a:p>
+        </p:txBody>
+      </p:sp>
+      <p:sp>
+        <p:nvSpPr>
+          <p:cNvPr id="4" name="Date Placeholder 3"/>
           <p:cNvSpPr>
             <a:spLocks noGrp="1"/>
           </p:cNvSpPr>
@@ -665,7 +598,7 @@
           <a:p>
             <a:fld id="{E779E40A-B168-454D-BC32-9D3B9DD297C1}" type="datetimeFigureOut">
               <a:rPr lang="pt-PT" smtClean="0"/>
-              <a:t>10/07/2022</a:t>
+              <a:t>11/07/2022</a:t>
             </a:fld>
             <a:endParaRPr lang="pt-PT"/>
           </a:p>
@@ -673,13 +606,7 @@
       </p:sp>
       <p:sp>
         <p:nvSpPr>
-          <p:cNvPr id="5" name="Marcador de Posição do Rodapé 4">
-            <a:extLst>
-              <a:ext uri="{FF2B5EF4-FFF2-40B4-BE49-F238E27FC236}">
-                <a16:creationId xmlns:a16="http://schemas.microsoft.com/office/drawing/2014/main" id="{4CEAAA2C-A4B9-9881-53FD-57AF8D6E9DF6}"/>
-              </a:ext>
-            </a:extLst>
-          </p:cNvPr>
+          <p:cNvPr id="5" name="Footer Placeholder 4"/>
           <p:cNvSpPr>
             <a:spLocks noGrp="1"/>
           </p:cNvSpPr>
@@ -698,13 +625,7 @@
       </p:sp>
       <p:sp>
         <p:nvSpPr>
-          <p:cNvPr id="6" name="Marcador de Posição do Número do Diapositivo 5">
-            <a:extLst>
-              <a:ext uri="{FF2B5EF4-FFF2-40B4-BE49-F238E27FC236}">
-                <a16:creationId xmlns:a16="http://schemas.microsoft.com/office/drawing/2014/main" id="{B37EA9E8-A46B-051E-AA84-5C9B27CE3733}"/>
-              </a:ext>
-            </a:extLst>
-          </p:cNvPr>
+          <p:cNvPr id="6" name="Slide Number Placeholder 5"/>
           <p:cNvSpPr>
             <a:spLocks noGrp="1"/>
           </p:cNvSpPr>
@@ -728,7 +649,7 @@
     </p:spTree>
     <p:extLst>
       <p:ext uri="{BB962C8B-B14F-4D97-AF65-F5344CB8AC3E}">
-        <p14:creationId xmlns:p14="http://schemas.microsoft.com/office/powerpoint/2010/main" val="1004742718"/>
+        <p14:creationId xmlns:p14="http://schemas.microsoft.com/office/powerpoint/2010/main" val="228473829"/>
       </p:ext>
     </p:extLst>
   </p:cSld>
@@ -757,13 +678,7 @@
       </p:grpSpPr>
       <p:sp>
         <p:nvSpPr>
-          <p:cNvPr id="2" name="Título 1">
-            <a:extLst>
-              <a:ext uri="{FF2B5EF4-FFF2-40B4-BE49-F238E27FC236}">
-                <a16:creationId xmlns:a16="http://schemas.microsoft.com/office/drawing/2014/main" id="{54F29DE6-AC62-D3FF-6C6E-2ABBB550FD72}"/>
-              </a:ext>
-            </a:extLst>
-          </p:cNvPr>
+          <p:cNvPr id="2" name="Title 1"/>
           <p:cNvSpPr>
             <a:spLocks noGrp="1"/>
           </p:cNvSpPr>
@@ -780,18 +695,13 @@
               <a:rPr lang="pt-PT"/>
               <a:t>Clique para editar o estilo de título do Modelo Global</a:t>
             </a:r>
-          </a:p>
-        </p:txBody>
-      </p:sp>
-      <p:sp>
-        <p:nvSpPr>
-          <p:cNvPr id="3" name="Marcador de Posição de Conteúdo 2">
-            <a:extLst>
-              <a:ext uri="{FF2B5EF4-FFF2-40B4-BE49-F238E27FC236}">
-                <a16:creationId xmlns:a16="http://schemas.microsoft.com/office/drawing/2014/main" id="{7BA8CB7A-FC3C-E950-F782-5DA85D0B3866}"/>
-              </a:ext>
-            </a:extLst>
-          </p:cNvPr>
+            <a:endParaRPr lang="en-US" dirty="0"/>
+          </a:p>
+        </p:txBody>
+      </p:sp>
+      <p:sp>
+        <p:nvSpPr>
+          <p:cNvPr id="3" name="Content Placeholder 2"/>
           <p:cNvSpPr>
             <a:spLocks noGrp="1"/>
           </p:cNvSpPr>
@@ -837,18 +747,13 @@
               <a:rPr lang="pt-PT"/>
               <a:t>Quinto nível</a:t>
             </a:r>
-          </a:p>
-        </p:txBody>
-      </p:sp>
-      <p:sp>
-        <p:nvSpPr>
-          <p:cNvPr id="4" name="Marcador de Posição da Data 3">
-            <a:extLst>
-              <a:ext uri="{FF2B5EF4-FFF2-40B4-BE49-F238E27FC236}">
-                <a16:creationId xmlns:a16="http://schemas.microsoft.com/office/drawing/2014/main" id="{F316D778-CE42-E0CD-BFE1-21C99BAF6D99}"/>
-              </a:ext>
-            </a:extLst>
-          </p:cNvPr>
+            <a:endParaRPr lang="en-US" dirty="0"/>
+          </a:p>
+        </p:txBody>
+      </p:sp>
+      <p:sp>
+        <p:nvSpPr>
+          <p:cNvPr id="4" name="Date Placeholder 3"/>
           <p:cNvSpPr>
             <a:spLocks noGrp="1"/>
           </p:cNvSpPr>
@@ -863,7 +768,7 @@
           <a:p>
             <a:fld id="{E779E40A-B168-454D-BC32-9D3B9DD297C1}" type="datetimeFigureOut">
               <a:rPr lang="pt-PT" smtClean="0"/>
-              <a:t>10/07/2022</a:t>
+              <a:t>11/07/2022</a:t>
             </a:fld>
             <a:endParaRPr lang="pt-PT"/>
           </a:p>
@@ -871,13 +776,7 @@
       </p:sp>
       <p:sp>
         <p:nvSpPr>
-          <p:cNvPr id="5" name="Marcador de Posição do Rodapé 4">
-            <a:extLst>
-              <a:ext uri="{FF2B5EF4-FFF2-40B4-BE49-F238E27FC236}">
-                <a16:creationId xmlns:a16="http://schemas.microsoft.com/office/drawing/2014/main" id="{7A6FB6F9-0FFB-B520-440C-A06168A653D4}"/>
-              </a:ext>
-            </a:extLst>
-          </p:cNvPr>
+          <p:cNvPr id="5" name="Footer Placeholder 4"/>
           <p:cNvSpPr>
             <a:spLocks noGrp="1"/>
           </p:cNvSpPr>
@@ -896,13 +795,7 @@
       </p:sp>
       <p:sp>
         <p:nvSpPr>
-          <p:cNvPr id="6" name="Marcador de Posição do Número do Diapositivo 5">
-            <a:extLst>
-              <a:ext uri="{FF2B5EF4-FFF2-40B4-BE49-F238E27FC236}">
-                <a16:creationId xmlns:a16="http://schemas.microsoft.com/office/drawing/2014/main" id="{0DAF4D18-7A2D-8245-52A1-88A82FF4A5F4}"/>
-              </a:ext>
-            </a:extLst>
-          </p:cNvPr>
+          <p:cNvPr id="6" name="Slide Number Placeholder 5"/>
           <p:cNvSpPr>
             <a:spLocks noGrp="1"/>
           </p:cNvSpPr>
@@ -926,7 +819,7 @@
     </p:spTree>
     <p:extLst>
       <p:ext uri="{BB962C8B-B14F-4D97-AF65-F5344CB8AC3E}">
-        <p14:creationId xmlns:p14="http://schemas.microsoft.com/office/powerpoint/2010/main" val="2114712199"/>
+        <p14:creationId xmlns:p14="http://schemas.microsoft.com/office/powerpoint/2010/main" val="3341470984"/>
       </p:ext>
     </p:extLst>
   </p:cSld>
@@ -955,13 +848,7 @@
       </p:grpSpPr>
       <p:sp>
         <p:nvSpPr>
-          <p:cNvPr id="2" name="Título 1">
-            <a:extLst>
-              <a:ext uri="{FF2B5EF4-FFF2-40B4-BE49-F238E27FC236}">
-                <a16:creationId xmlns:a16="http://schemas.microsoft.com/office/drawing/2014/main" id="{50DD718A-E3F3-F065-FFD9-9A8229207D4A}"/>
-              </a:ext>
-            </a:extLst>
-          </p:cNvPr>
+          <p:cNvPr id="2" name="Title 1"/>
           <p:cNvSpPr>
             <a:spLocks noGrp="1"/>
           </p:cNvSpPr>
@@ -987,18 +874,13 @@
               <a:rPr lang="pt-PT"/>
               <a:t>Clique para editar o estilo de título do Modelo Global</a:t>
             </a:r>
-          </a:p>
-        </p:txBody>
-      </p:sp>
-      <p:sp>
-        <p:nvSpPr>
-          <p:cNvPr id="3" name="Marcador de Posição do Texto 2">
-            <a:extLst>
-              <a:ext uri="{FF2B5EF4-FFF2-40B4-BE49-F238E27FC236}">
-                <a16:creationId xmlns:a16="http://schemas.microsoft.com/office/drawing/2014/main" id="{AC6A2C3E-2878-CD1D-68E3-6455B9E9B20D}"/>
-              </a:ext>
-            </a:extLst>
-          </p:cNvPr>
+            <a:endParaRPr lang="en-US" dirty="0"/>
+          </a:p>
+        </p:txBody>
+      </p:sp>
+      <p:sp>
+        <p:nvSpPr>
+          <p:cNvPr id="3" name="Text Placeholder 2"/>
           <p:cNvSpPr>
             <a:spLocks noGrp="1"/>
           </p:cNvSpPr>
@@ -1117,13 +999,7 @@
       </p:sp>
       <p:sp>
         <p:nvSpPr>
-          <p:cNvPr id="4" name="Marcador de Posição da Data 3">
-            <a:extLst>
-              <a:ext uri="{FF2B5EF4-FFF2-40B4-BE49-F238E27FC236}">
-                <a16:creationId xmlns:a16="http://schemas.microsoft.com/office/drawing/2014/main" id="{36387552-11A9-E3E4-F46C-4B5F2581F4C4}"/>
-              </a:ext>
-            </a:extLst>
-          </p:cNvPr>
+          <p:cNvPr id="4" name="Date Placeholder 3"/>
           <p:cNvSpPr>
             <a:spLocks noGrp="1"/>
           </p:cNvSpPr>
@@ -1138,7 +1014,7 @@
           <a:p>
             <a:fld id="{E779E40A-B168-454D-BC32-9D3B9DD297C1}" type="datetimeFigureOut">
               <a:rPr lang="pt-PT" smtClean="0"/>
-              <a:t>10/07/2022</a:t>
+              <a:t>11/07/2022</a:t>
             </a:fld>
             <a:endParaRPr lang="pt-PT"/>
           </a:p>
@@ -1146,13 +1022,7 @@
       </p:sp>
       <p:sp>
         <p:nvSpPr>
-          <p:cNvPr id="5" name="Marcador de Posição do Rodapé 4">
-            <a:extLst>
-              <a:ext uri="{FF2B5EF4-FFF2-40B4-BE49-F238E27FC236}">
-                <a16:creationId xmlns:a16="http://schemas.microsoft.com/office/drawing/2014/main" id="{7698ADAD-2E26-5B4D-243E-2A9BA7B7F0B5}"/>
-              </a:ext>
-            </a:extLst>
-          </p:cNvPr>
+          <p:cNvPr id="5" name="Footer Placeholder 4"/>
           <p:cNvSpPr>
             <a:spLocks noGrp="1"/>
           </p:cNvSpPr>
@@ -1171,13 +1041,7 @@
       </p:sp>
       <p:sp>
         <p:nvSpPr>
-          <p:cNvPr id="6" name="Marcador de Posição do Número do Diapositivo 5">
-            <a:extLst>
-              <a:ext uri="{FF2B5EF4-FFF2-40B4-BE49-F238E27FC236}">
-                <a16:creationId xmlns:a16="http://schemas.microsoft.com/office/drawing/2014/main" id="{CE4AE418-E243-9BEF-BCF5-EEFC6A2E6C30}"/>
-              </a:ext>
-            </a:extLst>
-          </p:cNvPr>
+          <p:cNvPr id="6" name="Slide Number Placeholder 5"/>
           <p:cNvSpPr>
             <a:spLocks noGrp="1"/>
           </p:cNvSpPr>
@@ -1201,7 +1065,7 @@
     </p:spTree>
     <p:extLst>
       <p:ext uri="{BB962C8B-B14F-4D97-AF65-F5344CB8AC3E}">
-        <p14:creationId xmlns:p14="http://schemas.microsoft.com/office/powerpoint/2010/main" val="933670704"/>
+        <p14:creationId xmlns:p14="http://schemas.microsoft.com/office/powerpoint/2010/main" val="3557896443"/>
       </p:ext>
     </p:extLst>
   </p:cSld>
@@ -1230,13 +1094,7 @@
       </p:grpSpPr>
       <p:sp>
         <p:nvSpPr>
-          <p:cNvPr id="2" name="Título 1">
-            <a:extLst>
-              <a:ext uri="{FF2B5EF4-FFF2-40B4-BE49-F238E27FC236}">
-                <a16:creationId xmlns:a16="http://schemas.microsoft.com/office/drawing/2014/main" id="{8A262A7A-9974-9483-CF07-E322481D3DB9}"/>
-              </a:ext>
-            </a:extLst>
-          </p:cNvPr>
+          <p:cNvPr id="2" name="Title 1"/>
           <p:cNvSpPr>
             <a:spLocks noGrp="1"/>
           </p:cNvSpPr>
@@ -1253,18 +1111,13 @@
               <a:rPr lang="pt-PT"/>
               <a:t>Clique para editar o estilo de título do Modelo Global</a:t>
             </a:r>
-          </a:p>
-        </p:txBody>
-      </p:sp>
-      <p:sp>
-        <p:nvSpPr>
-          <p:cNvPr id="3" name="Marcador de Posição de Conteúdo 2">
-            <a:extLst>
-              <a:ext uri="{FF2B5EF4-FFF2-40B4-BE49-F238E27FC236}">
-                <a16:creationId xmlns:a16="http://schemas.microsoft.com/office/drawing/2014/main" id="{3926261A-2AEB-C986-ED2B-06179D8EDB6F}"/>
-              </a:ext>
-            </a:extLst>
-          </p:cNvPr>
+            <a:endParaRPr lang="en-US" dirty="0"/>
+          </a:p>
+        </p:txBody>
+      </p:sp>
+      <p:sp>
+        <p:nvSpPr>
+          <p:cNvPr id="3" name="Content Placeholder 2"/>
           <p:cNvSpPr>
             <a:spLocks noGrp="1"/>
           </p:cNvSpPr>
@@ -1315,18 +1168,13 @@
               <a:rPr lang="pt-PT"/>
               <a:t>Quinto nível</a:t>
             </a:r>
-          </a:p>
-        </p:txBody>
-      </p:sp>
-      <p:sp>
-        <p:nvSpPr>
-          <p:cNvPr id="4" name="Marcador de Posição de Conteúdo 3">
-            <a:extLst>
-              <a:ext uri="{FF2B5EF4-FFF2-40B4-BE49-F238E27FC236}">
-                <a16:creationId xmlns:a16="http://schemas.microsoft.com/office/drawing/2014/main" id="{153D24CF-937C-F988-6181-3240024B81F5}"/>
-              </a:ext>
-            </a:extLst>
-          </p:cNvPr>
+            <a:endParaRPr lang="en-US" dirty="0"/>
+          </a:p>
+        </p:txBody>
+      </p:sp>
+      <p:sp>
+        <p:nvSpPr>
+          <p:cNvPr id="4" name="Content Placeholder 3"/>
           <p:cNvSpPr>
             <a:spLocks noGrp="1"/>
           </p:cNvSpPr>
@@ -1377,18 +1225,13 @@
               <a:rPr lang="pt-PT"/>
               <a:t>Quinto nível</a:t>
             </a:r>
-          </a:p>
-        </p:txBody>
-      </p:sp>
-      <p:sp>
-        <p:nvSpPr>
-          <p:cNvPr id="5" name="Marcador de Posição da Data 4">
-            <a:extLst>
-              <a:ext uri="{FF2B5EF4-FFF2-40B4-BE49-F238E27FC236}">
-                <a16:creationId xmlns:a16="http://schemas.microsoft.com/office/drawing/2014/main" id="{9D6E34B6-D86F-F857-0DE3-22680DA1AB77}"/>
-              </a:ext>
-            </a:extLst>
-          </p:cNvPr>
+            <a:endParaRPr lang="en-US" dirty="0"/>
+          </a:p>
+        </p:txBody>
+      </p:sp>
+      <p:sp>
+        <p:nvSpPr>
+          <p:cNvPr id="5" name="Date Placeholder 4"/>
           <p:cNvSpPr>
             <a:spLocks noGrp="1"/>
           </p:cNvSpPr>
@@ -1403,7 +1246,7 @@
           <a:p>
             <a:fld id="{E779E40A-B168-454D-BC32-9D3B9DD297C1}" type="datetimeFigureOut">
               <a:rPr lang="pt-PT" smtClean="0"/>
-              <a:t>10/07/2022</a:t>
+              <a:t>11/07/2022</a:t>
             </a:fld>
             <a:endParaRPr lang="pt-PT"/>
           </a:p>
@@ -1411,13 +1254,7 @@
       </p:sp>
       <p:sp>
         <p:nvSpPr>
-          <p:cNvPr id="6" name="Marcador de Posição do Rodapé 5">
-            <a:extLst>
-              <a:ext uri="{FF2B5EF4-FFF2-40B4-BE49-F238E27FC236}">
-                <a16:creationId xmlns:a16="http://schemas.microsoft.com/office/drawing/2014/main" id="{AA9DB149-0644-824B-AFBC-586356543D9D}"/>
-              </a:ext>
-            </a:extLst>
-          </p:cNvPr>
+          <p:cNvPr id="6" name="Footer Placeholder 5"/>
           <p:cNvSpPr>
             <a:spLocks noGrp="1"/>
           </p:cNvSpPr>
@@ -1436,13 +1273,7 @@
       </p:sp>
       <p:sp>
         <p:nvSpPr>
-          <p:cNvPr id="7" name="Marcador de Posição do Número do Diapositivo 6">
-            <a:extLst>
-              <a:ext uri="{FF2B5EF4-FFF2-40B4-BE49-F238E27FC236}">
-                <a16:creationId xmlns:a16="http://schemas.microsoft.com/office/drawing/2014/main" id="{6D915BC7-72D9-923F-03FA-5E2F1C7D4C36}"/>
-              </a:ext>
-            </a:extLst>
-          </p:cNvPr>
+          <p:cNvPr id="7" name="Slide Number Placeholder 6"/>
           <p:cNvSpPr>
             <a:spLocks noGrp="1"/>
           </p:cNvSpPr>
@@ -1466,7 +1297,7 @@
     </p:spTree>
     <p:extLst>
       <p:ext uri="{BB962C8B-B14F-4D97-AF65-F5344CB8AC3E}">
-        <p14:creationId xmlns:p14="http://schemas.microsoft.com/office/powerpoint/2010/main" val="706373495"/>
+        <p14:creationId xmlns:p14="http://schemas.microsoft.com/office/powerpoint/2010/main" val="2556347175"/>
       </p:ext>
     </p:extLst>
   </p:cSld>
@@ -1495,13 +1326,7 @@
       </p:grpSpPr>
       <p:sp>
         <p:nvSpPr>
-          <p:cNvPr id="2" name="Título 1">
-            <a:extLst>
-              <a:ext uri="{FF2B5EF4-FFF2-40B4-BE49-F238E27FC236}">
-                <a16:creationId xmlns:a16="http://schemas.microsoft.com/office/drawing/2014/main" id="{DD487285-FF5B-9CCE-D6E6-AF6D9F8A571C}"/>
-              </a:ext>
-            </a:extLst>
-          </p:cNvPr>
+          <p:cNvPr id="2" name="Title 1"/>
           <p:cNvSpPr>
             <a:spLocks noGrp="1"/>
           </p:cNvSpPr>
@@ -1523,18 +1348,13 @@
               <a:rPr lang="pt-PT"/>
               <a:t>Clique para editar o estilo de título do Modelo Global</a:t>
             </a:r>
-          </a:p>
-        </p:txBody>
-      </p:sp>
-      <p:sp>
-        <p:nvSpPr>
-          <p:cNvPr id="3" name="Marcador de Posição do Texto 2">
-            <a:extLst>
-              <a:ext uri="{FF2B5EF4-FFF2-40B4-BE49-F238E27FC236}">
-                <a16:creationId xmlns:a16="http://schemas.microsoft.com/office/drawing/2014/main" id="{437BC581-357B-CF08-4203-22C9BC33D093}"/>
-              </a:ext>
-            </a:extLst>
-          </p:cNvPr>
+            <a:endParaRPr lang="en-US" dirty="0"/>
+          </a:p>
+        </p:txBody>
+      </p:sp>
+      <p:sp>
+        <p:nvSpPr>
+          <p:cNvPr id="3" name="Text Placeholder 2"/>
           <p:cNvSpPr>
             <a:spLocks noGrp="1"/>
           </p:cNvSpPr>
@@ -1599,13 +1419,7 @@
       </p:sp>
       <p:sp>
         <p:nvSpPr>
-          <p:cNvPr id="4" name="Marcador de Posição de Conteúdo 3">
-            <a:extLst>
-              <a:ext uri="{FF2B5EF4-FFF2-40B4-BE49-F238E27FC236}">
-                <a16:creationId xmlns:a16="http://schemas.microsoft.com/office/drawing/2014/main" id="{E6540CD9-4FBE-4619-2FD7-EF9125EEB8AA}"/>
-              </a:ext>
-            </a:extLst>
-          </p:cNvPr>
+          <p:cNvPr id="4" name="Content Placeholder 3"/>
           <p:cNvSpPr>
             <a:spLocks noGrp="1"/>
           </p:cNvSpPr>
@@ -1656,18 +1470,13 @@
               <a:rPr lang="pt-PT"/>
               <a:t>Quinto nível</a:t>
             </a:r>
-          </a:p>
-        </p:txBody>
-      </p:sp>
-      <p:sp>
-        <p:nvSpPr>
-          <p:cNvPr id="5" name="Marcador de Posição do Texto 4">
-            <a:extLst>
-              <a:ext uri="{FF2B5EF4-FFF2-40B4-BE49-F238E27FC236}">
-                <a16:creationId xmlns:a16="http://schemas.microsoft.com/office/drawing/2014/main" id="{866257EC-F9A0-7860-7677-1D660BF67B96}"/>
-              </a:ext>
-            </a:extLst>
-          </p:cNvPr>
+            <a:endParaRPr lang="en-US" dirty="0"/>
+          </a:p>
+        </p:txBody>
+      </p:sp>
+      <p:sp>
+        <p:nvSpPr>
+          <p:cNvPr id="5" name="Text Placeholder 4"/>
           <p:cNvSpPr>
             <a:spLocks noGrp="1"/>
           </p:cNvSpPr>
@@ -1732,13 +1541,7 @@
       </p:sp>
       <p:sp>
         <p:nvSpPr>
-          <p:cNvPr id="6" name="Marcador de Posição de Conteúdo 5">
-            <a:extLst>
-              <a:ext uri="{FF2B5EF4-FFF2-40B4-BE49-F238E27FC236}">
-                <a16:creationId xmlns:a16="http://schemas.microsoft.com/office/drawing/2014/main" id="{0F8E9C77-F39E-0E9E-C6D1-B7F5BAE9D1C1}"/>
-              </a:ext>
-            </a:extLst>
-          </p:cNvPr>
+          <p:cNvPr id="6" name="Content Placeholder 5"/>
           <p:cNvSpPr>
             <a:spLocks noGrp="1"/>
           </p:cNvSpPr>
@@ -1789,18 +1592,13 @@
               <a:rPr lang="pt-PT"/>
               <a:t>Quinto nível</a:t>
             </a:r>
-          </a:p>
-        </p:txBody>
-      </p:sp>
-      <p:sp>
-        <p:nvSpPr>
-          <p:cNvPr id="7" name="Marcador de Posição da Data 6">
-            <a:extLst>
-              <a:ext uri="{FF2B5EF4-FFF2-40B4-BE49-F238E27FC236}">
-                <a16:creationId xmlns:a16="http://schemas.microsoft.com/office/drawing/2014/main" id="{FFD40C68-A683-10E2-E932-3807B28545D6}"/>
-              </a:ext>
-            </a:extLst>
-          </p:cNvPr>
+            <a:endParaRPr lang="en-US" dirty="0"/>
+          </a:p>
+        </p:txBody>
+      </p:sp>
+      <p:sp>
+        <p:nvSpPr>
+          <p:cNvPr id="7" name="Date Placeholder 6"/>
           <p:cNvSpPr>
             <a:spLocks noGrp="1"/>
           </p:cNvSpPr>
@@ -1815,7 +1613,7 @@
           <a:p>
             <a:fld id="{E779E40A-B168-454D-BC32-9D3B9DD297C1}" type="datetimeFigureOut">
               <a:rPr lang="pt-PT" smtClean="0"/>
-              <a:t>10/07/2022</a:t>
+              <a:t>11/07/2022</a:t>
             </a:fld>
             <a:endParaRPr lang="pt-PT"/>
           </a:p>
@@ -1823,13 +1621,7 @@
       </p:sp>
       <p:sp>
         <p:nvSpPr>
-          <p:cNvPr id="8" name="Marcador de Posição do Rodapé 7">
-            <a:extLst>
-              <a:ext uri="{FF2B5EF4-FFF2-40B4-BE49-F238E27FC236}">
-                <a16:creationId xmlns:a16="http://schemas.microsoft.com/office/drawing/2014/main" id="{C89C52C9-6AA8-0D92-9B8A-606E0AA46040}"/>
-              </a:ext>
-            </a:extLst>
-          </p:cNvPr>
+          <p:cNvPr id="8" name="Footer Placeholder 7"/>
           <p:cNvSpPr>
             <a:spLocks noGrp="1"/>
           </p:cNvSpPr>
@@ -1848,13 +1640,7 @@
       </p:sp>
       <p:sp>
         <p:nvSpPr>
-          <p:cNvPr id="9" name="Marcador de Posição do Número do Diapositivo 8">
-            <a:extLst>
-              <a:ext uri="{FF2B5EF4-FFF2-40B4-BE49-F238E27FC236}">
-                <a16:creationId xmlns:a16="http://schemas.microsoft.com/office/drawing/2014/main" id="{593CB1FF-D8BB-C76E-255F-5C1E4DF0FF86}"/>
-              </a:ext>
-            </a:extLst>
-          </p:cNvPr>
+          <p:cNvPr id="9" name="Slide Number Placeholder 8"/>
           <p:cNvSpPr>
             <a:spLocks noGrp="1"/>
           </p:cNvSpPr>
@@ -1878,7 +1664,7 @@
     </p:spTree>
     <p:extLst>
       <p:ext uri="{BB962C8B-B14F-4D97-AF65-F5344CB8AC3E}">
-        <p14:creationId xmlns:p14="http://schemas.microsoft.com/office/powerpoint/2010/main" val="2565402240"/>
+        <p14:creationId xmlns:p14="http://schemas.microsoft.com/office/powerpoint/2010/main" val="2340714461"/>
       </p:ext>
     </p:extLst>
   </p:cSld>
@@ -1907,13 +1693,7 @@
       </p:grpSpPr>
       <p:sp>
         <p:nvSpPr>
-          <p:cNvPr id="2" name="Título 1">
-            <a:extLst>
-              <a:ext uri="{FF2B5EF4-FFF2-40B4-BE49-F238E27FC236}">
-                <a16:creationId xmlns:a16="http://schemas.microsoft.com/office/drawing/2014/main" id="{1292FD54-2381-A81A-BB9A-5AFD2B128334}"/>
-              </a:ext>
-            </a:extLst>
-          </p:cNvPr>
+          <p:cNvPr id="2" name="Title 1"/>
           <p:cNvSpPr>
             <a:spLocks noGrp="1"/>
           </p:cNvSpPr>
@@ -1930,18 +1710,13 @@
               <a:rPr lang="pt-PT"/>
               <a:t>Clique para editar o estilo de título do Modelo Global</a:t>
             </a:r>
-          </a:p>
-        </p:txBody>
-      </p:sp>
-      <p:sp>
-        <p:nvSpPr>
-          <p:cNvPr id="3" name="Marcador de Posição da Data 2">
-            <a:extLst>
-              <a:ext uri="{FF2B5EF4-FFF2-40B4-BE49-F238E27FC236}">
-                <a16:creationId xmlns:a16="http://schemas.microsoft.com/office/drawing/2014/main" id="{39C9AF35-E24F-B246-8C13-7C0F003AF38E}"/>
-              </a:ext>
-            </a:extLst>
-          </p:cNvPr>
+            <a:endParaRPr lang="en-US" dirty="0"/>
+          </a:p>
+        </p:txBody>
+      </p:sp>
+      <p:sp>
+        <p:nvSpPr>
+          <p:cNvPr id="3" name="Date Placeholder 2"/>
           <p:cNvSpPr>
             <a:spLocks noGrp="1"/>
           </p:cNvSpPr>
@@ -1956,7 +1731,7 @@
           <a:p>
             <a:fld id="{E779E40A-B168-454D-BC32-9D3B9DD297C1}" type="datetimeFigureOut">
               <a:rPr lang="pt-PT" smtClean="0"/>
-              <a:t>10/07/2022</a:t>
+              <a:t>11/07/2022</a:t>
             </a:fld>
             <a:endParaRPr lang="pt-PT"/>
           </a:p>
@@ -1964,13 +1739,7 @@
       </p:sp>
       <p:sp>
         <p:nvSpPr>
-          <p:cNvPr id="4" name="Marcador de Posição do Rodapé 3">
-            <a:extLst>
-              <a:ext uri="{FF2B5EF4-FFF2-40B4-BE49-F238E27FC236}">
-                <a16:creationId xmlns:a16="http://schemas.microsoft.com/office/drawing/2014/main" id="{A9855DDB-D198-0463-9714-43C211B25A5B}"/>
-              </a:ext>
-            </a:extLst>
-          </p:cNvPr>
+          <p:cNvPr id="4" name="Footer Placeholder 3"/>
           <p:cNvSpPr>
             <a:spLocks noGrp="1"/>
           </p:cNvSpPr>
@@ -1989,13 +1758,7 @@
       </p:sp>
       <p:sp>
         <p:nvSpPr>
-          <p:cNvPr id="5" name="Marcador de Posição do Número do Diapositivo 4">
-            <a:extLst>
-              <a:ext uri="{FF2B5EF4-FFF2-40B4-BE49-F238E27FC236}">
-                <a16:creationId xmlns:a16="http://schemas.microsoft.com/office/drawing/2014/main" id="{AB08B70D-E097-A2B1-0D7E-BD5A52380625}"/>
-              </a:ext>
-            </a:extLst>
-          </p:cNvPr>
+          <p:cNvPr id="5" name="Slide Number Placeholder 4"/>
           <p:cNvSpPr>
             <a:spLocks noGrp="1"/>
           </p:cNvSpPr>
@@ -2019,7 +1782,7 @@
     </p:spTree>
     <p:extLst>
       <p:ext uri="{BB962C8B-B14F-4D97-AF65-F5344CB8AC3E}">
-        <p14:creationId xmlns:p14="http://schemas.microsoft.com/office/powerpoint/2010/main" val="941478134"/>
+        <p14:creationId xmlns:p14="http://schemas.microsoft.com/office/powerpoint/2010/main" val="447075279"/>
       </p:ext>
     </p:extLst>
   </p:cSld>
@@ -2048,13 +1811,7 @@
       </p:grpSpPr>
       <p:sp>
         <p:nvSpPr>
-          <p:cNvPr id="2" name="Marcador de Posição da Data 1">
-            <a:extLst>
-              <a:ext uri="{FF2B5EF4-FFF2-40B4-BE49-F238E27FC236}">
-                <a16:creationId xmlns:a16="http://schemas.microsoft.com/office/drawing/2014/main" id="{0D987AE5-B688-183B-1505-88BE3592FDC7}"/>
-              </a:ext>
-            </a:extLst>
-          </p:cNvPr>
+          <p:cNvPr id="2" name="Date Placeholder 1"/>
           <p:cNvSpPr>
             <a:spLocks noGrp="1"/>
           </p:cNvSpPr>
@@ -2069,7 +1826,7 @@
           <a:p>
             <a:fld id="{E779E40A-B168-454D-BC32-9D3B9DD297C1}" type="datetimeFigureOut">
               <a:rPr lang="pt-PT" smtClean="0"/>
-              <a:t>10/07/2022</a:t>
+              <a:t>11/07/2022</a:t>
             </a:fld>
             <a:endParaRPr lang="pt-PT"/>
           </a:p>
@@ -2077,13 +1834,7 @@
       </p:sp>
       <p:sp>
         <p:nvSpPr>
-          <p:cNvPr id="3" name="Marcador de Posição do Rodapé 2">
-            <a:extLst>
-              <a:ext uri="{FF2B5EF4-FFF2-40B4-BE49-F238E27FC236}">
-                <a16:creationId xmlns:a16="http://schemas.microsoft.com/office/drawing/2014/main" id="{93F93B6B-665C-D802-EE04-B96CE5729F26}"/>
-              </a:ext>
-            </a:extLst>
-          </p:cNvPr>
+          <p:cNvPr id="3" name="Footer Placeholder 2"/>
           <p:cNvSpPr>
             <a:spLocks noGrp="1"/>
           </p:cNvSpPr>
@@ -2102,13 +1853,7 @@
       </p:sp>
       <p:sp>
         <p:nvSpPr>
-          <p:cNvPr id="4" name="Marcador de Posição do Número do Diapositivo 3">
-            <a:extLst>
-              <a:ext uri="{FF2B5EF4-FFF2-40B4-BE49-F238E27FC236}">
-                <a16:creationId xmlns:a16="http://schemas.microsoft.com/office/drawing/2014/main" id="{985D047D-3D91-D48A-32D8-181C83318600}"/>
-              </a:ext>
-            </a:extLst>
-          </p:cNvPr>
+          <p:cNvPr id="4" name="Slide Number Placeholder 3"/>
           <p:cNvSpPr>
             <a:spLocks noGrp="1"/>
           </p:cNvSpPr>
@@ -2132,7 +1877,7 @@
     </p:spTree>
     <p:extLst>
       <p:ext uri="{BB962C8B-B14F-4D97-AF65-F5344CB8AC3E}">
-        <p14:creationId xmlns:p14="http://schemas.microsoft.com/office/powerpoint/2010/main" val="4124649842"/>
+        <p14:creationId xmlns:p14="http://schemas.microsoft.com/office/powerpoint/2010/main" val="43825699"/>
       </p:ext>
     </p:extLst>
   </p:cSld>
@@ -2161,13 +1906,7 @@
       </p:grpSpPr>
       <p:sp>
         <p:nvSpPr>
-          <p:cNvPr id="2" name="Título 1">
-            <a:extLst>
-              <a:ext uri="{FF2B5EF4-FFF2-40B4-BE49-F238E27FC236}">
-                <a16:creationId xmlns:a16="http://schemas.microsoft.com/office/drawing/2014/main" id="{22B9DF81-8D0F-C40A-E03A-C57BEA51CCD1}"/>
-              </a:ext>
-            </a:extLst>
-          </p:cNvPr>
+          <p:cNvPr id="2" name="Title 1"/>
           <p:cNvSpPr>
             <a:spLocks noGrp="1"/>
           </p:cNvSpPr>
@@ -2193,18 +1932,13 @@
               <a:rPr lang="pt-PT"/>
               <a:t>Clique para editar o estilo de título do Modelo Global</a:t>
             </a:r>
-          </a:p>
-        </p:txBody>
-      </p:sp>
-      <p:sp>
-        <p:nvSpPr>
-          <p:cNvPr id="3" name="Marcador de Posição de Conteúdo 2">
-            <a:extLst>
-              <a:ext uri="{FF2B5EF4-FFF2-40B4-BE49-F238E27FC236}">
-                <a16:creationId xmlns:a16="http://schemas.microsoft.com/office/drawing/2014/main" id="{F83DE660-136F-EAA7-D114-F36D5B1597F4}"/>
-              </a:ext>
-            </a:extLst>
-          </p:cNvPr>
+            <a:endParaRPr lang="en-US" dirty="0"/>
+          </a:p>
+        </p:txBody>
+      </p:sp>
+      <p:sp>
+        <p:nvSpPr>
+          <p:cNvPr id="3" name="Content Placeholder 2"/>
           <p:cNvSpPr>
             <a:spLocks noGrp="1"/>
           </p:cNvSpPr>
@@ -2283,18 +2017,13 @@
               <a:rPr lang="pt-PT"/>
               <a:t>Quinto nível</a:t>
             </a:r>
-          </a:p>
-        </p:txBody>
-      </p:sp>
-      <p:sp>
-        <p:nvSpPr>
-          <p:cNvPr id="4" name="Marcador de Posição do Texto 3">
-            <a:extLst>
-              <a:ext uri="{FF2B5EF4-FFF2-40B4-BE49-F238E27FC236}">
-                <a16:creationId xmlns:a16="http://schemas.microsoft.com/office/drawing/2014/main" id="{64ED7C82-9CE3-4918-130B-8F3640F2E8BC}"/>
-              </a:ext>
-            </a:extLst>
-          </p:cNvPr>
+            <a:endParaRPr lang="en-US" dirty="0"/>
+          </a:p>
+        </p:txBody>
+      </p:sp>
+      <p:sp>
+        <p:nvSpPr>
+          <p:cNvPr id="4" name="Text Placeholder 3"/>
           <p:cNvSpPr>
             <a:spLocks noGrp="1"/>
           </p:cNvSpPr>
@@ -2359,13 +2088,7 @@
       </p:sp>
       <p:sp>
         <p:nvSpPr>
-          <p:cNvPr id="5" name="Marcador de Posição da Data 4">
-            <a:extLst>
-              <a:ext uri="{FF2B5EF4-FFF2-40B4-BE49-F238E27FC236}">
-                <a16:creationId xmlns:a16="http://schemas.microsoft.com/office/drawing/2014/main" id="{93F7AC7F-8D6D-8343-959F-DB7393B3485C}"/>
-              </a:ext>
-            </a:extLst>
-          </p:cNvPr>
+          <p:cNvPr id="5" name="Date Placeholder 4"/>
           <p:cNvSpPr>
             <a:spLocks noGrp="1"/>
           </p:cNvSpPr>
@@ -2380,7 +2103,7 @@
           <a:p>
             <a:fld id="{E779E40A-B168-454D-BC32-9D3B9DD297C1}" type="datetimeFigureOut">
               <a:rPr lang="pt-PT" smtClean="0"/>
-              <a:t>10/07/2022</a:t>
+              <a:t>11/07/2022</a:t>
             </a:fld>
             <a:endParaRPr lang="pt-PT"/>
           </a:p>
@@ -2388,13 +2111,7 @@
       </p:sp>
       <p:sp>
         <p:nvSpPr>
-          <p:cNvPr id="6" name="Marcador de Posição do Rodapé 5">
-            <a:extLst>
-              <a:ext uri="{FF2B5EF4-FFF2-40B4-BE49-F238E27FC236}">
-                <a16:creationId xmlns:a16="http://schemas.microsoft.com/office/drawing/2014/main" id="{28962256-E9DD-BFB3-A4E1-5C055DDB14E0}"/>
-              </a:ext>
-            </a:extLst>
-          </p:cNvPr>
+          <p:cNvPr id="6" name="Footer Placeholder 5"/>
           <p:cNvSpPr>
             <a:spLocks noGrp="1"/>
           </p:cNvSpPr>
@@ -2413,13 +2130,7 @@
       </p:sp>
       <p:sp>
         <p:nvSpPr>
-          <p:cNvPr id="7" name="Marcador de Posição do Número do Diapositivo 6">
-            <a:extLst>
-              <a:ext uri="{FF2B5EF4-FFF2-40B4-BE49-F238E27FC236}">
-                <a16:creationId xmlns:a16="http://schemas.microsoft.com/office/drawing/2014/main" id="{27288F0E-42A1-ABBC-893D-831C3801579A}"/>
-              </a:ext>
-            </a:extLst>
-          </p:cNvPr>
+          <p:cNvPr id="7" name="Slide Number Placeholder 6"/>
           <p:cNvSpPr>
             <a:spLocks noGrp="1"/>
           </p:cNvSpPr>
@@ -2443,7 +2154,7 @@
     </p:spTree>
     <p:extLst>
       <p:ext uri="{BB962C8B-B14F-4D97-AF65-F5344CB8AC3E}">
-        <p14:creationId xmlns:p14="http://schemas.microsoft.com/office/powerpoint/2010/main" val="488942583"/>
+        <p14:creationId xmlns:p14="http://schemas.microsoft.com/office/powerpoint/2010/main" val="430320956"/>
       </p:ext>
     </p:extLst>
   </p:cSld>
@@ -2472,13 +2183,7 @@
       </p:grpSpPr>
       <p:sp>
         <p:nvSpPr>
-          <p:cNvPr id="2" name="Título 1">
-            <a:extLst>
-              <a:ext uri="{FF2B5EF4-FFF2-40B4-BE49-F238E27FC236}">
-                <a16:creationId xmlns:a16="http://schemas.microsoft.com/office/drawing/2014/main" id="{786847E0-D4D7-073A-BCD0-1F8B4DC93EBA}"/>
-              </a:ext>
-            </a:extLst>
-          </p:cNvPr>
+          <p:cNvPr id="2" name="Title 1"/>
           <p:cNvSpPr>
             <a:spLocks noGrp="1"/>
           </p:cNvSpPr>
@@ -2504,20 +2209,15 @@
               <a:rPr lang="pt-PT"/>
               <a:t>Clique para editar o estilo de título do Modelo Global</a:t>
             </a:r>
-          </a:p>
-        </p:txBody>
-      </p:sp>
-      <p:sp>
-        <p:nvSpPr>
-          <p:cNvPr id="3" name="Marcador de Posição da Imagem 2">
-            <a:extLst>
-              <a:ext uri="{FF2B5EF4-FFF2-40B4-BE49-F238E27FC236}">
-                <a16:creationId xmlns:a16="http://schemas.microsoft.com/office/drawing/2014/main" id="{FF49CD46-1EF1-37B1-3F2C-0C04AC393424}"/>
-              </a:ext>
-            </a:extLst>
-          </p:cNvPr>
-          <p:cNvSpPr>
-            <a:spLocks noGrp="1"/>
+            <a:endParaRPr lang="en-US" dirty="0"/>
+          </a:p>
+        </p:txBody>
+      </p:sp>
+      <p:sp>
+        <p:nvSpPr>
+          <p:cNvPr id="3" name="Picture Placeholder 2"/>
+          <p:cNvSpPr>
+            <a:spLocks noGrp="1" noChangeAspect="1"/>
           </p:cNvSpPr>
           <p:nvPr>
             <p:ph type="pic" idx="1"/>
@@ -2530,7 +2230,7 @@
           </a:xfrm>
         </p:spPr>
         <p:txBody>
-          <a:bodyPr/>
+          <a:bodyPr anchor="t"/>
           <a:lstStyle>
             <a:lvl1pPr marL="0" indent="0">
               <a:buNone/>
@@ -2570,19 +2270,17 @@
             </a:lvl9pPr>
           </a:lstStyle>
           <a:p>
-            <a:endParaRPr lang="pt-PT"/>
-          </a:p>
-        </p:txBody>
-      </p:sp>
-      <p:sp>
-        <p:nvSpPr>
-          <p:cNvPr id="4" name="Marcador de Posição do Texto 3">
-            <a:extLst>
-              <a:ext uri="{FF2B5EF4-FFF2-40B4-BE49-F238E27FC236}">
-                <a16:creationId xmlns:a16="http://schemas.microsoft.com/office/drawing/2014/main" id="{A9A02F11-16F0-8823-62BB-88911FDE35C3}"/>
-              </a:ext>
-            </a:extLst>
-          </p:cNvPr>
+            <a:r>
+              <a:rPr lang="pt-PT"/>
+              <a:t>Clique no ícone para adicionar uma imagem</a:t>
+            </a:r>
+            <a:endParaRPr lang="en-US" dirty="0"/>
+          </a:p>
+        </p:txBody>
+      </p:sp>
+      <p:sp>
+        <p:nvSpPr>
+          <p:cNvPr id="4" name="Text Placeholder 3"/>
           <p:cNvSpPr>
             <a:spLocks noGrp="1"/>
           </p:cNvSpPr>
@@ -2647,13 +2345,7 @@
       </p:sp>
       <p:sp>
         <p:nvSpPr>
-          <p:cNvPr id="5" name="Marcador de Posição da Data 4">
-            <a:extLst>
-              <a:ext uri="{FF2B5EF4-FFF2-40B4-BE49-F238E27FC236}">
-                <a16:creationId xmlns:a16="http://schemas.microsoft.com/office/drawing/2014/main" id="{41CD9F11-3BAB-7707-4D75-9E1877C3A54A}"/>
-              </a:ext>
-            </a:extLst>
-          </p:cNvPr>
+          <p:cNvPr id="5" name="Date Placeholder 4"/>
           <p:cNvSpPr>
             <a:spLocks noGrp="1"/>
           </p:cNvSpPr>
@@ -2668,7 +2360,7 @@
           <a:p>
             <a:fld id="{E779E40A-B168-454D-BC32-9D3B9DD297C1}" type="datetimeFigureOut">
               <a:rPr lang="pt-PT" smtClean="0"/>
-              <a:t>10/07/2022</a:t>
+              <a:t>11/07/2022</a:t>
             </a:fld>
             <a:endParaRPr lang="pt-PT"/>
           </a:p>
@@ -2676,13 +2368,7 @@
       </p:sp>
       <p:sp>
         <p:nvSpPr>
-          <p:cNvPr id="6" name="Marcador de Posição do Rodapé 5">
-            <a:extLst>
-              <a:ext uri="{FF2B5EF4-FFF2-40B4-BE49-F238E27FC236}">
-                <a16:creationId xmlns:a16="http://schemas.microsoft.com/office/drawing/2014/main" id="{1805498C-5EBF-CC0F-F74E-5A062AFA8993}"/>
-              </a:ext>
-            </a:extLst>
-          </p:cNvPr>
+          <p:cNvPr id="6" name="Footer Placeholder 5"/>
           <p:cNvSpPr>
             <a:spLocks noGrp="1"/>
           </p:cNvSpPr>
@@ -2701,13 +2387,7 @@
       </p:sp>
       <p:sp>
         <p:nvSpPr>
-          <p:cNvPr id="7" name="Marcador de Posição do Número do Diapositivo 6">
-            <a:extLst>
-              <a:ext uri="{FF2B5EF4-FFF2-40B4-BE49-F238E27FC236}">
-                <a16:creationId xmlns:a16="http://schemas.microsoft.com/office/drawing/2014/main" id="{39A5B50F-4FC8-2218-A8F1-DF8383B56A2F}"/>
-              </a:ext>
-            </a:extLst>
-          </p:cNvPr>
+          <p:cNvPr id="7" name="Slide Number Placeholder 6"/>
           <p:cNvSpPr>
             <a:spLocks noGrp="1"/>
           </p:cNvSpPr>
@@ -2731,7 +2411,7 @@
     </p:spTree>
     <p:extLst>
       <p:ext uri="{BB962C8B-B14F-4D97-AF65-F5344CB8AC3E}">
-        <p14:creationId xmlns:p14="http://schemas.microsoft.com/office/powerpoint/2010/main" val="3780348626"/>
+        <p14:creationId xmlns:p14="http://schemas.microsoft.com/office/powerpoint/2010/main" val="3435926568"/>
       </p:ext>
     </p:extLst>
   </p:cSld>
@@ -2765,13 +2445,7 @@
       </p:grpSpPr>
       <p:sp>
         <p:nvSpPr>
-          <p:cNvPr id="2" name="Marcador de Posição do Título 1">
-            <a:extLst>
-              <a:ext uri="{FF2B5EF4-FFF2-40B4-BE49-F238E27FC236}">
-                <a16:creationId xmlns:a16="http://schemas.microsoft.com/office/drawing/2014/main" id="{3B238183-E44F-AC86-0302-E1E29F03A5DE}"/>
-              </a:ext>
-            </a:extLst>
-          </p:cNvPr>
+          <p:cNvPr id="2" name="Title Placeholder 1"/>
           <p:cNvSpPr>
             <a:spLocks noGrp="1"/>
           </p:cNvSpPr>
@@ -2798,18 +2472,13 @@
               <a:rPr lang="pt-PT"/>
               <a:t>Clique para editar o estilo de título do Modelo Global</a:t>
             </a:r>
-          </a:p>
-        </p:txBody>
-      </p:sp>
-      <p:sp>
-        <p:nvSpPr>
-          <p:cNvPr id="3" name="Marcador de Posição do Texto 2">
-            <a:extLst>
-              <a:ext uri="{FF2B5EF4-FFF2-40B4-BE49-F238E27FC236}">
-                <a16:creationId xmlns:a16="http://schemas.microsoft.com/office/drawing/2014/main" id="{A0D2D4CD-CBD6-C888-5D3B-A5C80CE4078D}"/>
-              </a:ext>
-            </a:extLst>
-          </p:cNvPr>
+            <a:endParaRPr lang="en-US" dirty="0"/>
+          </a:p>
+        </p:txBody>
+      </p:sp>
+      <p:sp>
+        <p:nvSpPr>
+          <p:cNvPr id="3" name="Text Placeholder 2"/>
           <p:cNvSpPr>
             <a:spLocks noGrp="1"/>
           </p:cNvSpPr>
@@ -2865,18 +2534,13 @@
               <a:rPr lang="pt-PT"/>
               <a:t>Quinto nível</a:t>
             </a:r>
-          </a:p>
-        </p:txBody>
-      </p:sp>
-      <p:sp>
-        <p:nvSpPr>
-          <p:cNvPr id="4" name="Marcador de Posição da Data 3">
-            <a:extLst>
-              <a:ext uri="{FF2B5EF4-FFF2-40B4-BE49-F238E27FC236}">
-                <a16:creationId xmlns:a16="http://schemas.microsoft.com/office/drawing/2014/main" id="{32F83496-7DFB-FD56-A465-BB9B81BC38E8}"/>
-              </a:ext>
-            </a:extLst>
-          </p:cNvPr>
+            <a:endParaRPr lang="en-US" dirty="0"/>
+          </a:p>
+        </p:txBody>
+      </p:sp>
+      <p:sp>
+        <p:nvSpPr>
+          <p:cNvPr id="4" name="Date Placeholder 3"/>
           <p:cNvSpPr>
             <a:spLocks noGrp="1"/>
           </p:cNvSpPr>
@@ -2909,7 +2573,7 @@
           <a:p>
             <a:fld id="{E779E40A-B168-454D-BC32-9D3B9DD297C1}" type="datetimeFigureOut">
               <a:rPr lang="pt-PT" smtClean="0"/>
-              <a:t>10/07/2022</a:t>
+              <a:t>11/07/2022</a:t>
             </a:fld>
             <a:endParaRPr lang="pt-PT"/>
           </a:p>
@@ -2917,13 +2581,7 @@
       </p:sp>
       <p:sp>
         <p:nvSpPr>
-          <p:cNvPr id="5" name="Marcador de Posição do Rodapé 4">
-            <a:extLst>
-              <a:ext uri="{FF2B5EF4-FFF2-40B4-BE49-F238E27FC236}">
-                <a16:creationId xmlns:a16="http://schemas.microsoft.com/office/drawing/2014/main" id="{95826849-C910-EA61-AEC2-6EE2D765330E}"/>
-              </a:ext>
-            </a:extLst>
-          </p:cNvPr>
+          <p:cNvPr id="5" name="Footer Placeholder 4"/>
           <p:cNvSpPr>
             <a:spLocks noGrp="1"/>
           </p:cNvSpPr>
@@ -2960,13 +2618,7 @@
       </p:sp>
       <p:sp>
         <p:nvSpPr>
-          <p:cNvPr id="6" name="Marcador de Posição do Número do Diapositivo 5">
-            <a:extLst>
-              <a:ext uri="{FF2B5EF4-FFF2-40B4-BE49-F238E27FC236}">
-                <a16:creationId xmlns:a16="http://schemas.microsoft.com/office/drawing/2014/main" id="{53F67297-8E97-6C4D-1493-0FEF181769D2}"/>
-              </a:ext>
-            </a:extLst>
-          </p:cNvPr>
+          <p:cNvPr id="6" name="Slide Number Placeholder 5"/>
           <p:cNvSpPr>
             <a:spLocks noGrp="1"/>
           </p:cNvSpPr>
@@ -3008,23 +2660,23 @@
     </p:spTree>
     <p:extLst>
       <p:ext uri="{BB962C8B-B14F-4D97-AF65-F5344CB8AC3E}">
-        <p14:creationId xmlns:p14="http://schemas.microsoft.com/office/powerpoint/2010/main" val="483966610"/>
+        <p14:creationId xmlns:p14="http://schemas.microsoft.com/office/powerpoint/2010/main" val="1416016611"/>
       </p:ext>
     </p:extLst>
   </p:cSld>
   <p:clrMap bg1="lt1" tx1="dk1" bg2="lt2" tx2="dk2" accent1="accent1" accent2="accent2" accent3="accent3" accent4="accent4" accent5="accent5" accent6="accent6" hlink="hlink" folHlink="folHlink"/>
   <p:sldLayoutIdLst>
-    <p:sldLayoutId id="2147483649" r:id="rId1"/>
-    <p:sldLayoutId id="2147483650" r:id="rId2"/>
-    <p:sldLayoutId id="2147483651" r:id="rId3"/>
-    <p:sldLayoutId id="2147483652" r:id="rId4"/>
-    <p:sldLayoutId id="2147483653" r:id="rId5"/>
-    <p:sldLayoutId id="2147483654" r:id="rId6"/>
-    <p:sldLayoutId id="2147483655" r:id="rId7"/>
-    <p:sldLayoutId id="2147483656" r:id="rId8"/>
-    <p:sldLayoutId id="2147483657" r:id="rId9"/>
-    <p:sldLayoutId id="2147483658" r:id="rId10"/>
-    <p:sldLayoutId id="2147483659" r:id="rId11"/>
+    <p:sldLayoutId id="2147483697" r:id="rId1"/>
+    <p:sldLayoutId id="2147483698" r:id="rId2"/>
+    <p:sldLayoutId id="2147483699" r:id="rId3"/>
+    <p:sldLayoutId id="2147483700" r:id="rId4"/>
+    <p:sldLayoutId id="2147483701" r:id="rId5"/>
+    <p:sldLayoutId id="2147483702" r:id="rId6"/>
+    <p:sldLayoutId id="2147483703" r:id="rId7"/>
+    <p:sldLayoutId id="2147483704" r:id="rId8"/>
+    <p:sldLayoutId id="2147483705" r:id="rId9"/>
+    <p:sldLayoutId id="2147483706" r:id="rId10"/>
+    <p:sldLayoutId id="2147483707" r:id="rId11"/>
   </p:sldLayoutIdLst>
   <p:txStyles>
     <p:titleStyle>
@@ -3212,7 +2864,7 @@
     </p:bodyStyle>
     <p:otherStyle>
       <a:defPPr>
-        <a:defRPr lang="pt-PT"/>
+        <a:defRPr lang="en-US"/>
       </a:defPPr>
       <a:lvl1pPr marL="0" algn="l" defTabSz="914400" rtl="0" eaLnBrk="1" latinLnBrk="0" hangingPunct="1">
         <a:defRPr sz="1800" kern="1200">
@@ -3334,66 +2986,6 @@
           <a:chExt cx="0" cy="0"/>
         </a:xfrm>
       </p:grpSpPr>
-      <p:sp useBgFill="1">
-        <p:nvSpPr>
-          <p:cNvPr id="70" name="Rectangle 59">
-            <a:extLst>
-              <a:ext uri="{FF2B5EF4-FFF2-40B4-BE49-F238E27FC236}">
-                <a16:creationId xmlns:a16="http://schemas.microsoft.com/office/drawing/2014/main" id="{68AF5748-FED8-45BA-8631-26D1D10F3246}"/>
-              </a:ext>
-              <a:ext uri="{C183D7F6-B498-43B3-948B-1728B52AA6E4}">
-                <adec:decorative xmlns:adec="http://schemas.microsoft.com/office/drawing/2017/decorative" val="1"/>
-              </a:ext>
-            </a:extLst>
-          </p:cNvPr>
-          <p:cNvSpPr>
-            <a:spLocks noGrp="1" noRot="1" noChangeAspect="1" noMove="1" noResize="1" noEditPoints="1" noAdjustHandles="1" noChangeArrowheads="1" noChangeShapeType="1" noTextEdit="1"/>
-          </p:cNvSpPr>
-          <p:nvPr>
-            <p:extLst>
-              <p:ext uri="{386F3935-93C4-4BCD-93E2-E3B085C9AB24}">
-                <p16:designElem xmlns:p16="http://schemas.microsoft.com/office/powerpoint/2015/main" val="1"/>
-              </p:ext>
-            </p:extLst>
-          </p:nvPr>
-        </p:nvSpPr>
-        <p:spPr>
-          <a:xfrm>
-            <a:off x="0" y="0"/>
-            <a:ext cx="12192000" cy="6858000"/>
-          </a:xfrm>
-          <a:prstGeom prst="rect">
-            <a:avLst/>
-          </a:prstGeom>
-          <a:ln>
-            <a:noFill/>
-          </a:ln>
-        </p:spPr>
-        <p:style>
-          <a:lnRef idx="2">
-            <a:schemeClr val="accent1">
-              <a:shade val="50000"/>
-            </a:schemeClr>
-          </a:lnRef>
-          <a:fillRef idx="1">
-            <a:schemeClr val="accent1"/>
-          </a:fillRef>
-          <a:effectRef idx="0">
-            <a:schemeClr val="accent1"/>
-          </a:effectRef>
-          <a:fontRef idx="minor">
-            <a:schemeClr val="lt1"/>
-          </a:fontRef>
-        </p:style>
-        <p:txBody>
-          <a:bodyPr rtlCol="0" anchor="ctr"/>
-          <a:lstStyle/>
-          <a:p>
-            <a:pPr algn="ctr"/>
-            <a:endParaRPr lang="en-US"/>
-          </a:p>
-        </p:txBody>
-      </p:sp>
       <p:sp>
         <p:nvSpPr>
           <p:cNvPr id="2" name="Título 1">
@@ -3424,14 +3016,29 @@
           <a:p>
             <a:pPr algn="l"/>
             <a:r>
-              <a:rPr lang="pt-PT" sz="4800" dirty="0"/>
-              <a:t>Take me </a:t>
-            </a:r>
-            <a:r>
-              <a:rPr lang="pt-PT" sz="4800"/>
+              <a:rPr lang="pt-PT" sz="4800" dirty="0">
+                <a:solidFill>
+                  <a:srgbClr val="CC8A14"/>
+                </a:solidFill>
+                <a:latin typeface="Pacifico" panose="00000500000000000000" pitchFamily="2" charset="0"/>
+              </a:rPr>
+              <a:t>Take</a:t>
+            </a:r>
+            <a:r>
+              <a:rPr lang="pt-PT" sz="4800" dirty="0">
+                <a:latin typeface="Pacifico" panose="00000500000000000000" pitchFamily="2" charset="0"/>
+              </a:rPr>
+              <a:t> me </a:t>
+            </a:r>
+            <a:r>
+              <a:rPr lang="pt-PT" sz="4800" dirty="0">
+                <a:solidFill>
+                  <a:srgbClr val="36A327"/>
+                </a:solidFill>
+                <a:latin typeface="Pacifico" panose="00000500000000000000" pitchFamily="2" charset="0"/>
+              </a:rPr>
               <a:t>Home</a:t>
             </a:r>
-            <a:endParaRPr lang="pt-PT" sz="4800" dirty="0"/>
           </a:p>
         </p:txBody>
       </p:sp>
@@ -3468,173 +3075,12 @@
           </a:p>
         </p:txBody>
       </p:sp>
-      <p:sp>
-        <p:nvSpPr>
-          <p:cNvPr id="71" name="Rectangle 61">
+      <p:pic>
+        <p:nvPicPr>
+          <p:cNvPr id="8" name="Imagem 7">
             <a:extLst>
               <a:ext uri="{FF2B5EF4-FFF2-40B4-BE49-F238E27FC236}">
-                <a16:creationId xmlns:a16="http://schemas.microsoft.com/office/drawing/2014/main" id="{AF2F604E-43BE-4DC3-B983-E071523364F8}"/>
-              </a:ext>
-              <a:ext uri="{C183D7F6-B498-43B3-948B-1728B52AA6E4}">
-                <adec:decorative xmlns:adec="http://schemas.microsoft.com/office/drawing/2017/decorative" val="1"/>
-              </a:ext>
-            </a:extLst>
-          </p:cNvPr>
-          <p:cNvSpPr>
-            <a:spLocks noGrp="1" noRot="1" noChangeAspect="1" noMove="1" noResize="1" noEditPoints="1" noAdjustHandles="1" noChangeArrowheads="1" noChangeShapeType="1" noTextEdit="1"/>
-          </p:cNvSpPr>
-          <p:nvPr>
-            <p:extLst>
-              <p:ext uri="{386F3935-93C4-4BCD-93E2-E3B085C9AB24}">
-                <p16:designElem xmlns:p16="http://schemas.microsoft.com/office/powerpoint/2015/main" val="1"/>
-              </p:ext>
-            </p:extLst>
-          </p:nvPr>
-        </p:nvSpPr>
-        <p:spPr>
-          <a:xfrm rot="5400000">
-            <a:off x="759921" y="346791"/>
-            <a:ext cx="146304" cy="704088"/>
-          </a:xfrm>
-          <a:prstGeom prst="rect">
-            <a:avLst/>
-          </a:prstGeom>
-          <a:solidFill>
-            <a:schemeClr val="accent2"/>
-          </a:solidFill>
-          <a:ln>
-            <a:noFill/>
-          </a:ln>
-        </p:spPr>
-        <p:style>
-          <a:lnRef idx="2">
-            <a:schemeClr val="accent1">
-              <a:shade val="50000"/>
-            </a:schemeClr>
-          </a:lnRef>
-          <a:fillRef idx="1">
-            <a:schemeClr val="accent1"/>
-          </a:fillRef>
-          <a:effectRef idx="0">
-            <a:schemeClr val="accent1"/>
-          </a:effectRef>
-          <a:fontRef idx="minor">
-            <a:schemeClr val="lt1"/>
-          </a:fontRef>
-        </p:style>
-        <p:txBody>
-          <a:bodyPr rtlCol="0" anchor="ctr"/>
-          <a:lstStyle/>
-          <a:p>
-            <a:pPr marL="0" marR="0" lvl="0" indent="0" algn="ctr" defTabSz="914400" rtl="0" eaLnBrk="1" fontAlgn="auto" latinLnBrk="0" hangingPunct="1">
-              <a:lnSpc>
-                <a:spcPct val="100000"/>
-              </a:lnSpc>
-              <a:spcBef>
-                <a:spcPts val="0"/>
-              </a:spcBef>
-              <a:spcAft>
-                <a:spcPts val="0"/>
-              </a:spcAft>
-              <a:buClrTx/>
-              <a:buSzTx/>
-              <a:buFontTx/>
-              <a:buNone/>
-              <a:tabLst/>
-              <a:defRPr/>
-            </a:pPr>
-            <a:endParaRPr kumimoji="0" lang="en-US" sz="1800" b="0" i="0" u="none" strike="noStrike" kern="1200" cap="none" spc="0" normalizeH="0" baseline="0" noProof="0">
-              <a:ln>
-                <a:noFill/>
-              </a:ln>
-              <a:solidFill>
-                <a:prstClr val="white"/>
-              </a:solidFill>
-              <a:effectLst/>
-              <a:uLnTx/>
-              <a:uFillTx/>
-              <a:latin typeface="Calibri" panose="020F0502020204030204"/>
-              <a:ea typeface="+mn-ea"/>
-              <a:cs typeface="+mn-cs"/>
-            </a:endParaRPr>
-          </a:p>
-        </p:txBody>
-      </p:sp>
-      <p:sp>
-        <p:nvSpPr>
-          <p:cNvPr id="72" name="Rectangle 63">
-            <a:extLst>
-              <a:ext uri="{FF2B5EF4-FFF2-40B4-BE49-F238E27FC236}">
-                <a16:creationId xmlns:a16="http://schemas.microsoft.com/office/drawing/2014/main" id="{08C9B587-E65E-4B52-B37C-ABEBB6E87928}"/>
-              </a:ext>
-              <a:ext uri="{C183D7F6-B498-43B3-948B-1728B52AA6E4}">
-                <adec:decorative xmlns:adec="http://schemas.microsoft.com/office/drawing/2017/decorative" val="1"/>
-              </a:ext>
-            </a:extLst>
-          </p:cNvPr>
-          <p:cNvSpPr>
-            <a:spLocks noGrp="1" noRot="1" noChangeAspect="1" noMove="1" noResize="1" noEditPoints="1" noAdjustHandles="1" noChangeArrowheads="1" noChangeShapeType="1" noTextEdit="1"/>
-          </p:cNvSpPr>
-          <p:nvPr>
-            <p:extLst>
-              <p:ext uri="{386F3935-93C4-4BCD-93E2-E3B085C9AB24}">
-                <p16:designElem xmlns:p16="http://schemas.microsoft.com/office/powerpoint/2015/main" val="1"/>
-              </p:ext>
-            </p:extLst>
-          </p:nvPr>
-        </p:nvSpPr>
-        <p:spPr>
-          <a:xfrm>
-            <a:off x="481029" y="4546920"/>
-            <a:ext cx="4023360" cy="18288"/>
-          </a:xfrm>
-          <a:prstGeom prst="rect">
-            <a:avLst/>
-          </a:prstGeom>
-          <a:solidFill>
-            <a:srgbClr val="D5D5D5"/>
-          </a:solidFill>
-          <a:ln w="3175">
-            <a:noFill/>
-          </a:ln>
-          <a:effectLst/>
-        </p:spPr>
-        <p:style>
-          <a:lnRef idx="2">
-            <a:schemeClr val="accent1">
-              <a:shade val="50000"/>
-            </a:schemeClr>
-          </a:lnRef>
-          <a:fillRef idx="1">
-            <a:schemeClr val="accent1"/>
-          </a:fillRef>
-          <a:effectRef idx="0">
-            <a:schemeClr val="accent1"/>
-          </a:effectRef>
-          <a:fontRef idx="minor">
-            <a:schemeClr val="lt1"/>
-          </a:fontRef>
-        </p:style>
-        <p:txBody>
-          <a:bodyPr rtlCol="0" anchor="ctr"/>
-          <a:lstStyle/>
-          <a:p>
-            <a:pPr algn="ctr"/>
-            <a:endParaRPr lang="en-US">
-              <a:solidFill>
-                <a:prstClr val="white"/>
-              </a:solidFill>
-              <a:latin typeface="Calibri" panose="020F0502020204030204"/>
-            </a:endParaRPr>
-          </a:p>
-        </p:txBody>
-      </p:sp>
-      <p:pic>
-        <p:nvPicPr>
-          <p:cNvPr id="5" name="Imagem 4" descr="Uma imagem com texto, captura de ecrã, cão&#10;&#10;Descrição gerada automaticamente">
-            <a:extLst>
-              <a:ext uri="{FF2B5EF4-FFF2-40B4-BE49-F238E27FC236}">
-                <a16:creationId xmlns:a16="http://schemas.microsoft.com/office/drawing/2014/main" id="{96AE5AC1-2D25-146A-EAFE-7AB33DDC0D02}"/>
+                <a16:creationId xmlns:a16="http://schemas.microsoft.com/office/drawing/2014/main" id="{0D62145E-791D-651F-5FED-B41906C3277A}"/>
               </a:ext>
             </a:extLst>
           </p:cNvPr>
@@ -3657,8 +3103,8 @@
         </p:blipFill>
         <p:spPr>
           <a:xfrm>
-            <a:off x="4864608" y="871566"/>
-            <a:ext cx="6846363" cy="4963613"/>
+            <a:off x="5280254" y="309893"/>
+            <a:ext cx="5900890" cy="6093407"/>
           </a:xfrm>
           <a:prstGeom prst="rect">
             <a:avLst/>
@@ -3703,66 +3149,6 @@
           <a:chExt cx="0" cy="0"/>
         </a:xfrm>
       </p:grpSpPr>
-      <p:sp useBgFill="1">
-        <p:nvSpPr>
-          <p:cNvPr id="25" name="Rectangle 24">
-            <a:extLst>
-              <a:ext uri="{FF2B5EF4-FFF2-40B4-BE49-F238E27FC236}">
-                <a16:creationId xmlns:a16="http://schemas.microsoft.com/office/drawing/2014/main" id="{55666830-9A19-4E01-8505-D6C7F9AC5665}"/>
-              </a:ext>
-              <a:ext uri="{C183D7F6-B498-43B3-948B-1728B52AA6E4}">
-                <adec:decorative xmlns:adec="http://schemas.microsoft.com/office/drawing/2017/decorative" val="1"/>
-              </a:ext>
-            </a:extLst>
-          </p:cNvPr>
-          <p:cNvSpPr>
-            <a:spLocks noGrp="1" noRot="1" noChangeAspect="1" noMove="1" noResize="1" noEditPoints="1" noAdjustHandles="1" noChangeArrowheads="1" noChangeShapeType="1" noTextEdit="1"/>
-          </p:cNvSpPr>
-          <p:nvPr>
-            <p:extLst>
-              <p:ext uri="{386F3935-93C4-4BCD-93E2-E3B085C9AB24}">
-                <p16:designElem xmlns:p16="http://schemas.microsoft.com/office/powerpoint/2015/main" val="1"/>
-              </p:ext>
-            </p:extLst>
-          </p:nvPr>
-        </p:nvSpPr>
-        <p:spPr>
-          <a:xfrm>
-            <a:off x="0" y="0"/>
-            <a:ext cx="12192000" cy="6858000"/>
-          </a:xfrm>
-          <a:prstGeom prst="rect">
-            <a:avLst/>
-          </a:prstGeom>
-          <a:ln>
-            <a:noFill/>
-          </a:ln>
-        </p:spPr>
-        <p:style>
-          <a:lnRef idx="2">
-            <a:schemeClr val="accent1">
-              <a:shade val="50000"/>
-            </a:schemeClr>
-          </a:lnRef>
-          <a:fillRef idx="1">
-            <a:schemeClr val="accent1"/>
-          </a:fillRef>
-          <a:effectRef idx="0">
-            <a:schemeClr val="accent1"/>
-          </a:effectRef>
-          <a:fontRef idx="minor">
-            <a:schemeClr val="lt1"/>
-          </a:fontRef>
-        </p:style>
-        <p:txBody>
-          <a:bodyPr rtlCol="0" anchor="ctr"/>
-          <a:lstStyle/>
-          <a:p>
-            <a:pPr algn="ctr"/>
-            <a:endParaRPr lang="en-US"/>
-          </a:p>
-        </p:txBody>
-      </p:sp>
       <p:pic>
         <p:nvPicPr>
           <p:cNvPr id="21" name="Picture 20" descr="Uma porta aberta de uma casa com a chave no buraco">
@@ -3826,344 +3212,6 @@
           </a:custGeom>
         </p:spPr>
       </p:pic>
-      <p:sp useBgFill="1">
-        <p:nvSpPr>
-          <p:cNvPr id="27" name="Freeform: Shape 26">
-            <a:extLst>
-              <a:ext uri="{FF2B5EF4-FFF2-40B4-BE49-F238E27FC236}">
-                <a16:creationId xmlns:a16="http://schemas.microsoft.com/office/drawing/2014/main" id="{AE9FC877-7FB6-4D22-9988-35420644E202}"/>
-              </a:ext>
-              <a:ext uri="{C183D7F6-B498-43B3-948B-1728B52AA6E4}">
-                <adec:decorative xmlns:adec="http://schemas.microsoft.com/office/drawing/2017/decorative" val="1"/>
-              </a:ext>
-            </a:extLst>
-          </p:cNvPr>
-          <p:cNvSpPr>
-            <a:spLocks noGrp="1" noRot="1" noChangeAspect="1" noMove="1" noResize="1" noEditPoints="1" noAdjustHandles="1" noChangeArrowheads="1" noChangeShapeType="1" noTextEdit="1"/>
-          </p:cNvSpPr>
-          <p:nvPr>
-            <p:extLst>
-              <p:ext uri="{386F3935-93C4-4BCD-93E2-E3B085C9AB24}">
-                <p16:designElem xmlns:p16="http://schemas.microsoft.com/office/powerpoint/2015/main" val="1"/>
-              </p:ext>
-            </p:extLst>
-          </p:nvPr>
-        </p:nvSpPr>
-        <p:spPr>
-          <a:xfrm>
-            <a:off x="0" y="0"/>
-            <a:ext cx="4959047" cy="6858000"/>
-          </a:xfrm>
-          <a:custGeom>
-            <a:avLst/>
-            <a:gdLst>
-              <a:gd name="connsiteX0" fmla="*/ 0 w 4959047"/>
-              <a:gd name="connsiteY0" fmla="*/ 0 h 6858000"/>
-              <a:gd name="connsiteX1" fmla="*/ 4110127 w 4959047"/>
-              <a:gd name="connsiteY1" fmla="*/ 0 h 6858000"/>
-              <a:gd name="connsiteX2" fmla="*/ 4179024 w 4959047"/>
-              <a:gd name="connsiteY2" fmla="*/ 123368 h 6858000"/>
-              <a:gd name="connsiteX3" fmla="*/ 4959047 w 4959047"/>
-              <a:gd name="connsiteY3" fmla="*/ 3429000 h 6858000"/>
-              <a:gd name="connsiteX4" fmla="*/ 4179024 w 4959047"/>
-              <a:gd name="connsiteY4" fmla="*/ 6734633 h 6858000"/>
-              <a:gd name="connsiteX5" fmla="*/ 4110127 w 4959047"/>
-              <a:gd name="connsiteY5" fmla="*/ 6858000 h 6858000"/>
-              <a:gd name="connsiteX6" fmla="*/ 0 w 4959047"/>
-              <a:gd name="connsiteY6" fmla="*/ 6858000 h 6858000"/>
-            </a:gdLst>
-            <a:ahLst/>
-            <a:cxnLst>
-              <a:cxn ang="0">
-                <a:pos x="connsiteX0" y="connsiteY0"/>
-              </a:cxn>
-              <a:cxn ang="0">
-                <a:pos x="connsiteX1" y="connsiteY1"/>
-              </a:cxn>
-              <a:cxn ang="0">
-                <a:pos x="connsiteX2" y="connsiteY2"/>
-              </a:cxn>
-              <a:cxn ang="0">
-                <a:pos x="connsiteX3" y="connsiteY3"/>
-              </a:cxn>
-              <a:cxn ang="0">
-                <a:pos x="connsiteX4" y="connsiteY4"/>
-              </a:cxn>
-              <a:cxn ang="0">
-                <a:pos x="connsiteX5" y="connsiteY5"/>
-              </a:cxn>
-              <a:cxn ang="0">
-                <a:pos x="connsiteX6" y="connsiteY6"/>
-              </a:cxn>
-            </a:cxnLst>
-            <a:rect l="l" t="t" r="r" b="b"/>
-            <a:pathLst>
-              <a:path w="4959047" h="6858000">
-                <a:moveTo>
-                  <a:pt x="0" y="0"/>
-                </a:moveTo>
-                <a:lnTo>
-                  <a:pt x="4110127" y="0"/>
-                </a:lnTo>
-                <a:lnTo>
-                  <a:pt x="4179024" y="123368"/>
-                </a:lnTo>
-                <a:cubicBezTo>
-                  <a:pt x="4668929" y="1045156"/>
-                  <a:pt x="4959047" y="2189404"/>
-                  <a:pt x="4959047" y="3429000"/>
-                </a:cubicBezTo>
-                <a:cubicBezTo>
-                  <a:pt x="4959047" y="4668597"/>
-                  <a:pt x="4668929" y="5812845"/>
-                  <a:pt x="4179024" y="6734633"/>
-                </a:cubicBezTo>
-                <a:lnTo>
-                  <a:pt x="4110127" y="6858000"/>
-                </a:lnTo>
-                <a:lnTo>
-                  <a:pt x="0" y="6858000"/>
-                </a:lnTo>
-                <a:close/>
-              </a:path>
-            </a:pathLst>
-          </a:custGeom>
-          <a:ln w="9525">
-            <a:solidFill>
-              <a:schemeClr val="tx2">
-                <a:lumMod val="10000"/>
-                <a:lumOff val="90000"/>
-              </a:schemeClr>
-            </a:solidFill>
-          </a:ln>
-          <a:effectLst>
-            <a:outerShdw blurRad="50800" dist="38100" algn="l" rotWithShape="0">
-              <a:schemeClr val="bg1">
-                <a:lumMod val="85000"/>
-                <a:alpha val="30000"/>
-              </a:schemeClr>
-            </a:outerShdw>
-          </a:effectLst>
-        </p:spPr>
-        <p:style>
-          <a:lnRef idx="2">
-            <a:schemeClr val="accent1">
-              <a:shade val="50000"/>
-            </a:schemeClr>
-          </a:lnRef>
-          <a:fillRef idx="1">
-            <a:schemeClr val="accent1"/>
-          </a:fillRef>
-          <a:effectRef idx="0">
-            <a:schemeClr val="accent1"/>
-          </a:effectRef>
-          <a:fontRef idx="minor">
-            <a:schemeClr val="lt1"/>
-          </a:fontRef>
-        </p:style>
-        <p:txBody>
-          <a:bodyPr wrap="square" rtlCol="0" anchor="ctr">
-            <a:noAutofit/>
-          </a:bodyPr>
-          <a:lstStyle/>
-          <a:p>
-            <a:pPr marL="0" marR="0" lvl="0" indent="0" algn="ctr" defTabSz="914400" rtl="0" eaLnBrk="1" fontAlgn="auto" latinLnBrk="0" hangingPunct="1">
-              <a:lnSpc>
-                <a:spcPct val="100000"/>
-              </a:lnSpc>
-              <a:spcBef>
-                <a:spcPts val="0"/>
-              </a:spcBef>
-              <a:spcAft>
-                <a:spcPts val="0"/>
-              </a:spcAft>
-              <a:buClrTx/>
-              <a:buSzTx/>
-              <a:buFontTx/>
-              <a:buNone/>
-              <a:tabLst/>
-              <a:defRPr/>
-            </a:pPr>
-            <a:endParaRPr kumimoji="0" lang="en-US" sz="1800" b="0" i="0" u="none" strike="noStrike" kern="1200" cap="none" spc="0" normalizeH="0" baseline="0" noProof="0">
-              <a:ln>
-                <a:noFill/>
-              </a:ln>
-              <a:solidFill>
-                <a:prstClr val="white"/>
-              </a:solidFill>
-              <a:effectLst/>
-              <a:uLnTx/>
-              <a:uFillTx/>
-              <a:latin typeface="Calibri" panose="020F0502020204030204"/>
-              <a:ea typeface="+mn-ea"/>
-              <a:cs typeface="+mn-cs"/>
-            </a:endParaRPr>
-          </a:p>
-        </p:txBody>
-      </p:sp>
-      <p:sp useBgFill="1">
-        <p:nvSpPr>
-          <p:cNvPr id="29" name="Freeform: Shape 28">
-            <a:extLst>
-              <a:ext uri="{FF2B5EF4-FFF2-40B4-BE49-F238E27FC236}">
-                <a16:creationId xmlns:a16="http://schemas.microsoft.com/office/drawing/2014/main" id="{E41809D1-F12E-46BB-B804-5F209D325E8B}"/>
-              </a:ext>
-              <a:ext uri="{C183D7F6-B498-43B3-948B-1728B52AA6E4}">
-                <adec:decorative xmlns:adec="http://schemas.microsoft.com/office/drawing/2017/decorative" val="1"/>
-              </a:ext>
-            </a:extLst>
-          </p:cNvPr>
-          <p:cNvSpPr>
-            <a:spLocks noGrp="1" noRot="1" noChangeAspect="1" noMove="1" noResize="1" noEditPoints="1" noAdjustHandles="1" noChangeArrowheads="1" noChangeShapeType="1" noTextEdit="1"/>
-          </p:cNvSpPr>
-          <p:nvPr>
-            <p:extLst>
-              <p:ext uri="{386F3935-93C4-4BCD-93E2-E3B085C9AB24}">
-                <p16:designElem xmlns:p16="http://schemas.microsoft.com/office/powerpoint/2015/main" val="1"/>
-              </p:ext>
-            </p:extLst>
-          </p:nvPr>
-        </p:nvSpPr>
-        <p:spPr>
-          <a:xfrm>
-            <a:off x="0" y="0"/>
-            <a:ext cx="4948887" cy="6858000"/>
-          </a:xfrm>
-          <a:custGeom>
-            <a:avLst/>
-            <a:gdLst>
-              <a:gd name="connsiteX0" fmla="*/ 0 w 4948887"/>
-              <a:gd name="connsiteY0" fmla="*/ 0 h 6858000"/>
-              <a:gd name="connsiteX1" fmla="*/ 4099967 w 4948887"/>
-              <a:gd name="connsiteY1" fmla="*/ 0 h 6858000"/>
-              <a:gd name="connsiteX2" fmla="*/ 4168864 w 4948887"/>
-              <a:gd name="connsiteY2" fmla="*/ 123368 h 6858000"/>
-              <a:gd name="connsiteX3" fmla="*/ 4948887 w 4948887"/>
-              <a:gd name="connsiteY3" fmla="*/ 3429000 h 6858000"/>
-              <a:gd name="connsiteX4" fmla="*/ 4168864 w 4948887"/>
-              <a:gd name="connsiteY4" fmla="*/ 6734633 h 6858000"/>
-              <a:gd name="connsiteX5" fmla="*/ 4099967 w 4948887"/>
-              <a:gd name="connsiteY5" fmla="*/ 6858000 h 6858000"/>
-              <a:gd name="connsiteX6" fmla="*/ 0 w 4948887"/>
-              <a:gd name="connsiteY6" fmla="*/ 6858000 h 6858000"/>
-            </a:gdLst>
-            <a:ahLst/>
-            <a:cxnLst>
-              <a:cxn ang="0">
-                <a:pos x="connsiteX0" y="connsiteY0"/>
-              </a:cxn>
-              <a:cxn ang="0">
-                <a:pos x="connsiteX1" y="connsiteY1"/>
-              </a:cxn>
-              <a:cxn ang="0">
-                <a:pos x="connsiteX2" y="connsiteY2"/>
-              </a:cxn>
-              <a:cxn ang="0">
-                <a:pos x="connsiteX3" y="connsiteY3"/>
-              </a:cxn>
-              <a:cxn ang="0">
-                <a:pos x="connsiteX4" y="connsiteY4"/>
-              </a:cxn>
-              <a:cxn ang="0">
-                <a:pos x="connsiteX5" y="connsiteY5"/>
-              </a:cxn>
-              <a:cxn ang="0">
-                <a:pos x="connsiteX6" y="connsiteY6"/>
-              </a:cxn>
-            </a:cxnLst>
-            <a:rect l="l" t="t" r="r" b="b"/>
-            <a:pathLst>
-              <a:path w="4948887" h="6858000">
-                <a:moveTo>
-                  <a:pt x="0" y="0"/>
-                </a:moveTo>
-                <a:lnTo>
-                  <a:pt x="4099967" y="0"/>
-                </a:lnTo>
-                <a:lnTo>
-                  <a:pt x="4168864" y="123368"/>
-                </a:lnTo>
-                <a:cubicBezTo>
-                  <a:pt x="4658769" y="1045156"/>
-                  <a:pt x="4948887" y="2189404"/>
-                  <a:pt x="4948887" y="3429000"/>
-                </a:cubicBezTo>
-                <a:cubicBezTo>
-                  <a:pt x="4948887" y="4668597"/>
-                  <a:pt x="4658769" y="5812845"/>
-                  <a:pt x="4168864" y="6734633"/>
-                </a:cubicBezTo>
-                <a:lnTo>
-                  <a:pt x="4099967" y="6858000"/>
-                </a:lnTo>
-                <a:lnTo>
-                  <a:pt x="0" y="6858000"/>
-                </a:lnTo>
-                <a:close/>
-              </a:path>
-            </a:pathLst>
-          </a:custGeom>
-          <a:ln w="9525">
-            <a:noFill/>
-          </a:ln>
-          <a:effectLst/>
-        </p:spPr>
-        <p:style>
-          <a:lnRef idx="2">
-            <a:schemeClr val="accent1">
-              <a:shade val="50000"/>
-            </a:schemeClr>
-          </a:lnRef>
-          <a:fillRef idx="1">
-            <a:schemeClr val="accent1"/>
-          </a:fillRef>
-          <a:effectRef idx="0">
-            <a:schemeClr val="accent1"/>
-          </a:effectRef>
-          <a:fontRef idx="minor">
-            <a:schemeClr val="lt1"/>
-          </a:fontRef>
-        </p:style>
-        <p:txBody>
-          <a:bodyPr wrap="square" rtlCol="0" anchor="ctr">
-            <a:noAutofit/>
-          </a:bodyPr>
-          <a:lstStyle/>
-          <a:p>
-            <a:pPr marL="0" marR="0" lvl="0" indent="0" algn="ctr" defTabSz="914400" rtl="0" eaLnBrk="1" fontAlgn="auto" latinLnBrk="0" hangingPunct="1">
-              <a:lnSpc>
-                <a:spcPct val="100000"/>
-              </a:lnSpc>
-              <a:spcBef>
-                <a:spcPts val="0"/>
-              </a:spcBef>
-              <a:spcAft>
-                <a:spcPts val="0"/>
-              </a:spcAft>
-              <a:buClrTx/>
-              <a:buSzTx/>
-              <a:buFontTx/>
-              <a:buNone/>
-              <a:tabLst/>
-              <a:defRPr/>
-            </a:pPr>
-            <a:endParaRPr kumimoji="0" lang="en-US" sz="1800" b="0" i="0" u="none" strike="noStrike" kern="1200" cap="none" spc="0" normalizeH="0" baseline="0" noProof="0">
-              <a:ln>
-                <a:noFill/>
-              </a:ln>
-              <a:solidFill>
-                <a:prstClr val="white"/>
-              </a:solidFill>
-              <a:effectLst/>
-              <a:uLnTx/>
-              <a:uFillTx/>
-              <a:latin typeface="Calibri" panose="020F0502020204030204"/>
-              <a:ea typeface="+mn-ea"/>
-              <a:cs typeface="+mn-cs"/>
-            </a:endParaRPr>
-          </a:p>
-        </p:txBody>
-      </p:sp>
       <p:sp>
         <p:nvSpPr>
           <p:cNvPr id="2" name="Título 1">
@@ -4193,8 +3241,38 @@
           <a:lstStyle/>
           <a:p>
             <a:r>
-              <a:rPr lang="en-US" sz="4800"/>
-              <a:t>O que é o Take me Home?</a:t>
+              <a:rPr lang="en-US" sz="4800" dirty="0">
+                <a:latin typeface="Pacifico" panose="00000500000000000000" pitchFamily="2" charset="0"/>
+              </a:rPr>
+              <a:t>O que é o </a:t>
+            </a:r>
+            <a:r>
+              <a:rPr lang="en-US" sz="4800" dirty="0">
+                <a:solidFill>
+                  <a:srgbClr val="CC8A14"/>
+                </a:solidFill>
+                <a:latin typeface="Pacifico" panose="00000500000000000000" pitchFamily="2" charset="0"/>
+              </a:rPr>
+              <a:t>Take</a:t>
+            </a:r>
+            <a:r>
+              <a:rPr lang="en-US" sz="4800" dirty="0">
+                <a:latin typeface="Pacifico" panose="00000500000000000000" pitchFamily="2" charset="0"/>
+              </a:rPr>
+              <a:t> me </a:t>
+            </a:r>
+            <a:r>
+              <a:rPr lang="en-US" sz="4800" dirty="0">
+                <a:solidFill>
+                  <a:srgbClr val="36A327"/>
+                </a:solidFill>
+                <a:latin typeface="Pacifico" panose="00000500000000000000" pitchFamily="2" charset="0"/>
+              </a:rPr>
+              <a:t>Home</a:t>
+            </a:r>
+            <a:r>
+              <a:rPr lang="en-US" sz="4800" dirty="0"/>
+              <a:t>?</a:t>
             </a:r>
           </a:p>
         </p:txBody>
@@ -4231,195 +3309,33 @@
               <a:buNone/>
             </a:pPr>
             <a:r>
-              <a:rPr lang="en-US" sz="2000"/>
-              <a:t>O Take me Home é um portal para o ajudar a encontrar o animal perfeito para adotar.</a:t>
-            </a:r>
-            <a:endParaRPr lang="en-US" sz="2000" dirty="0"/>
-          </a:p>
-        </p:txBody>
-      </p:sp>
-      <p:sp>
-        <p:nvSpPr>
-          <p:cNvPr id="31" name="Rectangle 30">
-            <a:extLst>
-              <a:ext uri="{FF2B5EF4-FFF2-40B4-BE49-F238E27FC236}">
-                <a16:creationId xmlns:a16="http://schemas.microsoft.com/office/drawing/2014/main" id="{AF2F604E-43BE-4DC3-B983-E071523364F8}"/>
-              </a:ext>
-              <a:ext uri="{C183D7F6-B498-43B3-948B-1728B52AA6E4}">
-                <adec:decorative xmlns:adec="http://schemas.microsoft.com/office/drawing/2017/decorative" val="1"/>
-              </a:ext>
-            </a:extLst>
-          </p:cNvPr>
-          <p:cNvSpPr>
-            <a:spLocks noGrp="1" noRot="1" noChangeAspect="1" noMove="1" noResize="1" noEditPoints="1" noAdjustHandles="1" noChangeArrowheads="1" noChangeShapeType="1" noTextEdit="1"/>
-          </p:cNvSpPr>
-          <p:nvPr>
-            <p:extLst>
-              <p:ext uri="{386F3935-93C4-4BCD-93E2-E3B085C9AB24}">
-                <p16:designElem xmlns:p16="http://schemas.microsoft.com/office/powerpoint/2015/main" val="1"/>
-              </p:ext>
-            </p:extLst>
-          </p:nvPr>
-        </p:nvSpPr>
-        <p:spPr>
-          <a:xfrm rot="5400000">
-            <a:off x="759921" y="346791"/>
-            <a:ext cx="146304" cy="704088"/>
-          </a:xfrm>
-          <a:prstGeom prst="rect">
-            <a:avLst/>
-          </a:prstGeom>
-          <a:solidFill>
-            <a:schemeClr val="accent2"/>
-          </a:solidFill>
-          <a:ln>
-            <a:noFill/>
-          </a:ln>
-        </p:spPr>
-        <p:style>
-          <a:lnRef idx="2">
-            <a:schemeClr val="accent1">
-              <a:shade val="50000"/>
-            </a:schemeClr>
-          </a:lnRef>
-          <a:fillRef idx="1">
-            <a:schemeClr val="accent1"/>
-          </a:fillRef>
-          <a:effectRef idx="0">
-            <a:schemeClr val="accent1"/>
-          </a:effectRef>
-          <a:fontRef idx="minor">
-            <a:schemeClr val="lt1"/>
-          </a:fontRef>
-        </p:style>
-        <p:txBody>
-          <a:bodyPr rtlCol="0" anchor="ctr"/>
-          <a:lstStyle/>
-          <a:p>
-            <a:pPr marL="0" marR="0" lvl="0" indent="0" algn="ctr" defTabSz="914400" rtl="0" eaLnBrk="1" fontAlgn="auto" latinLnBrk="0" hangingPunct="1">
-              <a:lnSpc>
-                <a:spcPct val="100000"/>
-              </a:lnSpc>
-              <a:spcBef>
-                <a:spcPts val="0"/>
-              </a:spcBef>
-              <a:spcAft>
-                <a:spcPts val="0"/>
-              </a:spcAft>
-              <a:buClrTx/>
-              <a:buSzTx/>
-              <a:buFontTx/>
-              <a:buNone/>
-              <a:tabLst/>
-              <a:defRPr/>
-            </a:pPr>
-            <a:endParaRPr kumimoji="0" lang="en-US" sz="1800" b="0" i="0" u="none" strike="noStrike" kern="1200" cap="none" spc="0" normalizeH="0" baseline="0" noProof="0">
-              <a:ln>
-                <a:noFill/>
-              </a:ln>
-              <a:solidFill>
-                <a:prstClr val="white"/>
-              </a:solidFill>
-              <a:effectLst/>
-              <a:uLnTx/>
-              <a:uFillTx/>
-              <a:latin typeface="Calibri" panose="020F0502020204030204"/>
-              <a:ea typeface="+mn-ea"/>
-              <a:cs typeface="+mn-cs"/>
-            </a:endParaRPr>
-          </a:p>
-        </p:txBody>
-      </p:sp>
-      <p:sp>
-        <p:nvSpPr>
-          <p:cNvPr id="33" name="Rectangle 32">
-            <a:extLst>
-              <a:ext uri="{FF2B5EF4-FFF2-40B4-BE49-F238E27FC236}">
-                <a16:creationId xmlns:a16="http://schemas.microsoft.com/office/drawing/2014/main" id="{08C9B587-E65E-4B52-B37C-ABEBB6E87928}"/>
-              </a:ext>
-              <a:ext uri="{C183D7F6-B498-43B3-948B-1728B52AA6E4}">
-                <adec:decorative xmlns:adec="http://schemas.microsoft.com/office/drawing/2017/decorative" val="1"/>
-              </a:ext>
-            </a:extLst>
-          </p:cNvPr>
-          <p:cNvSpPr>
-            <a:spLocks noGrp="1" noRot="1" noChangeAspect="1" noMove="1" noResize="1" noEditPoints="1" noAdjustHandles="1" noChangeArrowheads="1" noChangeShapeType="1" noTextEdit="1"/>
-          </p:cNvSpPr>
-          <p:nvPr>
-            <p:extLst>
-              <p:ext uri="{386F3935-93C4-4BCD-93E2-E3B085C9AB24}">
-                <p16:designElem xmlns:p16="http://schemas.microsoft.com/office/powerpoint/2015/main" val="1"/>
-              </p:ext>
-            </p:extLst>
-          </p:nvPr>
-        </p:nvSpPr>
-        <p:spPr>
-          <a:xfrm>
-            <a:off x="481029" y="4546920"/>
-            <a:ext cx="4023360" cy="18288"/>
-          </a:xfrm>
-          <a:prstGeom prst="rect">
-            <a:avLst/>
-          </a:prstGeom>
-          <a:solidFill>
-            <a:srgbClr val="D5D5D5"/>
-          </a:solidFill>
-          <a:ln w="3175">
-            <a:noFill/>
-          </a:ln>
-          <a:effectLst/>
-        </p:spPr>
-        <p:style>
-          <a:lnRef idx="2">
-            <a:schemeClr val="accent1">
-              <a:shade val="50000"/>
-            </a:schemeClr>
-          </a:lnRef>
-          <a:fillRef idx="1">
-            <a:schemeClr val="accent1"/>
-          </a:fillRef>
-          <a:effectRef idx="0">
-            <a:schemeClr val="accent1"/>
-          </a:effectRef>
-          <a:fontRef idx="minor">
-            <a:schemeClr val="lt1"/>
-          </a:fontRef>
-        </p:style>
-        <p:txBody>
-          <a:bodyPr rtlCol="0" anchor="ctr"/>
-          <a:lstStyle/>
-          <a:p>
-            <a:pPr marL="0" marR="0" lvl="0" indent="0" algn="ctr" defTabSz="914400" rtl="0" eaLnBrk="1" fontAlgn="auto" latinLnBrk="0" hangingPunct="1">
-              <a:lnSpc>
-                <a:spcPct val="100000"/>
-              </a:lnSpc>
-              <a:spcBef>
-                <a:spcPts val="0"/>
-              </a:spcBef>
-              <a:spcAft>
-                <a:spcPts val="0"/>
-              </a:spcAft>
-              <a:buClrTx/>
-              <a:buSzTx/>
-              <a:buFontTx/>
-              <a:buNone/>
-              <a:tabLst/>
-              <a:defRPr/>
-            </a:pPr>
-            <a:endParaRPr kumimoji="0" lang="en-US" sz="1800" b="0" i="0" u="none" strike="noStrike" kern="1200" cap="none" spc="0" normalizeH="0" baseline="0" noProof="0">
-              <a:ln>
-                <a:noFill/>
-              </a:ln>
-              <a:solidFill>
-                <a:prstClr val="white"/>
-              </a:solidFill>
-              <a:effectLst/>
-              <a:uLnTx/>
-              <a:uFillTx/>
-              <a:latin typeface="Calibri" panose="020F0502020204030204"/>
-              <a:ea typeface="+mn-ea"/>
-              <a:cs typeface="+mn-cs"/>
-            </a:endParaRPr>
+              <a:rPr lang="en-US" sz="2000" dirty="0"/>
+              <a:t>O </a:t>
+            </a:r>
+            <a:r>
+              <a:rPr lang="en-US" sz="2000" dirty="0">
+                <a:solidFill>
+                  <a:srgbClr val="CC8A14"/>
+                </a:solidFill>
+              </a:rPr>
+              <a:t>Take</a:t>
+            </a:r>
+            <a:r>
+              <a:rPr lang="en-US" sz="2000" dirty="0"/>
+              <a:t> me </a:t>
+            </a:r>
+            <a:r>
+              <a:rPr lang="en-US" sz="2000" dirty="0">
+                <a:solidFill>
+                  <a:srgbClr val="36A327"/>
+                </a:solidFill>
+              </a:rPr>
+              <a:t>Home</a:t>
+            </a:r>
+            <a:r>
+              <a:rPr lang="en-US" sz="2000" dirty="0"/>
+              <a:t> é um portal para o ajudar a encontrar o animal perfeito para adotar.</a:t>
+            </a:r>
           </a:p>
         </p:txBody>
       </p:sp>
@@ -4550,7 +3466,7 @@
           <p:cNvPr id="2" name="Título 1">
             <a:extLst>
               <a:ext uri="{FF2B5EF4-FFF2-40B4-BE49-F238E27FC236}">
-                <a16:creationId xmlns:a16="http://schemas.microsoft.com/office/drawing/2014/main" id="{09415E0C-C7FF-E21F-2FF1-7F6EF726B031}"/>
+                <a16:creationId xmlns:a16="http://schemas.microsoft.com/office/drawing/2014/main" id="{0B30A25E-0EC2-2903-6ADC-CBA990E5AE70}"/>
               </a:ext>
             </a:extLst>
           </p:cNvPr>
@@ -4567,349 +3483,104 @@
           <a:lstStyle/>
           <a:p>
             <a:r>
+              <a:rPr lang="pt-PT" dirty="0">
+                <a:latin typeface="Pacifico" panose="00000500000000000000" pitchFamily="2" charset="0"/>
+              </a:rPr>
+              <a:t>Como funciona o </a:t>
+            </a:r>
+            <a:r>
+              <a:rPr lang="pt-PT" dirty="0">
+                <a:solidFill>
+                  <a:srgbClr val="CC8A14"/>
+                </a:solidFill>
+                <a:latin typeface="Pacifico" panose="00000500000000000000" pitchFamily="2" charset="0"/>
+              </a:rPr>
+              <a:t>Take</a:t>
+            </a:r>
+            <a:r>
+              <a:rPr lang="pt-PT" dirty="0">
+                <a:latin typeface="Pacifico" panose="00000500000000000000" pitchFamily="2" charset="0"/>
+              </a:rPr>
+              <a:t> me </a:t>
+            </a:r>
+            <a:r>
+              <a:rPr lang="pt-PT" dirty="0">
+                <a:solidFill>
+                  <a:srgbClr val="36A327"/>
+                </a:solidFill>
+                <a:latin typeface="Pacifico" panose="00000500000000000000" pitchFamily="2" charset="0"/>
+              </a:rPr>
+              <a:t>Home</a:t>
+            </a:r>
+            <a:r>
+              <a:rPr lang="pt-PT" dirty="0">
+                <a:latin typeface="Pacifico" panose="00000500000000000000" pitchFamily="2" charset="0"/>
+              </a:rPr>
+              <a:t>?</a:t>
+            </a:r>
+            <a:r>
               <a:rPr lang="pt-PT" dirty="0"/>
-              <a:t>Como funciona o Take me </a:t>
-            </a:r>
-            <a:r>
-              <a:rPr lang="pt-PT" dirty="0" err="1"/>
-              <a:t>Home</a:t>
-            </a:r>
-            <a:r>
-              <a:rPr lang="pt-PT" dirty="0"/>
-              <a:t>?</a:t>
-            </a:r>
-          </a:p>
-        </p:txBody>
-      </p:sp>
-      <p:sp>
-        <p:nvSpPr>
-          <p:cNvPr id="3" name="Oval 2">
+              <a:t>	</a:t>
+            </a:r>
+          </a:p>
+        </p:txBody>
+      </p:sp>
+      <p:sp>
+        <p:nvSpPr>
+          <p:cNvPr id="3" name="Marcador de Posição de Conteúdo 2">
             <a:extLst>
               <a:ext uri="{FF2B5EF4-FFF2-40B4-BE49-F238E27FC236}">
-                <a16:creationId xmlns:a16="http://schemas.microsoft.com/office/drawing/2014/main" id="{3627BEA8-B921-4BC1-1287-5DB542F8B0FC}"/>
+                <a16:creationId xmlns:a16="http://schemas.microsoft.com/office/drawing/2014/main" id="{AB81D8CC-B14C-0604-F25A-729696814E8D}"/>
               </a:ext>
             </a:extLst>
           </p:cNvPr>
-          <p:cNvSpPr/>
-          <p:nvPr/>
-        </p:nvSpPr>
-        <p:spPr>
-          <a:xfrm>
-            <a:off x="5234856" y="1671429"/>
-            <a:ext cx="1722288" cy="785226"/>
-          </a:xfrm>
-          <a:prstGeom prst="ellipse">
-            <a:avLst/>
-          </a:prstGeom>
-        </p:spPr>
-        <p:style>
-          <a:lnRef idx="2">
-            <a:schemeClr val="accent1">
-              <a:shade val="50000"/>
-            </a:schemeClr>
-          </a:lnRef>
-          <a:fillRef idx="1">
-            <a:schemeClr val="accent1"/>
-          </a:fillRef>
-          <a:effectRef idx="0">
-            <a:schemeClr val="accent1"/>
-          </a:effectRef>
-          <a:fontRef idx="minor">
-            <a:schemeClr val="lt1"/>
-          </a:fontRef>
-        </p:style>
-        <p:txBody>
-          <a:bodyPr rtlCol="0" anchor="ctr"/>
-          <a:lstStyle/>
-          <a:p>
-            <a:pPr algn="ctr"/>
+          <p:cNvSpPr>
+            <a:spLocks noGrp="1"/>
+          </p:cNvSpPr>
+          <p:nvPr>
+            <p:ph idx="1"/>
+          </p:nvPr>
+        </p:nvSpPr>
+        <p:spPr/>
+        <p:txBody>
+          <a:bodyPr/>
+          <a:lstStyle/>
+          <a:p>
+            <a:pPr marL="0" indent="0">
+              <a:buNone/>
+            </a:pPr>
             <a:r>
               <a:rPr lang="pt-PT" dirty="0"/>
-              <a:t>Utilizador anónimo</a:t>
-            </a:r>
-          </a:p>
-        </p:txBody>
-      </p:sp>
-      <p:sp>
-        <p:nvSpPr>
-          <p:cNvPr id="4" name="Oval 3">
-            <a:extLst>
-              <a:ext uri="{FF2B5EF4-FFF2-40B4-BE49-F238E27FC236}">
-                <a16:creationId xmlns:a16="http://schemas.microsoft.com/office/drawing/2014/main" id="{BB1887ED-AF9B-53F1-A01D-C30788B45CCF}"/>
-              </a:ext>
-            </a:extLst>
-          </p:cNvPr>
-          <p:cNvSpPr/>
-          <p:nvPr/>
-        </p:nvSpPr>
-        <p:spPr>
-          <a:xfrm>
-            <a:off x="1658060" y="3020872"/>
-            <a:ext cx="1722288" cy="1157703"/>
-          </a:xfrm>
-          <a:prstGeom prst="ellipse">
-            <a:avLst/>
-          </a:prstGeom>
-        </p:spPr>
-        <p:style>
-          <a:lnRef idx="2">
-            <a:schemeClr val="accent1">
-              <a:shade val="50000"/>
-            </a:schemeClr>
-          </a:lnRef>
-          <a:fillRef idx="1">
-            <a:schemeClr val="accent1"/>
-          </a:fillRef>
-          <a:effectRef idx="0">
-            <a:schemeClr val="accent1"/>
-          </a:effectRef>
-          <a:fontRef idx="minor">
-            <a:schemeClr val="lt1"/>
-          </a:fontRef>
-        </p:style>
-        <p:txBody>
-          <a:bodyPr rtlCol="0" anchor="ctr"/>
-          <a:lstStyle/>
-          <a:p>
-            <a:pPr algn="ctr"/>
+              <a:t>Utilizadores anónimos podem</a:t>
+            </a:r>
+          </a:p>
+          <a:p>
             <a:r>
               <a:rPr lang="pt-PT" dirty="0"/>
-              <a:t>Ver animais publicados</a:t>
-            </a:r>
-          </a:p>
-        </p:txBody>
-      </p:sp>
-      <p:sp>
-        <p:nvSpPr>
-          <p:cNvPr id="5" name="Oval 4">
-            <a:extLst>
-              <a:ext uri="{FF2B5EF4-FFF2-40B4-BE49-F238E27FC236}">
-                <a16:creationId xmlns:a16="http://schemas.microsoft.com/office/drawing/2014/main" id="{C818E78B-EEE9-1B9E-4957-C0DEEA464F11}"/>
-              </a:ext>
-            </a:extLst>
-          </p:cNvPr>
-          <p:cNvSpPr/>
-          <p:nvPr/>
-        </p:nvSpPr>
-        <p:spPr>
-          <a:xfrm>
-            <a:off x="5234856" y="3207111"/>
-            <a:ext cx="1722288" cy="785227"/>
-          </a:xfrm>
-          <a:prstGeom prst="ellipse">
-            <a:avLst/>
-          </a:prstGeom>
-        </p:spPr>
-        <p:style>
-          <a:lnRef idx="2">
-            <a:schemeClr val="accent1">
-              <a:shade val="50000"/>
-            </a:schemeClr>
-          </a:lnRef>
-          <a:fillRef idx="1">
-            <a:schemeClr val="accent1"/>
-          </a:fillRef>
-          <a:effectRef idx="0">
-            <a:schemeClr val="accent1"/>
-          </a:effectRef>
-          <a:fontRef idx="minor">
-            <a:schemeClr val="lt1"/>
-          </a:fontRef>
-        </p:style>
-        <p:txBody>
-          <a:bodyPr rtlCol="0" anchor="ctr"/>
-          <a:lstStyle/>
-          <a:p>
-            <a:pPr algn="ctr"/>
+              <a:t>Ver animais publicados;</a:t>
+            </a:r>
+          </a:p>
+          <a:p>
             <a:r>
               <a:rPr lang="pt-PT" dirty="0"/>
-              <a:t>Registar</a:t>
-            </a:r>
-          </a:p>
-        </p:txBody>
-      </p:sp>
-      <p:sp>
-        <p:nvSpPr>
-          <p:cNvPr id="6" name="Oval 5">
-            <a:extLst>
-              <a:ext uri="{FF2B5EF4-FFF2-40B4-BE49-F238E27FC236}">
-                <a16:creationId xmlns:a16="http://schemas.microsoft.com/office/drawing/2014/main" id="{53053914-4382-47DA-02E3-1E451618254C}"/>
-              </a:ext>
-            </a:extLst>
-          </p:cNvPr>
-          <p:cNvSpPr/>
-          <p:nvPr/>
-        </p:nvSpPr>
-        <p:spPr>
-          <a:xfrm>
-            <a:off x="8811652" y="3201486"/>
-            <a:ext cx="1722288" cy="785227"/>
-          </a:xfrm>
-          <a:prstGeom prst="ellipse">
-            <a:avLst/>
-          </a:prstGeom>
-        </p:spPr>
-        <p:style>
-          <a:lnRef idx="2">
-            <a:schemeClr val="accent1">
-              <a:shade val="50000"/>
-            </a:schemeClr>
-          </a:lnRef>
-          <a:fillRef idx="1">
-            <a:schemeClr val="accent1"/>
-          </a:fillRef>
-          <a:effectRef idx="0">
-            <a:schemeClr val="accent1"/>
-          </a:effectRef>
-          <a:fontRef idx="minor">
-            <a:schemeClr val="lt1"/>
-          </a:fontRef>
-        </p:style>
-        <p:txBody>
-          <a:bodyPr rtlCol="0" anchor="ctr"/>
-          <a:lstStyle/>
-          <a:p>
-            <a:pPr algn="ctr"/>
+              <a:t>Registar;</a:t>
+            </a:r>
+          </a:p>
+          <a:p>
             <a:r>
               <a:rPr lang="pt-PT" dirty="0"/>
-              <a:t>Login</a:t>
-            </a:r>
-          </a:p>
-        </p:txBody>
-      </p:sp>
-      <p:cxnSp>
-        <p:nvCxnSpPr>
-          <p:cNvPr id="8" name="Conexão reta unidirecional 7">
-            <a:extLst>
-              <a:ext uri="{FF2B5EF4-FFF2-40B4-BE49-F238E27FC236}">
-                <a16:creationId xmlns:a16="http://schemas.microsoft.com/office/drawing/2014/main" id="{5A743AD0-38AE-BE76-F9EF-EB09FEA7AACA}"/>
-              </a:ext>
-            </a:extLst>
-          </p:cNvPr>
-          <p:cNvCxnSpPr>
-            <a:cxnSpLocks/>
-            <a:stCxn id="3" idx="4"/>
-            <a:endCxn id="5" idx="0"/>
-          </p:cNvCxnSpPr>
-          <p:nvPr/>
-        </p:nvCxnSpPr>
-        <p:spPr>
-          <a:xfrm>
-            <a:off x="6096000" y="2456655"/>
-            <a:ext cx="0" cy="750456"/>
-          </a:xfrm>
-          <a:prstGeom prst="straightConnector1">
-            <a:avLst/>
-          </a:prstGeom>
-          <a:ln>
-            <a:tailEnd type="triangle"/>
-          </a:ln>
-        </p:spPr>
-        <p:style>
-          <a:lnRef idx="1">
-            <a:schemeClr val="accent1"/>
-          </a:lnRef>
-          <a:fillRef idx="0">
-            <a:schemeClr val="accent1"/>
-          </a:fillRef>
-          <a:effectRef idx="0">
-            <a:schemeClr val="accent1"/>
-          </a:effectRef>
-          <a:fontRef idx="minor">
-            <a:schemeClr val="tx1"/>
-          </a:fontRef>
-        </p:style>
-      </p:cxnSp>
-      <p:cxnSp>
-        <p:nvCxnSpPr>
-          <p:cNvPr id="11" name="Conexão reta unidirecional 10">
-            <a:extLst>
-              <a:ext uri="{FF2B5EF4-FFF2-40B4-BE49-F238E27FC236}">
-                <a16:creationId xmlns:a16="http://schemas.microsoft.com/office/drawing/2014/main" id="{90590ACD-AA60-0AE3-7205-92C4938DE76E}"/>
-              </a:ext>
-            </a:extLst>
-          </p:cNvPr>
-          <p:cNvCxnSpPr>
-            <a:cxnSpLocks/>
-            <a:stCxn id="3" idx="2"/>
-            <a:endCxn id="4" idx="0"/>
-          </p:cNvCxnSpPr>
-          <p:nvPr/>
-        </p:nvCxnSpPr>
-        <p:spPr>
-          <a:xfrm flipH="1">
-            <a:off x="2519204" y="2064042"/>
-            <a:ext cx="2715652" cy="956830"/>
-          </a:xfrm>
-          <a:prstGeom prst="straightConnector1">
-            <a:avLst/>
-          </a:prstGeom>
-          <a:ln>
-            <a:tailEnd type="triangle"/>
-          </a:ln>
-        </p:spPr>
-        <p:style>
-          <a:lnRef idx="1">
-            <a:schemeClr val="accent1"/>
-          </a:lnRef>
-          <a:fillRef idx="0">
-            <a:schemeClr val="accent1"/>
-          </a:fillRef>
-          <a:effectRef idx="0">
-            <a:schemeClr val="accent1"/>
-          </a:effectRef>
-          <a:fontRef idx="minor">
-            <a:schemeClr val="tx1"/>
-          </a:fontRef>
-        </p:style>
-      </p:cxnSp>
-      <p:cxnSp>
-        <p:nvCxnSpPr>
-          <p:cNvPr id="15" name="Conexão reta unidirecional 14">
-            <a:extLst>
-              <a:ext uri="{FF2B5EF4-FFF2-40B4-BE49-F238E27FC236}">
-                <a16:creationId xmlns:a16="http://schemas.microsoft.com/office/drawing/2014/main" id="{8F360F52-4CEA-C6E3-942C-B5897E411F75}"/>
-              </a:ext>
-            </a:extLst>
-          </p:cNvPr>
-          <p:cNvCxnSpPr>
-            <a:cxnSpLocks/>
-            <a:stCxn id="3" idx="6"/>
-            <a:endCxn id="6" idx="0"/>
-          </p:cNvCxnSpPr>
-          <p:nvPr/>
-        </p:nvCxnSpPr>
-        <p:spPr>
-          <a:xfrm>
-            <a:off x="6957144" y="2064042"/>
-            <a:ext cx="2715652" cy="1137444"/>
-          </a:xfrm>
-          <a:prstGeom prst="straightConnector1">
-            <a:avLst/>
-          </a:prstGeom>
-          <a:ln>
-            <a:tailEnd type="triangle"/>
-          </a:ln>
-        </p:spPr>
-        <p:style>
-          <a:lnRef idx="1">
-            <a:schemeClr val="accent1"/>
-          </a:lnRef>
-          <a:fillRef idx="0">
-            <a:schemeClr val="accent1"/>
-          </a:fillRef>
-          <a:effectRef idx="0">
-            <a:schemeClr val="accent1"/>
-          </a:effectRef>
-          <a:fontRef idx="minor">
-            <a:schemeClr val="tx1"/>
-          </a:fontRef>
-        </p:style>
-      </p:cxnSp>
+              <a:t>Login.</a:t>
+            </a:r>
+          </a:p>
+          <a:p>
+            <a:endParaRPr lang="pt-PT" dirty="0"/>
+          </a:p>
+        </p:txBody>
+      </p:sp>
     </p:spTree>
     <p:extLst>
       <p:ext uri="{BB962C8B-B14F-4D97-AF65-F5344CB8AC3E}">
-        <p14:creationId xmlns:p14="http://schemas.microsoft.com/office/powerpoint/2010/main" val="1749325602"/>
+        <p14:creationId xmlns:p14="http://schemas.microsoft.com/office/powerpoint/2010/main" val="912488573"/>
       </p:ext>
     </p:extLst>
   </p:cSld>
@@ -4938,425 +3609,132 @@
       </p:grpSpPr>
       <p:sp>
         <p:nvSpPr>
-          <p:cNvPr id="2" name="Oval 1">
+          <p:cNvPr id="2" name="Título 1">
             <a:extLst>
               <a:ext uri="{FF2B5EF4-FFF2-40B4-BE49-F238E27FC236}">
-                <a16:creationId xmlns:a16="http://schemas.microsoft.com/office/drawing/2014/main" id="{234FC310-974A-C9FB-9109-884A975F3D4B}"/>
+                <a16:creationId xmlns:a16="http://schemas.microsoft.com/office/drawing/2014/main" id="{0B30A25E-0EC2-2903-6ADC-CBA990E5AE70}"/>
               </a:ext>
             </a:extLst>
           </p:cNvPr>
-          <p:cNvSpPr/>
-          <p:nvPr/>
-        </p:nvSpPr>
-        <p:spPr>
-          <a:xfrm>
-            <a:off x="5044440" y="3017520"/>
-            <a:ext cx="2103120" cy="822960"/>
-          </a:xfrm>
-          <a:prstGeom prst="ellipse">
-            <a:avLst/>
-          </a:prstGeom>
-        </p:spPr>
-        <p:style>
-          <a:lnRef idx="2">
-            <a:schemeClr val="accent1">
-              <a:shade val="50000"/>
-            </a:schemeClr>
-          </a:lnRef>
-          <a:fillRef idx="1">
-            <a:schemeClr val="accent1"/>
-          </a:fillRef>
-          <a:effectRef idx="0">
-            <a:schemeClr val="accent1"/>
-          </a:effectRef>
-          <a:fontRef idx="minor">
-            <a:schemeClr val="lt1"/>
-          </a:fontRef>
-        </p:style>
-        <p:txBody>
-          <a:bodyPr rtlCol="0" anchor="ctr"/>
-          <a:lstStyle/>
-          <a:p>
-            <a:pPr algn="ctr"/>
-            <a:r>
-              <a:rPr lang="pt-PT" dirty="0"/>
-              <a:t>Utilizador registado</a:t>
-            </a:r>
-          </a:p>
-        </p:txBody>
-      </p:sp>
-      <p:sp>
-        <p:nvSpPr>
-          <p:cNvPr id="3" name="Oval 2">
+          <p:cNvSpPr>
+            <a:spLocks noGrp="1"/>
+          </p:cNvSpPr>
+          <p:nvPr>
+            <p:ph type="title"/>
+          </p:nvPr>
+        </p:nvSpPr>
+        <p:spPr/>
+        <p:txBody>
+          <a:bodyPr/>
+          <a:lstStyle/>
+          <a:p>
+            <a:r>
+              <a:rPr lang="pt-PT" dirty="0">
+                <a:latin typeface="Pacifico" panose="00000500000000000000" pitchFamily="2" charset="0"/>
+              </a:rPr>
+              <a:t>Como funciona o </a:t>
+            </a:r>
+            <a:r>
+              <a:rPr lang="pt-PT" dirty="0">
+                <a:solidFill>
+                  <a:srgbClr val="CC8A14"/>
+                </a:solidFill>
+                <a:latin typeface="Pacifico" panose="00000500000000000000" pitchFamily="2" charset="0"/>
+              </a:rPr>
+              <a:t>Take</a:t>
+            </a:r>
+            <a:r>
+              <a:rPr lang="pt-PT" dirty="0">
+                <a:latin typeface="Pacifico" panose="00000500000000000000" pitchFamily="2" charset="0"/>
+              </a:rPr>
+              <a:t> me </a:t>
+            </a:r>
+            <a:r>
+              <a:rPr lang="pt-PT" dirty="0">
+                <a:solidFill>
+                  <a:srgbClr val="36A327"/>
+                </a:solidFill>
+                <a:latin typeface="Pacifico" panose="00000500000000000000" pitchFamily="2" charset="0"/>
+              </a:rPr>
+              <a:t>Home</a:t>
+            </a:r>
+            <a:r>
+              <a:rPr lang="pt-PT" dirty="0">
+                <a:latin typeface="Pacifico" panose="00000500000000000000" pitchFamily="2" charset="0"/>
+              </a:rPr>
+              <a:t>?</a:t>
+            </a:r>
+          </a:p>
+        </p:txBody>
+      </p:sp>
+      <p:sp>
+        <p:nvSpPr>
+          <p:cNvPr id="3" name="Marcador de Posição de Conteúdo 2">
             <a:extLst>
               <a:ext uri="{FF2B5EF4-FFF2-40B4-BE49-F238E27FC236}">
-                <a16:creationId xmlns:a16="http://schemas.microsoft.com/office/drawing/2014/main" id="{EC29117A-3DAE-82D2-513F-2896E33D5087}"/>
+                <a16:creationId xmlns:a16="http://schemas.microsoft.com/office/drawing/2014/main" id="{AB81D8CC-B14C-0604-F25A-729696814E8D}"/>
               </a:ext>
             </a:extLst>
           </p:cNvPr>
-          <p:cNvSpPr/>
-          <p:nvPr/>
-        </p:nvSpPr>
-        <p:spPr>
-          <a:xfrm>
-            <a:off x="1931126" y="1735183"/>
-            <a:ext cx="2103120" cy="822960"/>
-          </a:xfrm>
-          <a:prstGeom prst="ellipse">
-            <a:avLst/>
-          </a:prstGeom>
-        </p:spPr>
-        <p:style>
-          <a:lnRef idx="2">
-            <a:schemeClr val="accent1">
-              <a:shade val="50000"/>
-            </a:schemeClr>
-          </a:lnRef>
-          <a:fillRef idx="1">
-            <a:schemeClr val="accent1"/>
-          </a:fillRef>
-          <a:effectRef idx="0">
-            <a:schemeClr val="accent1"/>
-          </a:effectRef>
-          <a:fontRef idx="minor">
-            <a:schemeClr val="lt1"/>
-          </a:fontRef>
-        </p:style>
-        <p:txBody>
-          <a:bodyPr rtlCol="0" anchor="ctr"/>
-          <a:lstStyle/>
-          <a:p>
-            <a:pPr algn="ctr"/>
+          <p:cNvSpPr>
+            <a:spLocks noGrp="1"/>
+          </p:cNvSpPr>
+          <p:nvPr>
+            <p:ph idx="1"/>
+          </p:nvPr>
+        </p:nvSpPr>
+        <p:spPr/>
+        <p:txBody>
+          <a:bodyPr/>
+          <a:lstStyle/>
+          <a:p>
+            <a:pPr marL="0" indent="0">
+              <a:buNone/>
+            </a:pPr>
             <a:r>
               <a:rPr lang="pt-PT" dirty="0"/>
-              <a:t>Editar perfil</a:t>
-            </a:r>
-          </a:p>
-        </p:txBody>
-      </p:sp>
-      <p:sp>
-        <p:nvSpPr>
-          <p:cNvPr id="4" name="Oval 3">
-            <a:extLst>
-              <a:ext uri="{FF2B5EF4-FFF2-40B4-BE49-F238E27FC236}">
-                <a16:creationId xmlns:a16="http://schemas.microsoft.com/office/drawing/2014/main" id="{2B2EA629-8529-F7B9-D6F2-D98DA6620841}"/>
-              </a:ext>
-            </a:extLst>
-          </p:cNvPr>
-          <p:cNvSpPr/>
-          <p:nvPr/>
-        </p:nvSpPr>
-        <p:spPr>
-          <a:xfrm>
-            <a:off x="7981405" y="1735183"/>
-            <a:ext cx="2103120" cy="822960"/>
-          </a:xfrm>
-          <a:prstGeom prst="ellipse">
-            <a:avLst/>
-          </a:prstGeom>
-        </p:spPr>
-        <p:style>
-          <a:lnRef idx="2">
-            <a:schemeClr val="accent1">
-              <a:shade val="50000"/>
-            </a:schemeClr>
-          </a:lnRef>
-          <a:fillRef idx="1">
-            <a:schemeClr val="accent1"/>
-          </a:fillRef>
-          <a:effectRef idx="0">
-            <a:schemeClr val="accent1"/>
-          </a:effectRef>
-          <a:fontRef idx="minor">
-            <a:schemeClr val="lt1"/>
-          </a:fontRef>
-        </p:style>
-        <p:txBody>
-          <a:bodyPr rtlCol="0" anchor="ctr"/>
-          <a:lstStyle/>
-          <a:p>
-            <a:pPr algn="ctr"/>
+              <a:t>Utilizadores registados podem</a:t>
+            </a:r>
+          </a:p>
+          <a:p>
             <a:r>
               <a:rPr lang="pt-PT" dirty="0"/>
-              <a:t>Definir interesses</a:t>
-            </a:r>
-          </a:p>
-        </p:txBody>
-      </p:sp>
-      <p:sp>
-        <p:nvSpPr>
-          <p:cNvPr id="5" name="Oval 4">
-            <a:extLst>
-              <a:ext uri="{FF2B5EF4-FFF2-40B4-BE49-F238E27FC236}">
-                <a16:creationId xmlns:a16="http://schemas.microsoft.com/office/drawing/2014/main" id="{103276A4-E722-0D77-A515-9B0E38E2E9E6}"/>
-              </a:ext>
-            </a:extLst>
-          </p:cNvPr>
-          <p:cNvSpPr/>
-          <p:nvPr/>
-        </p:nvSpPr>
-        <p:spPr>
-          <a:xfrm>
-            <a:off x="1931126" y="4450079"/>
-            <a:ext cx="2103120" cy="822960"/>
-          </a:xfrm>
-          <a:prstGeom prst="ellipse">
-            <a:avLst/>
-          </a:prstGeom>
-        </p:spPr>
-        <p:style>
-          <a:lnRef idx="2">
-            <a:schemeClr val="accent1">
-              <a:shade val="50000"/>
-            </a:schemeClr>
-          </a:lnRef>
-          <a:fillRef idx="1">
-            <a:schemeClr val="accent1"/>
-          </a:fillRef>
-          <a:effectRef idx="0">
-            <a:schemeClr val="accent1"/>
-          </a:effectRef>
-          <a:fontRef idx="minor">
-            <a:schemeClr val="lt1"/>
-          </a:fontRef>
-        </p:style>
-        <p:txBody>
-          <a:bodyPr rtlCol="0" anchor="ctr"/>
-          <a:lstStyle/>
-          <a:p>
-            <a:pPr algn="ctr"/>
+              <a:t>Ver animais publicados;</a:t>
+            </a:r>
+          </a:p>
+          <a:p>
             <a:r>
               <a:rPr lang="pt-PT" dirty="0"/>
-              <a:t>Favoritos</a:t>
-            </a:r>
-          </a:p>
-        </p:txBody>
-      </p:sp>
-      <p:sp>
-        <p:nvSpPr>
-          <p:cNvPr id="6" name="Oval 5">
-            <a:extLst>
-              <a:ext uri="{FF2B5EF4-FFF2-40B4-BE49-F238E27FC236}">
-                <a16:creationId xmlns:a16="http://schemas.microsoft.com/office/drawing/2014/main" id="{CA3482F1-F7CF-BC8B-E31E-D35F95F6489A}"/>
-              </a:ext>
-            </a:extLst>
-          </p:cNvPr>
-          <p:cNvSpPr/>
-          <p:nvPr/>
-        </p:nvSpPr>
-        <p:spPr>
-          <a:xfrm>
-            <a:off x="7981405" y="4450079"/>
-            <a:ext cx="2103120" cy="822960"/>
-          </a:xfrm>
-          <a:prstGeom prst="ellipse">
-            <a:avLst/>
-          </a:prstGeom>
-        </p:spPr>
-        <p:style>
-          <a:lnRef idx="2">
-            <a:schemeClr val="accent1">
-              <a:shade val="50000"/>
-            </a:schemeClr>
-          </a:lnRef>
-          <a:fillRef idx="1">
-            <a:schemeClr val="accent1"/>
-          </a:fillRef>
-          <a:effectRef idx="0">
-            <a:schemeClr val="accent1"/>
-          </a:effectRef>
-          <a:fontRef idx="minor">
-            <a:schemeClr val="lt1"/>
-          </a:fontRef>
-        </p:style>
-        <p:txBody>
-          <a:bodyPr rtlCol="0" anchor="ctr"/>
-          <a:lstStyle/>
-          <a:p>
-            <a:pPr algn="ctr"/>
+              <a:t>Definir interesses;</a:t>
+            </a:r>
+          </a:p>
+          <a:p>
             <a:r>
               <a:rPr lang="pt-PT" dirty="0"/>
-              <a:t>Adotar</a:t>
-            </a:r>
-          </a:p>
-        </p:txBody>
-      </p:sp>
-      <p:cxnSp>
-        <p:nvCxnSpPr>
-          <p:cNvPr id="8" name="Conexão reta unidirecional 7">
-            <a:extLst>
-              <a:ext uri="{FF2B5EF4-FFF2-40B4-BE49-F238E27FC236}">
-                <a16:creationId xmlns:a16="http://schemas.microsoft.com/office/drawing/2014/main" id="{E27BD901-B51C-B12C-190E-4E9304BEFC20}"/>
-              </a:ext>
-            </a:extLst>
-          </p:cNvPr>
-          <p:cNvCxnSpPr>
-            <a:cxnSpLocks/>
-            <a:stCxn id="2" idx="1"/>
-            <a:endCxn id="3" idx="5"/>
-          </p:cNvCxnSpPr>
-          <p:nvPr/>
-        </p:nvCxnSpPr>
-        <p:spPr>
-          <a:xfrm flipH="1" flipV="1">
-            <a:off x="3726251" y="2437623"/>
-            <a:ext cx="1626184" cy="700417"/>
-          </a:xfrm>
-          <a:prstGeom prst="straightConnector1">
-            <a:avLst/>
-          </a:prstGeom>
-          <a:ln>
-            <a:tailEnd type="triangle"/>
-          </a:ln>
-        </p:spPr>
-        <p:style>
-          <a:lnRef idx="1">
-            <a:schemeClr val="accent1"/>
-          </a:lnRef>
-          <a:fillRef idx="0">
-            <a:schemeClr val="accent1"/>
-          </a:fillRef>
-          <a:effectRef idx="0">
-            <a:schemeClr val="accent1"/>
-          </a:effectRef>
-          <a:fontRef idx="minor">
-            <a:schemeClr val="tx1"/>
-          </a:fontRef>
-        </p:style>
-      </p:cxnSp>
-      <p:cxnSp>
-        <p:nvCxnSpPr>
-          <p:cNvPr id="11" name="Conexão reta unidirecional 10">
-            <a:extLst>
-              <a:ext uri="{FF2B5EF4-FFF2-40B4-BE49-F238E27FC236}">
-                <a16:creationId xmlns:a16="http://schemas.microsoft.com/office/drawing/2014/main" id="{94E12E26-4611-BE60-FEE5-BE4B58E08FB7}"/>
-              </a:ext>
-            </a:extLst>
-          </p:cNvPr>
-          <p:cNvCxnSpPr>
-            <a:cxnSpLocks/>
-            <a:stCxn id="2" idx="3"/>
-            <a:endCxn id="5" idx="7"/>
-          </p:cNvCxnSpPr>
-          <p:nvPr/>
-        </p:nvCxnSpPr>
-        <p:spPr>
-          <a:xfrm flipH="1">
-            <a:off x="3726251" y="3719960"/>
-            <a:ext cx="1626184" cy="850639"/>
-          </a:xfrm>
-          <a:prstGeom prst="straightConnector1">
-            <a:avLst/>
-          </a:prstGeom>
-          <a:ln>
-            <a:tailEnd type="triangle"/>
-          </a:ln>
-        </p:spPr>
-        <p:style>
-          <a:lnRef idx="1">
-            <a:schemeClr val="accent1"/>
-          </a:lnRef>
-          <a:fillRef idx="0">
-            <a:schemeClr val="accent1"/>
-          </a:fillRef>
-          <a:effectRef idx="0">
-            <a:schemeClr val="accent1"/>
-          </a:effectRef>
-          <a:fontRef idx="minor">
-            <a:schemeClr val="tx1"/>
-          </a:fontRef>
-        </p:style>
-      </p:cxnSp>
-      <p:cxnSp>
-        <p:nvCxnSpPr>
-          <p:cNvPr id="14" name="Conexão reta unidirecional 13">
-            <a:extLst>
-              <a:ext uri="{FF2B5EF4-FFF2-40B4-BE49-F238E27FC236}">
-                <a16:creationId xmlns:a16="http://schemas.microsoft.com/office/drawing/2014/main" id="{F9E93CD5-2F89-77D4-67D2-E0A087624ADE}"/>
-              </a:ext>
-            </a:extLst>
-          </p:cNvPr>
-          <p:cNvCxnSpPr>
-            <a:cxnSpLocks/>
-            <a:stCxn id="2" idx="7"/>
-            <a:endCxn id="4" idx="3"/>
-          </p:cNvCxnSpPr>
-          <p:nvPr/>
-        </p:nvCxnSpPr>
-        <p:spPr>
-          <a:xfrm flipV="1">
-            <a:off x="6839565" y="2437623"/>
-            <a:ext cx="1449835" cy="700417"/>
-          </a:xfrm>
-          <a:prstGeom prst="straightConnector1">
-            <a:avLst/>
-          </a:prstGeom>
-          <a:ln>
-            <a:tailEnd type="triangle"/>
-          </a:ln>
-        </p:spPr>
-        <p:style>
-          <a:lnRef idx="1">
-            <a:schemeClr val="accent1"/>
-          </a:lnRef>
-          <a:fillRef idx="0">
-            <a:schemeClr val="accent1"/>
-          </a:fillRef>
-          <a:effectRef idx="0">
-            <a:schemeClr val="accent1"/>
-          </a:effectRef>
-          <a:fontRef idx="minor">
-            <a:schemeClr val="tx1"/>
-          </a:fontRef>
-        </p:style>
-      </p:cxnSp>
-      <p:cxnSp>
-        <p:nvCxnSpPr>
-          <p:cNvPr id="17" name="Conexão reta unidirecional 16">
-            <a:extLst>
-              <a:ext uri="{FF2B5EF4-FFF2-40B4-BE49-F238E27FC236}">
-                <a16:creationId xmlns:a16="http://schemas.microsoft.com/office/drawing/2014/main" id="{FC7FFCEB-11E1-865E-D0B5-FC0231961BE2}"/>
-              </a:ext>
-            </a:extLst>
-          </p:cNvPr>
-          <p:cNvCxnSpPr>
-            <a:cxnSpLocks/>
-            <a:stCxn id="2" idx="5"/>
-            <a:endCxn id="6" idx="1"/>
-          </p:cNvCxnSpPr>
-          <p:nvPr/>
-        </p:nvCxnSpPr>
-        <p:spPr>
-          <a:xfrm>
-            <a:off x="6839565" y="3719960"/>
-            <a:ext cx="1449835" cy="850639"/>
-          </a:xfrm>
-          <a:prstGeom prst="straightConnector1">
-            <a:avLst/>
-          </a:prstGeom>
-          <a:ln>
-            <a:tailEnd type="triangle"/>
-          </a:ln>
-        </p:spPr>
-        <p:style>
-          <a:lnRef idx="1">
-            <a:schemeClr val="accent1"/>
-          </a:lnRef>
-          <a:fillRef idx="0">
-            <a:schemeClr val="accent1"/>
-          </a:fillRef>
-          <a:effectRef idx="0">
-            <a:schemeClr val="accent1"/>
-          </a:effectRef>
-          <a:fontRef idx="minor">
-            <a:schemeClr val="tx1"/>
-          </a:fontRef>
-        </p:style>
-      </p:cxnSp>
+              <a:t>Adicionar animais aos favoritos;</a:t>
+            </a:r>
+          </a:p>
+          <a:p>
+            <a:r>
+              <a:rPr lang="pt-PT" dirty="0"/>
+              <a:t>Pedir a adoção de um animal;</a:t>
+            </a:r>
+          </a:p>
+          <a:p>
+            <a:r>
+              <a:rPr lang="pt-PT" dirty="0"/>
+              <a:t>Editar o perfil.</a:t>
+            </a:r>
+          </a:p>
+          <a:p>
+            <a:endParaRPr lang="pt-PT" dirty="0"/>
+          </a:p>
+        </p:txBody>
+      </p:sp>
     </p:spTree>
     <p:extLst>
       <p:ext uri="{BB962C8B-B14F-4D97-AF65-F5344CB8AC3E}">
-        <p14:creationId xmlns:p14="http://schemas.microsoft.com/office/powerpoint/2010/main" val="1327129476"/>
+        <p14:creationId xmlns:p14="http://schemas.microsoft.com/office/powerpoint/2010/main" val="623178136"/>
       </p:ext>
     </p:extLst>
   </p:cSld>
@@ -5385,429 +3763,132 @@
       </p:grpSpPr>
       <p:sp>
         <p:nvSpPr>
-          <p:cNvPr id="2" name="Oval 1">
+          <p:cNvPr id="2" name="Título 1">
             <a:extLst>
               <a:ext uri="{FF2B5EF4-FFF2-40B4-BE49-F238E27FC236}">
-                <a16:creationId xmlns:a16="http://schemas.microsoft.com/office/drawing/2014/main" id="{234FC310-974A-C9FB-9109-884A975F3D4B}"/>
+                <a16:creationId xmlns:a16="http://schemas.microsoft.com/office/drawing/2014/main" id="{0B30A25E-0EC2-2903-6ADC-CBA990E5AE70}"/>
               </a:ext>
             </a:extLst>
           </p:cNvPr>
-          <p:cNvSpPr/>
-          <p:nvPr/>
-        </p:nvSpPr>
-        <p:spPr>
-          <a:xfrm>
-            <a:off x="5044440" y="3017520"/>
-            <a:ext cx="2103120" cy="822960"/>
-          </a:xfrm>
-          <a:prstGeom prst="ellipse">
-            <a:avLst/>
-          </a:prstGeom>
-        </p:spPr>
-        <p:style>
-          <a:lnRef idx="2">
-            <a:schemeClr val="accent1">
-              <a:shade val="50000"/>
-            </a:schemeClr>
-          </a:lnRef>
-          <a:fillRef idx="1">
-            <a:schemeClr val="accent1"/>
-          </a:fillRef>
-          <a:effectRef idx="0">
-            <a:schemeClr val="accent1"/>
-          </a:effectRef>
-          <a:fontRef idx="minor">
-            <a:schemeClr val="lt1"/>
-          </a:fontRef>
-        </p:style>
-        <p:txBody>
-          <a:bodyPr rtlCol="0" anchor="ctr"/>
-          <a:lstStyle/>
-          <a:p>
-            <a:pPr algn="ctr"/>
-            <a:r>
-              <a:rPr lang="pt-PT" dirty="0" err="1"/>
-              <a:t>Insituição</a:t>
-            </a:r>
-            <a:r>
-              <a:rPr lang="pt-PT" dirty="0"/>
-              <a:t> registada</a:t>
-            </a:r>
-          </a:p>
-        </p:txBody>
-      </p:sp>
-      <p:sp>
-        <p:nvSpPr>
-          <p:cNvPr id="3" name="Oval 2">
+          <p:cNvSpPr>
+            <a:spLocks noGrp="1"/>
+          </p:cNvSpPr>
+          <p:nvPr>
+            <p:ph type="title"/>
+          </p:nvPr>
+        </p:nvSpPr>
+        <p:spPr/>
+        <p:txBody>
+          <a:bodyPr/>
+          <a:lstStyle/>
+          <a:p>
+            <a:r>
+              <a:rPr lang="pt-PT" dirty="0">
+                <a:latin typeface="Pacifico" panose="00000500000000000000" pitchFamily="2" charset="0"/>
+              </a:rPr>
+              <a:t>Como funciona o </a:t>
+            </a:r>
+            <a:r>
+              <a:rPr lang="pt-PT" dirty="0">
+                <a:solidFill>
+                  <a:srgbClr val="CC8A14"/>
+                </a:solidFill>
+                <a:latin typeface="Pacifico" panose="00000500000000000000" pitchFamily="2" charset="0"/>
+              </a:rPr>
+              <a:t>Take</a:t>
+            </a:r>
+            <a:r>
+              <a:rPr lang="pt-PT" dirty="0">
+                <a:latin typeface="Pacifico" panose="00000500000000000000" pitchFamily="2" charset="0"/>
+              </a:rPr>
+              <a:t> me </a:t>
+            </a:r>
+            <a:r>
+              <a:rPr lang="pt-PT" dirty="0">
+                <a:solidFill>
+                  <a:srgbClr val="36A327"/>
+                </a:solidFill>
+                <a:latin typeface="Pacifico" panose="00000500000000000000" pitchFamily="2" charset="0"/>
+              </a:rPr>
+              <a:t>Home</a:t>
+            </a:r>
+            <a:r>
+              <a:rPr lang="pt-PT" dirty="0">
+                <a:latin typeface="Pacifico" panose="00000500000000000000" pitchFamily="2" charset="0"/>
+              </a:rPr>
+              <a:t>	?</a:t>
+            </a:r>
+          </a:p>
+        </p:txBody>
+      </p:sp>
+      <p:sp>
+        <p:nvSpPr>
+          <p:cNvPr id="3" name="Marcador de Posição de Conteúdo 2">
             <a:extLst>
               <a:ext uri="{FF2B5EF4-FFF2-40B4-BE49-F238E27FC236}">
-                <a16:creationId xmlns:a16="http://schemas.microsoft.com/office/drawing/2014/main" id="{EC29117A-3DAE-82D2-513F-2896E33D5087}"/>
+                <a16:creationId xmlns:a16="http://schemas.microsoft.com/office/drawing/2014/main" id="{AB81D8CC-B14C-0604-F25A-729696814E8D}"/>
               </a:ext>
             </a:extLst>
           </p:cNvPr>
-          <p:cNvSpPr/>
-          <p:nvPr/>
-        </p:nvSpPr>
-        <p:spPr>
-          <a:xfrm>
-            <a:off x="1931126" y="1735183"/>
-            <a:ext cx="2103120" cy="822960"/>
-          </a:xfrm>
-          <a:prstGeom prst="ellipse">
-            <a:avLst/>
-          </a:prstGeom>
-        </p:spPr>
-        <p:style>
-          <a:lnRef idx="2">
-            <a:schemeClr val="accent1">
-              <a:shade val="50000"/>
-            </a:schemeClr>
-          </a:lnRef>
-          <a:fillRef idx="1">
-            <a:schemeClr val="accent1"/>
-          </a:fillRef>
-          <a:effectRef idx="0">
-            <a:schemeClr val="accent1"/>
-          </a:effectRef>
-          <a:fontRef idx="minor">
-            <a:schemeClr val="lt1"/>
-          </a:fontRef>
-        </p:style>
-        <p:txBody>
-          <a:bodyPr rtlCol="0" anchor="ctr"/>
-          <a:lstStyle/>
-          <a:p>
-            <a:pPr algn="ctr"/>
+          <p:cNvSpPr>
+            <a:spLocks noGrp="1"/>
+          </p:cNvSpPr>
+          <p:nvPr>
+            <p:ph idx="1"/>
+          </p:nvPr>
+        </p:nvSpPr>
+        <p:spPr/>
+        <p:txBody>
+          <a:bodyPr/>
+          <a:lstStyle/>
+          <a:p>
+            <a:pPr marL="0" indent="0">
+              <a:buNone/>
+            </a:pPr>
             <a:r>
               <a:rPr lang="pt-PT" dirty="0"/>
-              <a:t>Editar perfil</a:t>
-            </a:r>
-          </a:p>
-        </p:txBody>
-      </p:sp>
-      <p:sp>
-        <p:nvSpPr>
-          <p:cNvPr id="4" name="Oval 3">
-            <a:extLst>
-              <a:ext uri="{FF2B5EF4-FFF2-40B4-BE49-F238E27FC236}">
-                <a16:creationId xmlns:a16="http://schemas.microsoft.com/office/drawing/2014/main" id="{2B2EA629-8529-F7B9-D6F2-D98DA6620841}"/>
-              </a:ext>
-            </a:extLst>
-          </p:cNvPr>
-          <p:cNvSpPr/>
-          <p:nvPr/>
-        </p:nvSpPr>
-        <p:spPr>
-          <a:xfrm>
-            <a:off x="7981405" y="1735183"/>
-            <a:ext cx="2103120" cy="822960"/>
-          </a:xfrm>
-          <a:prstGeom prst="ellipse">
-            <a:avLst/>
-          </a:prstGeom>
-        </p:spPr>
-        <p:style>
-          <a:lnRef idx="2">
-            <a:schemeClr val="accent1">
-              <a:shade val="50000"/>
-            </a:schemeClr>
-          </a:lnRef>
-          <a:fillRef idx="1">
-            <a:schemeClr val="accent1"/>
-          </a:fillRef>
-          <a:effectRef idx="0">
-            <a:schemeClr val="accent1"/>
-          </a:effectRef>
-          <a:fontRef idx="minor">
-            <a:schemeClr val="lt1"/>
-          </a:fontRef>
-        </p:style>
-        <p:txBody>
-          <a:bodyPr rtlCol="0" anchor="ctr"/>
-          <a:lstStyle/>
-          <a:p>
-            <a:pPr algn="ctr"/>
+              <a:t>Instituições registados e aprovadas podem</a:t>
+            </a:r>
+          </a:p>
+          <a:p>
             <a:r>
               <a:rPr lang="pt-PT" dirty="0"/>
-              <a:t>Gerir animais publicados</a:t>
-            </a:r>
-          </a:p>
-        </p:txBody>
-      </p:sp>
-      <p:sp>
-        <p:nvSpPr>
-          <p:cNvPr id="5" name="Oval 4">
-            <a:extLst>
-              <a:ext uri="{FF2B5EF4-FFF2-40B4-BE49-F238E27FC236}">
-                <a16:creationId xmlns:a16="http://schemas.microsoft.com/office/drawing/2014/main" id="{103276A4-E722-0D77-A515-9B0E38E2E9E6}"/>
-              </a:ext>
-            </a:extLst>
-          </p:cNvPr>
-          <p:cNvSpPr/>
-          <p:nvPr/>
-        </p:nvSpPr>
-        <p:spPr>
-          <a:xfrm>
-            <a:off x="1931126" y="4450079"/>
-            <a:ext cx="2103120" cy="822960"/>
-          </a:xfrm>
-          <a:prstGeom prst="ellipse">
-            <a:avLst/>
-          </a:prstGeom>
-        </p:spPr>
-        <p:style>
-          <a:lnRef idx="2">
-            <a:schemeClr val="accent1">
-              <a:shade val="50000"/>
-            </a:schemeClr>
-          </a:lnRef>
-          <a:fillRef idx="1">
-            <a:schemeClr val="accent1"/>
-          </a:fillRef>
-          <a:effectRef idx="0">
-            <a:schemeClr val="accent1"/>
-          </a:effectRef>
-          <a:fontRef idx="minor">
-            <a:schemeClr val="lt1"/>
-          </a:fontRef>
-        </p:style>
-        <p:txBody>
-          <a:bodyPr rtlCol="0" anchor="ctr"/>
-          <a:lstStyle/>
-          <a:p>
-            <a:pPr algn="ctr"/>
+              <a:t>Ver animais publicados;</a:t>
+            </a:r>
+          </a:p>
+          <a:p>
             <a:r>
               <a:rPr lang="pt-PT" dirty="0"/>
-              <a:t>Aprovar adoções</a:t>
-            </a:r>
-          </a:p>
-        </p:txBody>
-      </p:sp>
-      <p:sp>
-        <p:nvSpPr>
-          <p:cNvPr id="6" name="Oval 5">
-            <a:extLst>
-              <a:ext uri="{FF2B5EF4-FFF2-40B4-BE49-F238E27FC236}">
-                <a16:creationId xmlns:a16="http://schemas.microsoft.com/office/drawing/2014/main" id="{CA3482F1-F7CF-BC8B-E31E-D35F95F6489A}"/>
-              </a:ext>
-            </a:extLst>
-          </p:cNvPr>
-          <p:cNvSpPr/>
-          <p:nvPr/>
-        </p:nvSpPr>
-        <p:spPr>
-          <a:xfrm>
-            <a:off x="7981405" y="4450079"/>
-            <a:ext cx="2103120" cy="1023258"/>
-          </a:xfrm>
-          <a:prstGeom prst="ellipse">
-            <a:avLst/>
-          </a:prstGeom>
-        </p:spPr>
-        <p:style>
-          <a:lnRef idx="2">
-            <a:schemeClr val="accent1">
-              <a:shade val="50000"/>
-            </a:schemeClr>
-          </a:lnRef>
-          <a:fillRef idx="1">
-            <a:schemeClr val="accent1"/>
-          </a:fillRef>
-          <a:effectRef idx="0">
-            <a:schemeClr val="accent1"/>
-          </a:effectRef>
-          <a:fontRef idx="minor">
-            <a:schemeClr val="lt1"/>
-          </a:fontRef>
-        </p:style>
-        <p:txBody>
-          <a:bodyPr rtlCol="0" anchor="ctr"/>
-          <a:lstStyle/>
-          <a:p>
-            <a:pPr algn="ctr"/>
+              <a:t>Publicar animais;</a:t>
+            </a:r>
+          </a:p>
+          <a:p>
             <a:r>
               <a:rPr lang="pt-PT" dirty="0"/>
-              <a:t>Remover animais publicados</a:t>
-            </a:r>
-          </a:p>
-        </p:txBody>
-      </p:sp>
-      <p:cxnSp>
-        <p:nvCxnSpPr>
-          <p:cNvPr id="8" name="Conexão reta unidirecional 7">
-            <a:extLst>
-              <a:ext uri="{FF2B5EF4-FFF2-40B4-BE49-F238E27FC236}">
-                <a16:creationId xmlns:a16="http://schemas.microsoft.com/office/drawing/2014/main" id="{E27BD901-B51C-B12C-190E-4E9304BEFC20}"/>
-              </a:ext>
-            </a:extLst>
-          </p:cNvPr>
-          <p:cNvCxnSpPr>
-            <a:cxnSpLocks/>
-            <a:stCxn id="2" idx="1"/>
-            <a:endCxn id="3" idx="5"/>
-          </p:cNvCxnSpPr>
-          <p:nvPr/>
-        </p:nvCxnSpPr>
-        <p:spPr>
-          <a:xfrm flipH="1" flipV="1">
-            <a:off x="3726251" y="2437623"/>
-            <a:ext cx="1626184" cy="700417"/>
-          </a:xfrm>
-          <a:prstGeom prst="straightConnector1">
-            <a:avLst/>
-          </a:prstGeom>
-          <a:ln>
-            <a:tailEnd type="triangle"/>
-          </a:ln>
-        </p:spPr>
-        <p:style>
-          <a:lnRef idx="1">
-            <a:schemeClr val="accent1"/>
-          </a:lnRef>
-          <a:fillRef idx="0">
-            <a:schemeClr val="accent1"/>
-          </a:fillRef>
-          <a:effectRef idx="0">
-            <a:schemeClr val="accent1"/>
-          </a:effectRef>
-          <a:fontRef idx="minor">
-            <a:schemeClr val="tx1"/>
-          </a:fontRef>
-        </p:style>
-      </p:cxnSp>
-      <p:cxnSp>
-        <p:nvCxnSpPr>
-          <p:cNvPr id="11" name="Conexão reta unidirecional 10">
-            <a:extLst>
-              <a:ext uri="{FF2B5EF4-FFF2-40B4-BE49-F238E27FC236}">
-                <a16:creationId xmlns:a16="http://schemas.microsoft.com/office/drawing/2014/main" id="{94E12E26-4611-BE60-FEE5-BE4B58E08FB7}"/>
-              </a:ext>
-            </a:extLst>
-          </p:cNvPr>
-          <p:cNvCxnSpPr>
-            <a:cxnSpLocks/>
-            <a:stCxn id="2" idx="3"/>
-            <a:endCxn id="5" idx="7"/>
-          </p:cNvCxnSpPr>
-          <p:nvPr/>
-        </p:nvCxnSpPr>
-        <p:spPr>
-          <a:xfrm flipH="1">
-            <a:off x="3726251" y="3719960"/>
-            <a:ext cx="1626184" cy="850639"/>
-          </a:xfrm>
-          <a:prstGeom prst="straightConnector1">
-            <a:avLst/>
-          </a:prstGeom>
-          <a:ln>
-            <a:tailEnd type="triangle"/>
-          </a:ln>
-        </p:spPr>
-        <p:style>
-          <a:lnRef idx="1">
-            <a:schemeClr val="accent1"/>
-          </a:lnRef>
-          <a:fillRef idx="0">
-            <a:schemeClr val="accent1"/>
-          </a:fillRef>
-          <a:effectRef idx="0">
-            <a:schemeClr val="accent1"/>
-          </a:effectRef>
-          <a:fontRef idx="minor">
-            <a:schemeClr val="tx1"/>
-          </a:fontRef>
-        </p:style>
-      </p:cxnSp>
-      <p:cxnSp>
-        <p:nvCxnSpPr>
-          <p:cNvPr id="14" name="Conexão reta unidirecional 13">
-            <a:extLst>
-              <a:ext uri="{FF2B5EF4-FFF2-40B4-BE49-F238E27FC236}">
-                <a16:creationId xmlns:a16="http://schemas.microsoft.com/office/drawing/2014/main" id="{F9E93CD5-2F89-77D4-67D2-E0A087624ADE}"/>
-              </a:ext>
-            </a:extLst>
-          </p:cNvPr>
-          <p:cNvCxnSpPr>
-            <a:cxnSpLocks/>
-            <a:stCxn id="2" idx="7"/>
-            <a:endCxn id="4" idx="3"/>
-          </p:cNvCxnSpPr>
-          <p:nvPr/>
-        </p:nvCxnSpPr>
-        <p:spPr>
-          <a:xfrm flipV="1">
-            <a:off x="6839565" y="2437623"/>
-            <a:ext cx="1449835" cy="700417"/>
-          </a:xfrm>
-          <a:prstGeom prst="straightConnector1">
-            <a:avLst/>
-          </a:prstGeom>
-          <a:ln>
-            <a:tailEnd type="triangle"/>
-          </a:ln>
-        </p:spPr>
-        <p:style>
-          <a:lnRef idx="1">
-            <a:schemeClr val="accent1"/>
-          </a:lnRef>
-          <a:fillRef idx="0">
-            <a:schemeClr val="accent1"/>
-          </a:fillRef>
-          <a:effectRef idx="0">
-            <a:schemeClr val="accent1"/>
-          </a:effectRef>
-          <a:fontRef idx="minor">
-            <a:schemeClr val="tx1"/>
-          </a:fontRef>
-        </p:style>
-      </p:cxnSp>
-      <p:cxnSp>
-        <p:nvCxnSpPr>
-          <p:cNvPr id="17" name="Conexão reta unidirecional 16">
-            <a:extLst>
-              <a:ext uri="{FF2B5EF4-FFF2-40B4-BE49-F238E27FC236}">
-                <a16:creationId xmlns:a16="http://schemas.microsoft.com/office/drawing/2014/main" id="{FC7FFCEB-11E1-865E-D0B5-FC0231961BE2}"/>
-              </a:ext>
-            </a:extLst>
-          </p:cNvPr>
-          <p:cNvCxnSpPr>
-            <a:cxnSpLocks/>
-            <a:stCxn id="2" idx="5"/>
-            <a:endCxn id="6" idx="1"/>
-          </p:cNvCxnSpPr>
-          <p:nvPr/>
-        </p:nvCxnSpPr>
-        <p:spPr>
-          <a:xfrm>
-            <a:off x="6839565" y="3719960"/>
-            <a:ext cx="1449835" cy="879972"/>
-          </a:xfrm>
-          <a:prstGeom prst="straightConnector1">
-            <a:avLst/>
-          </a:prstGeom>
-          <a:ln>
-            <a:tailEnd type="triangle"/>
-          </a:ln>
-        </p:spPr>
-        <p:style>
-          <a:lnRef idx="1">
-            <a:schemeClr val="accent1"/>
-          </a:lnRef>
-          <a:fillRef idx="0">
-            <a:schemeClr val="accent1"/>
-          </a:fillRef>
-          <a:effectRef idx="0">
-            <a:schemeClr val="accent1"/>
-          </a:effectRef>
-          <a:fontRef idx="minor">
-            <a:schemeClr val="tx1"/>
-          </a:fontRef>
-        </p:style>
-      </p:cxnSp>
+              <a:t>Gerir animais publicados;</a:t>
+            </a:r>
+          </a:p>
+          <a:p>
+            <a:r>
+              <a:rPr lang="pt-PT" dirty="0"/>
+              <a:t>Aprovar adoções;</a:t>
+            </a:r>
+          </a:p>
+          <a:p>
+            <a:r>
+              <a:rPr lang="pt-PT" dirty="0"/>
+              <a:t>Editar perfil.</a:t>
+            </a:r>
+          </a:p>
+          <a:p>
+            <a:endParaRPr lang="pt-PT" dirty="0"/>
+          </a:p>
+        </p:txBody>
+      </p:sp>
     </p:spTree>
     <p:extLst>
       <p:ext uri="{BB962C8B-B14F-4D97-AF65-F5344CB8AC3E}">
-        <p14:creationId xmlns:p14="http://schemas.microsoft.com/office/powerpoint/2010/main" val="1469546967"/>
+        <p14:creationId xmlns:p14="http://schemas.microsoft.com/office/powerpoint/2010/main" val="2631628159"/>
       </p:ext>
     </p:extLst>
   </p:cSld>
@@ -5836,204 +3917,126 @@
       </p:grpSpPr>
       <p:sp>
         <p:nvSpPr>
-          <p:cNvPr id="2" name="Oval 1">
+          <p:cNvPr id="2" name="Título 1">
             <a:extLst>
               <a:ext uri="{FF2B5EF4-FFF2-40B4-BE49-F238E27FC236}">
-                <a16:creationId xmlns:a16="http://schemas.microsoft.com/office/drawing/2014/main" id="{B8E6796C-7B43-AC86-8BD4-94481C880F5F}"/>
+                <a16:creationId xmlns:a16="http://schemas.microsoft.com/office/drawing/2014/main" id="{0B30A25E-0EC2-2903-6ADC-CBA990E5AE70}"/>
               </a:ext>
             </a:extLst>
           </p:cNvPr>
-          <p:cNvSpPr/>
-          <p:nvPr/>
-        </p:nvSpPr>
-        <p:spPr>
-          <a:xfrm>
-            <a:off x="4972594" y="2919548"/>
-            <a:ext cx="2246812" cy="1018903"/>
-          </a:xfrm>
-          <a:prstGeom prst="ellipse">
-            <a:avLst/>
-          </a:prstGeom>
-        </p:spPr>
-        <p:style>
-          <a:lnRef idx="2">
-            <a:schemeClr val="accent1">
-              <a:shade val="50000"/>
-            </a:schemeClr>
-          </a:lnRef>
-          <a:fillRef idx="1">
-            <a:schemeClr val="accent1"/>
-          </a:fillRef>
-          <a:effectRef idx="0">
-            <a:schemeClr val="accent1"/>
-          </a:effectRef>
-          <a:fontRef idx="minor">
-            <a:schemeClr val="lt1"/>
-          </a:fontRef>
-        </p:style>
-        <p:txBody>
-          <a:bodyPr rtlCol="0" anchor="ctr"/>
-          <a:lstStyle/>
-          <a:p>
-            <a:pPr algn="ctr"/>
-            <a:r>
-              <a:rPr lang="pt-PT" dirty="0"/>
-              <a:t>Administrador</a:t>
-            </a:r>
-          </a:p>
-        </p:txBody>
-      </p:sp>
-      <p:sp>
-        <p:nvSpPr>
-          <p:cNvPr id="3" name="Oval 2">
+          <p:cNvSpPr>
+            <a:spLocks noGrp="1"/>
+          </p:cNvSpPr>
+          <p:nvPr>
+            <p:ph type="title"/>
+          </p:nvPr>
+        </p:nvSpPr>
+        <p:spPr/>
+        <p:txBody>
+          <a:bodyPr/>
+          <a:lstStyle/>
+          <a:p>
+            <a:r>
+              <a:rPr lang="pt-PT" dirty="0">
+                <a:latin typeface="Pacifico" panose="00000500000000000000" pitchFamily="2" charset="0"/>
+              </a:rPr>
+              <a:t>Como funciona o </a:t>
+            </a:r>
+            <a:r>
+              <a:rPr lang="pt-PT" dirty="0">
+                <a:solidFill>
+                  <a:srgbClr val="CC8A14"/>
+                </a:solidFill>
+                <a:latin typeface="Pacifico" panose="00000500000000000000" pitchFamily="2" charset="0"/>
+              </a:rPr>
+              <a:t>Take</a:t>
+            </a:r>
+            <a:r>
+              <a:rPr lang="pt-PT" dirty="0">
+                <a:latin typeface="Pacifico" panose="00000500000000000000" pitchFamily="2" charset="0"/>
+              </a:rPr>
+              <a:t> me </a:t>
+            </a:r>
+            <a:r>
+              <a:rPr lang="pt-PT" dirty="0">
+                <a:solidFill>
+                  <a:srgbClr val="36A327"/>
+                </a:solidFill>
+                <a:latin typeface="Pacifico" panose="00000500000000000000" pitchFamily="2" charset="0"/>
+              </a:rPr>
+              <a:t>Home</a:t>
+            </a:r>
+            <a:r>
+              <a:rPr lang="pt-PT" dirty="0">
+                <a:latin typeface="Pacifico" panose="00000500000000000000" pitchFamily="2" charset="0"/>
+              </a:rPr>
+              <a:t>	?</a:t>
+            </a:r>
+          </a:p>
+        </p:txBody>
+      </p:sp>
+      <p:sp>
+        <p:nvSpPr>
+          <p:cNvPr id="3" name="Marcador de Posição de Conteúdo 2">
             <a:extLst>
               <a:ext uri="{FF2B5EF4-FFF2-40B4-BE49-F238E27FC236}">
-                <a16:creationId xmlns:a16="http://schemas.microsoft.com/office/drawing/2014/main" id="{E1B44014-FAC4-28C7-C8B0-CCE857F27186}"/>
+                <a16:creationId xmlns:a16="http://schemas.microsoft.com/office/drawing/2014/main" id="{AB81D8CC-B14C-0604-F25A-729696814E8D}"/>
               </a:ext>
             </a:extLst>
           </p:cNvPr>
-          <p:cNvSpPr/>
-          <p:nvPr/>
-        </p:nvSpPr>
-        <p:spPr>
-          <a:xfrm>
-            <a:off x="1071153" y="1939832"/>
-            <a:ext cx="2246813" cy="1018903"/>
-          </a:xfrm>
-          <a:prstGeom prst="ellipse">
-            <a:avLst/>
-          </a:prstGeom>
-        </p:spPr>
-        <p:style>
-          <a:lnRef idx="2">
-            <a:schemeClr val="accent1">
-              <a:shade val="50000"/>
-            </a:schemeClr>
-          </a:lnRef>
-          <a:fillRef idx="1">
-            <a:schemeClr val="accent1"/>
-          </a:fillRef>
-          <a:effectRef idx="0">
-            <a:schemeClr val="accent1"/>
-          </a:effectRef>
-          <a:fontRef idx="minor">
-            <a:schemeClr val="lt1"/>
-          </a:fontRef>
-        </p:style>
-        <p:txBody>
-          <a:bodyPr rtlCol="0" anchor="ctr"/>
-          <a:lstStyle/>
-          <a:p>
-            <a:pPr algn="ctr"/>
+          <p:cNvSpPr>
+            <a:spLocks noGrp="1"/>
+          </p:cNvSpPr>
+          <p:nvPr>
+            <p:ph idx="1"/>
+          </p:nvPr>
+        </p:nvSpPr>
+        <p:spPr/>
+        <p:txBody>
+          <a:bodyPr/>
+          <a:lstStyle/>
+          <a:p>
+            <a:pPr marL="0" indent="0">
+              <a:buNone/>
+            </a:pPr>
             <a:r>
               <a:rPr lang="pt-PT" dirty="0"/>
-              <a:t>Aprovar instituições</a:t>
-            </a:r>
-          </a:p>
-        </p:txBody>
-      </p:sp>
-      <p:sp>
-        <p:nvSpPr>
-          <p:cNvPr id="4" name="Oval 3">
-            <a:extLst>
-              <a:ext uri="{FF2B5EF4-FFF2-40B4-BE49-F238E27FC236}">
-                <a16:creationId xmlns:a16="http://schemas.microsoft.com/office/drawing/2014/main" id="{26697CF5-987D-05CE-4796-387F12972F8A}"/>
-              </a:ext>
-            </a:extLst>
-          </p:cNvPr>
-          <p:cNvSpPr/>
-          <p:nvPr/>
-        </p:nvSpPr>
-        <p:spPr>
-          <a:xfrm>
-            <a:off x="8316685" y="1756953"/>
-            <a:ext cx="2629990" cy="1018903"/>
-          </a:xfrm>
-          <a:prstGeom prst="ellipse">
-            <a:avLst/>
-          </a:prstGeom>
-        </p:spPr>
-        <p:style>
-          <a:lnRef idx="2">
-            <a:schemeClr val="accent1">
-              <a:shade val="50000"/>
-            </a:schemeClr>
-          </a:lnRef>
-          <a:fillRef idx="1">
-            <a:schemeClr val="accent1"/>
-          </a:fillRef>
-          <a:effectRef idx="0">
-            <a:schemeClr val="accent1"/>
-          </a:effectRef>
-          <a:fontRef idx="minor">
-            <a:schemeClr val="lt1"/>
-          </a:fontRef>
-        </p:style>
-        <p:txBody>
-          <a:bodyPr rtlCol="0" anchor="ctr"/>
-          <a:lstStyle/>
-          <a:p>
-            <a:pPr algn="ctr"/>
+              <a:t>Administradores podem</a:t>
+            </a:r>
+          </a:p>
+          <a:p>
             <a:r>
               <a:rPr lang="pt-PT" dirty="0"/>
-              <a:t>Ativar/Desativar utilizadores </a:t>
-            </a:r>
-          </a:p>
-        </p:txBody>
-      </p:sp>
-      <p:sp>
-        <p:nvSpPr>
-          <p:cNvPr id="5" name="Oval 4">
-            <a:extLst>
-              <a:ext uri="{FF2B5EF4-FFF2-40B4-BE49-F238E27FC236}">
-                <a16:creationId xmlns:a16="http://schemas.microsoft.com/office/drawing/2014/main" id="{3C02163E-CCEC-44F0-F31F-D2151946F8E0}"/>
-              </a:ext>
-            </a:extLst>
-          </p:cNvPr>
-          <p:cNvSpPr/>
-          <p:nvPr/>
-        </p:nvSpPr>
-        <p:spPr>
-          <a:xfrm>
-            <a:off x="1071152" y="4064724"/>
-            <a:ext cx="2246813" cy="1018903"/>
-          </a:xfrm>
-          <a:prstGeom prst="ellipse">
-            <a:avLst/>
-          </a:prstGeom>
-        </p:spPr>
-        <p:style>
-          <a:lnRef idx="2">
-            <a:schemeClr val="accent1">
-              <a:shade val="50000"/>
-            </a:schemeClr>
-          </a:lnRef>
-          <a:fillRef idx="1">
-            <a:schemeClr val="accent1"/>
-          </a:fillRef>
-          <a:effectRef idx="0">
-            <a:schemeClr val="accent1"/>
-          </a:effectRef>
-          <a:fontRef idx="minor">
-            <a:schemeClr val="lt1"/>
-          </a:fontRef>
-        </p:style>
-        <p:txBody>
-          <a:bodyPr rtlCol="0" anchor="ctr"/>
-          <a:lstStyle/>
-          <a:p>
-            <a:pPr algn="ctr"/>
+              <a:t>Ver animais publicados;</a:t>
+            </a:r>
+          </a:p>
+          <a:p>
             <a:r>
               <a:rPr lang="pt-PT" dirty="0"/>
-              <a:t>Criar conta administrador</a:t>
-            </a:r>
+              <a:t>Aprovar instituições;</a:t>
+            </a:r>
+          </a:p>
+          <a:p>
+            <a:r>
+              <a:rPr lang="pt-PT" dirty="0"/>
+              <a:t>Ativar/desativar utilizadores ou instituições;</a:t>
+            </a:r>
+          </a:p>
+          <a:p>
+            <a:r>
+              <a:rPr lang="pt-PT" dirty="0"/>
+              <a:t>Criar conta administrador.</a:t>
+            </a:r>
+          </a:p>
+          <a:p>
+            <a:endParaRPr lang="pt-PT" dirty="0"/>
           </a:p>
         </p:txBody>
       </p:sp>
     </p:spTree>
     <p:extLst>
       <p:ext uri="{BB962C8B-B14F-4D97-AF65-F5344CB8AC3E}">
-        <p14:creationId xmlns:p14="http://schemas.microsoft.com/office/powerpoint/2010/main" val="1770248669"/>
+        <p14:creationId xmlns:p14="http://schemas.microsoft.com/office/powerpoint/2010/main" val="329193449"/>
       </p:ext>
     </p:extLst>
   </p:cSld>
@@ -6044,9 +4047,9 @@
 </file>
 
 <file path=ppt/theme/theme1.xml><?xml version="1.0" encoding="utf-8"?>
-<a:theme xmlns:a="http://schemas.openxmlformats.org/drawingml/2006/main" name="Tema do Office">
+<a:theme xmlns:a="http://schemas.openxmlformats.org/drawingml/2006/main" name="Office Theme">
   <a:themeElements>
-    <a:clrScheme name="Office">
+    <a:clrScheme name="Tema do Office">
       <a:dk1>
         <a:sysClr val="windowText" lastClr="000000"/>
       </a:dk1>
@@ -6084,7 +4087,7 @@
         <a:srgbClr val="954F72"/>
       </a:folHlink>
     </a:clrScheme>
-    <a:fontScheme name="Office">
+    <a:fontScheme name="Tema do Office">
       <a:majorFont>
         <a:latin typeface="Calibri Light" panose="020F0302020204030204"/>
         <a:ea typeface=""/>
@@ -6119,23 +4122,6 @@
         <a:font script="Viet" typeface="Times New Roman"/>
         <a:font script="Uigh" typeface="Microsoft Uighur"/>
         <a:font script="Geor" typeface="Sylfaen"/>
-        <a:font script="Armn" typeface="Arial"/>
-        <a:font script="Bugi" typeface="Leelawadee UI"/>
-        <a:font script="Bopo" typeface="Microsoft JhengHei"/>
-        <a:font script="Java" typeface="Javanese Text"/>
-        <a:font script="Lisu" typeface="Segoe UI"/>
-        <a:font script="Mymr" typeface="Myanmar Text"/>
-        <a:font script="Nkoo" typeface="Ebrima"/>
-        <a:font script="Olck" typeface="Nirmala UI"/>
-        <a:font script="Osma" typeface="Ebrima"/>
-        <a:font script="Phag" typeface="Phagspa"/>
-        <a:font script="Syrn" typeface="Estrangelo Edessa"/>
-        <a:font script="Syrj" typeface="Estrangelo Edessa"/>
-        <a:font script="Syre" typeface="Estrangelo Edessa"/>
-        <a:font script="Sora" typeface="Nirmala UI"/>
-        <a:font script="Tale" typeface="Microsoft Tai Le"/>
-        <a:font script="Talu" typeface="Microsoft New Tai Lue"/>
-        <a:font script="Tfng" typeface="Ebrima"/>
       </a:majorFont>
       <a:minorFont>
         <a:latin typeface="Calibri" panose="020F0502020204030204"/>
@@ -6171,26 +4157,9 @@
         <a:font script="Viet" typeface="Arial"/>
         <a:font script="Uigh" typeface="Microsoft Uighur"/>
         <a:font script="Geor" typeface="Sylfaen"/>
-        <a:font script="Armn" typeface="Arial"/>
-        <a:font script="Bugi" typeface="Leelawadee UI"/>
-        <a:font script="Bopo" typeface="Microsoft JhengHei"/>
-        <a:font script="Java" typeface="Javanese Text"/>
-        <a:font script="Lisu" typeface="Segoe UI"/>
-        <a:font script="Mymr" typeface="Myanmar Text"/>
-        <a:font script="Nkoo" typeface="Ebrima"/>
-        <a:font script="Olck" typeface="Nirmala UI"/>
-        <a:font script="Osma" typeface="Ebrima"/>
-        <a:font script="Phag" typeface="Phagspa"/>
-        <a:font script="Syrn" typeface="Estrangelo Edessa"/>
-        <a:font script="Syrj" typeface="Estrangelo Edessa"/>
-        <a:font script="Syre" typeface="Estrangelo Edessa"/>
-        <a:font script="Sora" typeface="Nirmala UI"/>
-        <a:font script="Tale" typeface="Microsoft Tai Le"/>
-        <a:font script="Talu" typeface="Microsoft New Tai Lue"/>
-        <a:font script="Tfng" typeface="Ebrima"/>
       </a:minorFont>
     </a:fontScheme>
-    <a:fmtScheme name="Office">
+    <a:fmtScheme name="Tema do Office">
       <a:fillStyleLst>
         <a:solidFill>
           <a:schemeClr val="phClr"/>

--- a/Take me Home.pptx
+++ b/Take me Home.pptx
@@ -3309,11 +3309,11 @@
               <a:buNone/>
             </a:pPr>
             <a:r>
-              <a:rPr lang="en-US" sz="2000" dirty="0"/>
+              <a:rPr lang="en-US" sz="2000"/>
               <a:t>O </a:t>
             </a:r>
             <a:r>
-              <a:rPr lang="en-US" sz="2000" dirty="0">
+              <a:rPr lang="en-US" sz="2000">
                 <a:solidFill>
                   <a:srgbClr val="CC8A14"/>
                 </a:solidFill>
@@ -3321,11 +3321,11 @@
               <a:t>Take</a:t>
             </a:r>
             <a:r>
-              <a:rPr lang="en-US" sz="2000" dirty="0"/>
+              <a:rPr lang="en-US" sz="2000"/>
               <a:t> me </a:t>
             </a:r>
             <a:r>
-              <a:rPr lang="en-US" sz="2000" dirty="0">
+              <a:rPr lang="en-US" sz="2000">
                 <a:solidFill>
                   <a:srgbClr val="36A327"/>
                 </a:solidFill>
@@ -3333,9 +3333,10 @@
               <a:t>Home</a:t>
             </a:r>
             <a:r>
-              <a:rPr lang="en-US" sz="2000" dirty="0"/>
+              <a:rPr lang="en-US" sz="2000"/>
               <a:t> é um portal para o ajudar a encontrar o animal perfeito para adotar.</a:t>
             </a:r>
+            <a:endParaRPr lang="en-US" sz="2000" dirty="0"/>
           </a:p>
         </p:txBody>
       </p:sp>
@@ -3447,6 +3448,14 @@
 <file path=ppt/slides/slide3.xml><?xml version="1.0" encoding="utf-8"?>
 <p:sld xmlns:a="http://schemas.openxmlformats.org/drawingml/2006/main" xmlns:r="http://schemas.openxmlformats.org/officeDocument/2006/relationships" xmlns:p="http://schemas.openxmlformats.org/presentationml/2006/main">
   <p:cSld>
+    <p:bg>
+      <p:bgPr>
+        <a:solidFill>
+          <a:schemeClr val="bg1"/>
+        </a:solidFill>
+        <a:effectLst/>
+      </p:bgPr>
+    </p:bg>
     <p:spTree>
       <p:nvGrpSpPr>
         <p:cNvPr id="1" name=""/>
@@ -3461,6 +3470,102 @@
           <a:chExt cx="0" cy="0"/>
         </a:xfrm>
       </p:grpSpPr>
+      <p:pic>
+        <p:nvPicPr>
+          <p:cNvPr id="5" name="Picture 4" descr="Um Golden de gato e esquematizar para baixo">
+            <a:extLst>
+              <a:ext uri="{FF2B5EF4-FFF2-40B4-BE49-F238E27FC236}">
+                <a16:creationId xmlns:a16="http://schemas.microsoft.com/office/drawing/2014/main" id="{39BBEF94-0C5E-EC28-0EEF-5A34D16FA250}"/>
+              </a:ext>
+            </a:extLst>
+          </p:cNvPr>
+          <p:cNvPicPr>
+            <a:picLocks noChangeAspect="1"/>
+          </p:cNvPicPr>
+          <p:nvPr/>
+        </p:nvPicPr>
+        <p:blipFill rotWithShape="1">
+          <a:blip r:embed="rId2"/>
+          <a:srcRect t="10712" b="5019"/>
+          <a:stretch/>
+        </p:blipFill>
+        <p:spPr>
+          <a:xfrm>
+            <a:off x="20" y="10"/>
+            <a:ext cx="12191980" cy="6857990"/>
+          </a:xfrm>
+          <a:prstGeom prst="rect">
+            <a:avLst/>
+          </a:prstGeom>
+        </p:spPr>
+      </p:pic>
+      <p:sp>
+        <p:nvSpPr>
+          <p:cNvPr id="9" name="Rectangle 8">
+            <a:extLst>
+              <a:ext uri="{FF2B5EF4-FFF2-40B4-BE49-F238E27FC236}">
+                <a16:creationId xmlns:a16="http://schemas.microsoft.com/office/drawing/2014/main" id="{2B1D4F77-A17C-43D7-B7FA-545148E4E93D}"/>
+              </a:ext>
+              <a:ext uri="{C183D7F6-B498-43B3-948B-1728B52AA6E4}">
+                <adec:decorative xmlns:adec="http://schemas.microsoft.com/office/drawing/2017/decorative" val="1"/>
+              </a:ext>
+            </a:extLst>
+          </p:cNvPr>
+          <p:cNvSpPr>
+            <a:spLocks noGrp="1" noRot="1" noChangeAspect="1" noMove="1" noResize="1" noEditPoints="1" noAdjustHandles="1" noChangeArrowheads="1" noChangeShapeType="1" noTextEdit="1"/>
+          </p:cNvSpPr>
+          <p:nvPr>
+            <p:extLst>
+              <p:ext uri="{386F3935-93C4-4BCD-93E2-E3B085C9AB24}">
+                <p16:designElem xmlns:p16="http://schemas.microsoft.com/office/powerpoint/2015/main" val="1"/>
+              </p:ext>
+            </p:extLst>
+          </p:nvPr>
+        </p:nvSpPr>
+        <p:spPr bwMode="ltGray">
+          <a:xfrm>
+            <a:off x="336884" y="321176"/>
+            <a:ext cx="4332307" cy="5896743"/>
+          </a:xfrm>
+          <a:prstGeom prst="rect">
+            <a:avLst/>
+          </a:prstGeom>
+          <a:solidFill>
+            <a:schemeClr val="bg1">
+              <a:alpha val="90000"/>
+            </a:schemeClr>
+          </a:solidFill>
+          <a:ln w="127000" cap="sq" cmpd="thinThick">
+            <a:solidFill>
+              <a:schemeClr val="bg1"/>
+            </a:solidFill>
+          </a:ln>
+        </p:spPr>
+        <p:style>
+          <a:lnRef idx="2">
+            <a:schemeClr val="accent1">
+              <a:shade val="50000"/>
+            </a:schemeClr>
+          </a:lnRef>
+          <a:fillRef idx="1">
+            <a:schemeClr val="accent1"/>
+          </a:fillRef>
+          <a:effectRef idx="0">
+            <a:schemeClr val="accent1"/>
+          </a:effectRef>
+          <a:fontRef idx="minor">
+            <a:schemeClr val="lt1"/>
+          </a:fontRef>
+        </p:style>
+        <p:txBody>
+          <a:bodyPr rtlCol="0" anchor="ctr"/>
+          <a:lstStyle/>
+          <a:p>
+            <a:pPr algn="ctr"/>
+            <a:endParaRPr lang="en-US"/>
+          </a:p>
+        </p:txBody>
+      </p:sp>
       <p:sp>
         <p:nvSpPr>
           <p:cNvPr id="2" name="Título 1">
@@ -3477,49 +3582,26 @@
             <p:ph type="title"/>
           </p:nvPr>
         </p:nvSpPr>
-        <p:spPr/>
-        <p:txBody>
-          <a:bodyPr/>
-          <a:lstStyle/>
-          <a:p>
-            <a:r>
-              <a:rPr lang="pt-PT" dirty="0">
+        <p:spPr>
+          <a:xfrm>
+            <a:off x="594805" y="640263"/>
+            <a:ext cx="3759240" cy="1344975"/>
+          </a:xfrm>
+        </p:spPr>
+        <p:txBody>
+          <a:bodyPr>
+            <a:normAutofit/>
+          </a:bodyPr>
+          <a:lstStyle/>
+          <a:p>
+            <a:r>
+              <a:rPr lang="pt-PT" sz="3100">
                 <a:latin typeface="Pacifico" panose="00000500000000000000" pitchFamily="2" charset="0"/>
               </a:rPr>
-              <a:t>Como funciona o </a:t>
-            </a:r>
-            <a:r>
-              <a:rPr lang="pt-PT" dirty="0">
-                <a:solidFill>
-                  <a:srgbClr val="CC8A14"/>
-                </a:solidFill>
-                <a:latin typeface="Pacifico" panose="00000500000000000000" pitchFamily="2" charset="0"/>
-              </a:rPr>
-              <a:t>Take</a:t>
-            </a:r>
-            <a:r>
-              <a:rPr lang="pt-PT" dirty="0">
-                <a:latin typeface="Pacifico" panose="00000500000000000000" pitchFamily="2" charset="0"/>
-              </a:rPr>
-              <a:t> me </a:t>
-            </a:r>
-            <a:r>
-              <a:rPr lang="pt-PT" dirty="0">
-                <a:solidFill>
-                  <a:srgbClr val="36A327"/>
-                </a:solidFill>
-                <a:latin typeface="Pacifico" panose="00000500000000000000" pitchFamily="2" charset="0"/>
-              </a:rPr>
-              <a:t>Home</a:t>
-            </a:r>
-            <a:r>
-              <a:rPr lang="pt-PT" dirty="0">
-                <a:latin typeface="Pacifico" panose="00000500000000000000" pitchFamily="2" charset="0"/>
-              </a:rPr>
-              <a:t>?</a:t>
-            </a:r>
-            <a:r>
-              <a:rPr lang="pt-PT" dirty="0"/>
+              <a:t>Como funciona o Take me Home?</a:t>
+            </a:r>
+            <a:r>
+              <a:rPr lang="pt-PT" sz="3100"/>
               <a:t>	</a:t>
             </a:r>
           </a:p>
@@ -3541,39 +3623,46 @@
             <p:ph idx="1"/>
           </p:nvPr>
         </p:nvSpPr>
-        <p:spPr/>
-        <p:txBody>
-          <a:bodyPr/>
+        <p:spPr>
+          <a:xfrm>
+            <a:off x="594110" y="2121763"/>
+            <a:ext cx="3764826" cy="3773010"/>
+          </a:xfrm>
+        </p:spPr>
+        <p:txBody>
+          <a:bodyPr>
+            <a:normAutofit/>
+          </a:bodyPr>
           <a:lstStyle/>
           <a:p>
             <a:pPr marL="0" indent="0">
               <a:buNone/>
             </a:pPr>
             <a:r>
-              <a:rPr lang="pt-PT" dirty="0"/>
+              <a:rPr lang="pt-PT" sz="1800"/>
               <a:t>Utilizadores anónimos podem</a:t>
             </a:r>
           </a:p>
           <a:p>
             <a:r>
-              <a:rPr lang="pt-PT" dirty="0"/>
+              <a:rPr lang="pt-PT" sz="1800"/>
               <a:t>Ver animais publicados;</a:t>
             </a:r>
           </a:p>
           <a:p>
             <a:r>
-              <a:rPr lang="pt-PT" dirty="0"/>
+              <a:rPr lang="pt-PT" sz="1800"/>
               <a:t>Registar;</a:t>
             </a:r>
           </a:p>
           <a:p>
             <a:r>
-              <a:rPr lang="pt-PT" dirty="0"/>
+              <a:rPr lang="pt-PT" sz="1800"/>
               <a:t>Login.</a:t>
             </a:r>
           </a:p>
           <a:p>
-            <a:endParaRPr lang="pt-PT" dirty="0"/>
+            <a:endParaRPr lang="pt-PT" sz="1800"/>
           </a:p>
         </p:txBody>
       </p:sp>
@@ -3593,6 +3682,14 @@
 <file path=ppt/slides/slide4.xml><?xml version="1.0" encoding="utf-8"?>
 <p:sld xmlns:a="http://schemas.openxmlformats.org/drawingml/2006/main" xmlns:r="http://schemas.openxmlformats.org/officeDocument/2006/relationships" xmlns:p="http://schemas.openxmlformats.org/presentationml/2006/main">
   <p:cSld>
+    <p:bg>
+      <p:bgPr>
+        <a:solidFill>
+          <a:schemeClr val="bg1"/>
+        </a:solidFill>
+        <a:effectLst/>
+      </p:bgPr>
+    </p:bg>
     <p:spTree>
       <p:nvGrpSpPr>
         <p:cNvPr id="1" name=""/>
@@ -3607,6 +3704,102 @@
           <a:chExt cx="0" cy="0"/>
         </a:xfrm>
       </p:grpSpPr>
+      <p:pic>
+        <p:nvPicPr>
+          <p:cNvPr id="5" name="Picture 4" descr="Cachorro a posar para uma fotografia">
+            <a:extLst>
+              <a:ext uri="{FF2B5EF4-FFF2-40B4-BE49-F238E27FC236}">
+                <a16:creationId xmlns:a16="http://schemas.microsoft.com/office/drawing/2014/main" id="{CF919C5A-3347-2F09-490A-D4134D5A43EE}"/>
+              </a:ext>
+            </a:extLst>
+          </p:cNvPr>
+          <p:cNvPicPr>
+            <a:picLocks noChangeAspect="1"/>
+          </p:cNvPicPr>
+          <p:nvPr/>
+        </p:nvPicPr>
+        <p:blipFill rotWithShape="1">
+          <a:blip r:embed="rId2"/>
+          <a:srcRect b="15730"/>
+          <a:stretch/>
+        </p:blipFill>
+        <p:spPr>
+          <a:xfrm>
+            <a:off x="20" y="10"/>
+            <a:ext cx="12191980" cy="6857990"/>
+          </a:xfrm>
+          <a:prstGeom prst="rect">
+            <a:avLst/>
+          </a:prstGeom>
+        </p:spPr>
+      </p:pic>
+      <p:sp>
+        <p:nvSpPr>
+          <p:cNvPr id="9" name="Rectangle 8">
+            <a:extLst>
+              <a:ext uri="{FF2B5EF4-FFF2-40B4-BE49-F238E27FC236}">
+                <a16:creationId xmlns:a16="http://schemas.microsoft.com/office/drawing/2014/main" id="{2B1D4F77-A17C-43D7-B7FA-545148E4E93D}"/>
+              </a:ext>
+              <a:ext uri="{C183D7F6-B498-43B3-948B-1728B52AA6E4}">
+                <adec:decorative xmlns:adec="http://schemas.microsoft.com/office/drawing/2017/decorative" val="1"/>
+              </a:ext>
+            </a:extLst>
+          </p:cNvPr>
+          <p:cNvSpPr>
+            <a:spLocks noGrp="1" noRot="1" noChangeAspect="1" noMove="1" noResize="1" noEditPoints="1" noAdjustHandles="1" noChangeArrowheads="1" noChangeShapeType="1" noTextEdit="1"/>
+          </p:cNvSpPr>
+          <p:nvPr>
+            <p:extLst>
+              <p:ext uri="{386F3935-93C4-4BCD-93E2-E3B085C9AB24}">
+                <p16:designElem xmlns:p16="http://schemas.microsoft.com/office/powerpoint/2015/main" val="1"/>
+              </p:ext>
+            </p:extLst>
+          </p:nvPr>
+        </p:nvSpPr>
+        <p:spPr bwMode="ltGray">
+          <a:xfrm>
+            <a:off x="336884" y="321176"/>
+            <a:ext cx="4332307" cy="5896743"/>
+          </a:xfrm>
+          <a:prstGeom prst="rect">
+            <a:avLst/>
+          </a:prstGeom>
+          <a:solidFill>
+            <a:schemeClr val="bg1">
+              <a:alpha val="90000"/>
+            </a:schemeClr>
+          </a:solidFill>
+          <a:ln w="127000" cap="sq" cmpd="thinThick">
+            <a:solidFill>
+              <a:schemeClr val="bg1"/>
+            </a:solidFill>
+          </a:ln>
+        </p:spPr>
+        <p:style>
+          <a:lnRef idx="2">
+            <a:schemeClr val="accent1">
+              <a:shade val="50000"/>
+            </a:schemeClr>
+          </a:lnRef>
+          <a:fillRef idx="1">
+            <a:schemeClr val="accent1"/>
+          </a:fillRef>
+          <a:effectRef idx="0">
+            <a:schemeClr val="accent1"/>
+          </a:effectRef>
+          <a:fontRef idx="minor">
+            <a:schemeClr val="lt1"/>
+          </a:fontRef>
+        </p:style>
+        <p:txBody>
+          <a:bodyPr rtlCol="0" anchor="ctr"/>
+          <a:lstStyle/>
+          <a:p>
+            <a:pPr algn="ctr"/>
+            <a:endParaRPr lang="en-US"/>
+          </a:p>
+        </p:txBody>
+      </p:sp>
       <p:sp>
         <p:nvSpPr>
           <p:cNvPr id="2" name="Título 1">
@@ -3623,46 +3816,23 @@
             <p:ph type="title"/>
           </p:nvPr>
         </p:nvSpPr>
-        <p:spPr/>
-        <p:txBody>
-          <a:bodyPr/>
-          <a:lstStyle/>
-          <a:p>
-            <a:r>
-              <a:rPr lang="pt-PT" dirty="0">
+        <p:spPr>
+          <a:xfrm>
+            <a:off x="594805" y="640263"/>
+            <a:ext cx="3759240" cy="1344975"/>
+          </a:xfrm>
+        </p:spPr>
+        <p:txBody>
+          <a:bodyPr>
+            <a:normAutofit/>
+          </a:bodyPr>
+          <a:lstStyle/>
+          <a:p>
+            <a:r>
+              <a:rPr lang="pt-PT" sz="4000">
                 <a:latin typeface="Pacifico" panose="00000500000000000000" pitchFamily="2" charset="0"/>
               </a:rPr>
-              <a:t>Como funciona o </a:t>
-            </a:r>
-            <a:r>
-              <a:rPr lang="pt-PT" dirty="0">
-                <a:solidFill>
-                  <a:srgbClr val="CC8A14"/>
-                </a:solidFill>
-                <a:latin typeface="Pacifico" panose="00000500000000000000" pitchFamily="2" charset="0"/>
-              </a:rPr>
-              <a:t>Take</a:t>
-            </a:r>
-            <a:r>
-              <a:rPr lang="pt-PT" dirty="0">
-                <a:latin typeface="Pacifico" panose="00000500000000000000" pitchFamily="2" charset="0"/>
-              </a:rPr>
-              <a:t> me </a:t>
-            </a:r>
-            <a:r>
-              <a:rPr lang="pt-PT" dirty="0">
-                <a:solidFill>
-                  <a:srgbClr val="36A327"/>
-                </a:solidFill>
-                <a:latin typeface="Pacifico" panose="00000500000000000000" pitchFamily="2" charset="0"/>
-              </a:rPr>
-              <a:t>Home</a:t>
-            </a:r>
-            <a:r>
-              <a:rPr lang="pt-PT" dirty="0">
-                <a:latin typeface="Pacifico" panose="00000500000000000000" pitchFamily="2" charset="0"/>
-              </a:rPr>
-              <a:t>?</a:t>
+              <a:t>Como funciona o Take me Home?</a:t>
             </a:r>
           </a:p>
         </p:txBody>
@@ -3683,51 +3853,58 @@
             <p:ph idx="1"/>
           </p:nvPr>
         </p:nvSpPr>
-        <p:spPr/>
-        <p:txBody>
-          <a:bodyPr/>
+        <p:spPr>
+          <a:xfrm>
+            <a:off x="594110" y="2121763"/>
+            <a:ext cx="3764826" cy="3773010"/>
+          </a:xfrm>
+        </p:spPr>
+        <p:txBody>
+          <a:bodyPr>
+            <a:normAutofit/>
+          </a:bodyPr>
           <a:lstStyle/>
           <a:p>
             <a:pPr marL="0" indent="0">
               <a:buNone/>
             </a:pPr>
             <a:r>
-              <a:rPr lang="pt-PT" dirty="0"/>
+              <a:rPr lang="pt-PT" sz="1800"/>
               <a:t>Utilizadores registados podem</a:t>
             </a:r>
           </a:p>
           <a:p>
             <a:r>
-              <a:rPr lang="pt-PT" dirty="0"/>
+              <a:rPr lang="pt-PT" sz="1800"/>
               <a:t>Ver animais publicados;</a:t>
             </a:r>
           </a:p>
           <a:p>
             <a:r>
-              <a:rPr lang="pt-PT" dirty="0"/>
+              <a:rPr lang="pt-PT" sz="1800"/>
               <a:t>Definir interesses;</a:t>
             </a:r>
           </a:p>
           <a:p>
             <a:r>
-              <a:rPr lang="pt-PT" dirty="0"/>
+              <a:rPr lang="pt-PT" sz="1800"/>
               <a:t>Adicionar animais aos favoritos;</a:t>
             </a:r>
           </a:p>
           <a:p>
             <a:r>
-              <a:rPr lang="pt-PT" dirty="0"/>
+              <a:rPr lang="pt-PT" sz="1800"/>
               <a:t>Pedir a adoção de um animal;</a:t>
             </a:r>
           </a:p>
           <a:p>
             <a:r>
-              <a:rPr lang="pt-PT" dirty="0"/>
+              <a:rPr lang="pt-PT" sz="1800"/>
               <a:t>Editar o perfil.</a:t>
             </a:r>
           </a:p>
           <a:p>
-            <a:endParaRPr lang="pt-PT" dirty="0"/>
+            <a:endParaRPr lang="pt-PT" sz="1800"/>
           </a:p>
         </p:txBody>
       </p:sp>
@@ -3747,6 +3924,14 @@
 <file path=ppt/slides/slide5.xml><?xml version="1.0" encoding="utf-8"?>
 <p:sld xmlns:a="http://schemas.openxmlformats.org/drawingml/2006/main" xmlns:r="http://schemas.openxmlformats.org/officeDocument/2006/relationships" xmlns:p="http://schemas.openxmlformats.org/presentationml/2006/main">
   <p:cSld>
+    <p:bg>
+      <p:bgPr>
+        <a:solidFill>
+          <a:schemeClr val="bg1"/>
+        </a:solidFill>
+        <a:effectLst/>
+      </p:bgPr>
+    </p:bg>
     <p:spTree>
       <p:nvGrpSpPr>
         <p:cNvPr id="1" name=""/>
@@ -3761,6 +3946,102 @@
           <a:chExt cx="0" cy="0"/>
         </a:xfrm>
       </p:grpSpPr>
+      <p:pic>
+        <p:nvPicPr>
+          <p:cNvPr id="5" name="Picture 4" descr="Meio da cara de um cão">
+            <a:extLst>
+              <a:ext uri="{FF2B5EF4-FFF2-40B4-BE49-F238E27FC236}">
+                <a16:creationId xmlns:a16="http://schemas.microsoft.com/office/drawing/2014/main" id="{1506C34F-A18C-F813-E687-716E7D4AF8C4}"/>
+              </a:ext>
+            </a:extLst>
+          </p:cNvPr>
+          <p:cNvPicPr>
+            <a:picLocks noChangeAspect="1"/>
+          </p:cNvPicPr>
+          <p:nvPr/>
+        </p:nvPicPr>
+        <p:blipFill rotWithShape="1">
+          <a:blip r:embed="rId2"/>
+          <a:srcRect r="1334"/>
+          <a:stretch/>
+        </p:blipFill>
+        <p:spPr>
+          <a:xfrm>
+            <a:off x="20" y="10"/>
+            <a:ext cx="12191980" cy="6857990"/>
+          </a:xfrm>
+          <a:prstGeom prst="rect">
+            <a:avLst/>
+          </a:prstGeom>
+        </p:spPr>
+      </p:pic>
+      <p:sp>
+        <p:nvSpPr>
+          <p:cNvPr id="9" name="Rectangle 8">
+            <a:extLst>
+              <a:ext uri="{FF2B5EF4-FFF2-40B4-BE49-F238E27FC236}">
+                <a16:creationId xmlns:a16="http://schemas.microsoft.com/office/drawing/2014/main" id="{2B1D4F77-A17C-43D7-B7FA-545148E4E93D}"/>
+              </a:ext>
+              <a:ext uri="{C183D7F6-B498-43B3-948B-1728B52AA6E4}">
+                <adec:decorative xmlns:adec="http://schemas.microsoft.com/office/drawing/2017/decorative" val="1"/>
+              </a:ext>
+            </a:extLst>
+          </p:cNvPr>
+          <p:cNvSpPr>
+            <a:spLocks noGrp="1" noRot="1" noChangeAspect="1" noMove="1" noResize="1" noEditPoints="1" noAdjustHandles="1" noChangeArrowheads="1" noChangeShapeType="1" noTextEdit="1"/>
+          </p:cNvSpPr>
+          <p:nvPr>
+            <p:extLst>
+              <p:ext uri="{386F3935-93C4-4BCD-93E2-E3B085C9AB24}">
+                <p16:designElem xmlns:p16="http://schemas.microsoft.com/office/powerpoint/2015/main" val="1"/>
+              </p:ext>
+            </p:extLst>
+          </p:nvPr>
+        </p:nvSpPr>
+        <p:spPr bwMode="ltGray">
+          <a:xfrm>
+            <a:off x="336884" y="321176"/>
+            <a:ext cx="4332307" cy="5896743"/>
+          </a:xfrm>
+          <a:prstGeom prst="rect">
+            <a:avLst/>
+          </a:prstGeom>
+          <a:solidFill>
+            <a:schemeClr val="bg1">
+              <a:alpha val="90000"/>
+            </a:schemeClr>
+          </a:solidFill>
+          <a:ln w="127000" cap="sq" cmpd="thinThick">
+            <a:solidFill>
+              <a:schemeClr val="bg1"/>
+            </a:solidFill>
+          </a:ln>
+        </p:spPr>
+        <p:style>
+          <a:lnRef idx="2">
+            <a:schemeClr val="accent1">
+              <a:shade val="50000"/>
+            </a:schemeClr>
+          </a:lnRef>
+          <a:fillRef idx="1">
+            <a:schemeClr val="accent1"/>
+          </a:fillRef>
+          <a:effectRef idx="0">
+            <a:schemeClr val="accent1"/>
+          </a:effectRef>
+          <a:fontRef idx="minor">
+            <a:schemeClr val="lt1"/>
+          </a:fontRef>
+        </p:style>
+        <p:txBody>
+          <a:bodyPr rtlCol="0" anchor="ctr"/>
+          <a:lstStyle/>
+          <a:p>
+            <a:pPr algn="ctr"/>
+            <a:endParaRPr lang="en-US"/>
+          </a:p>
+        </p:txBody>
+      </p:sp>
       <p:sp>
         <p:nvSpPr>
           <p:cNvPr id="2" name="Título 1">
@@ -3777,46 +4058,23 @@
             <p:ph type="title"/>
           </p:nvPr>
         </p:nvSpPr>
-        <p:spPr/>
-        <p:txBody>
-          <a:bodyPr/>
-          <a:lstStyle/>
-          <a:p>
-            <a:r>
-              <a:rPr lang="pt-PT" dirty="0">
+        <p:spPr>
+          <a:xfrm>
+            <a:off x="594805" y="640263"/>
+            <a:ext cx="3759240" cy="1344975"/>
+          </a:xfrm>
+        </p:spPr>
+        <p:txBody>
+          <a:bodyPr>
+            <a:normAutofit/>
+          </a:bodyPr>
+          <a:lstStyle/>
+          <a:p>
+            <a:r>
+              <a:rPr lang="pt-PT" sz="3400">
                 <a:latin typeface="Pacifico" panose="00000500000000000000" pitchFamily="2" charset="0"/>
               </a:rPr>
-              <a:t>Como funciona o </a:t>
-            </a:r>
-            <a:r>
-              <a:rPr lang="pt-PT" dirty="0">
-                <a:solidFill>
-                  <a:srgbClr val="CC8A14"/>
-                </a:solidFill>
-                <a:latin typeface="Pacifico" panose="00000500000000000000" pitchFamily="2" charset="0"/>
-              </a:rPr>
-              <a:t>Take</a:t>
-            </a:r>
-            <a:r>
-              <a:rPr lang="pt-PT" dirty="0">
-                <a:latin typeface="Pacifico" panose="00000500000000000000" pitchFamily="2" charset="0"/>
-              </a:rPr>
-              <a:t> me </a:t>
-            </a:r>
-            <a:r>
-              <a:rPr lang="pt-PT" dirty="0">
-                <a:solidFill>
-                  <a:srgbClr val="36A327"/>
-                </a:solidFill>
-                <a:latin typeface="Pacifico" panose="00000500000000000000" pitchFamily="2" charset="0"/>
-              </a:rPr>
-              <a:t>Home</a:t>
-            </a:r>
-            <a:r>
-              <a:rPr lang="pt-PT" dirty="0">
-                <a:latin typeface="Pacifico" panose="00000500000000000000" pitchFamily="2" charset="0"/>
-              </a:rPr>
-              <a:t>	?</a:t>
+              <a:t>Como funciona o Take me Home	?</a:t>
             </a:r>
           </a:p>
         </p:txBody>
@@ -3837,51 +4095,58 @@
             <p:ph idx="1"/>
           </p:nvPr>
         </p:nvSpPr>
-        <p:spPr/>
-        <p:txBody>
-          <a:bodyPr/>
+        <p:spPr>
+          <a:xfrm>
+            <a:off x="594110" y="2121763"/>
+            <a:ext cx="3764826" cy="3773010"/>
+          </a:xfrm>
+        </p:spPr>
+        <p:txBody>
+          <a:bodyPr>
+            <a:normAutofit/>
+          </a:bodyPr>
           <a:lstStyle/>
           <a:p>
             <a:pPr marL="0" indent="0">
               <a:buNone/>
             </a:pPr>
             <a:r>
-              <a:rPr lang="pt-PT" dirty="0"/>
+              <a:rPr lang="pt-PT" sz="1800"/>
               <a:t>Instituições registados e aprovadas podem</a:t>
             </a:r>
           </a:p>
           <a:p>
             <a:r>
-              <a:rPr lang="pt-PT" dirty="0"/>
+              <a:rPr lang="pt-PT" sz="1800"/>
               <a:t>Ver animais publicados;</a:t>
             </a:r>
           </a:p>
           <a:p>
             <a:r>
-              <a:rPr lang="pt-PT" dirty="0"/>
+              <a:rPr lang="pt-PT" sz="1800"/>
               <a:t>Publicar animais;</a:t>
             </a:r>
           </a:p>
           <a:p>
             <a:r>
-              <a:rPr lang="pt-PT" dirty="0"/>
+              <a:rPr lang="pt-PT" sz="1800"/>
               <a:t>Gerir animais publicados;</a:t>
             </a:r>
           </a:p>
           <a:p>
             <a:r>
-              <a:rPr lang="pt-PT" dirty="0"/>
+              <a:rPr lang="pt-PT" sz="1800"/>
               <a:t>Aprovar adoções;</a:t>
             </a:r>
           </a:p>
           <a:p>
             <a:r>
-              <a:rPr lang="pt-PT" dirty="0"/>
+              <a:rPr lang="pt-PT" sz="1800"/>
               <a:t>Editar perfil.</a:t>
             </a:r>
           </a:p>
           <a:p>
-            <a:endParaRPr lang="pt-PT" dirty="0"/>
+            <a:endParaRPr lang="pt-PT" sz="1800"/>
           </a:p>
         </p:txBody>
       </p:sp>
@@ -3901,6 +4166,14 @@
 <file path=ppt/slides/slide6.xml><?xml version="1.0" encoding="utf-8"?>
 <p:sld xmlns:a="http://schemas.openxmlformats.org/drawingml/2006/main" xmlns:r="http://schemas.openxmlformats.org/officeDocument/2006/relationships" xmlns:p="http://schemas.openxmlformats.org/presentationml/2006/main">
   <p:cSld>
+    <p:bg>
+      <p:bgPr>
+        <a:solidFill>
+          <a:schemeClr val="bg1"/>
+        </a:solidFill>
+        <a:effectLst/>
+      </p:bgPr>
+    </p:bg>
     <p:spTree>
       <p:nvGrpSpPr>
         <p:cNvPr id="1" name=""/>
@@ -3915,6 +4188,102 @@
           <a:chExt cx="0" cy="0"/>
         </a:xfrm>
       </p:grpSpPr>
+      <p:pic>
+        <p:nvPicPr>
+          <p:cNvPr id="5" name="Picture 4" descr="Cão na sofá">
+            <a:extLst>
+              <a:ext uri="{FF2B5EF4-FFF2-40B4-BE49-F238E27FC236}">
+                <a16:creationId xmlns:a16="http://schemas.microsoft.com/office/drawing/2014/main" id="{14590136-8507-5320-70DD-9DD5851EA9AF}"/>
+              </a:ext>
+            </a:extLst>
+          </p:cNvPr>
+          <p:cNvPicPr>
+            <a:picLocks noChangeAspect="1"/>
+          </p:cNvPicPr>
+          <p:nvPr/>
+        </p:nvPicPr>
+        <p:blipFill rotWithShape="1">
+          <a:blip r:embed="rId2"/>
+          <a:srcRect t="4255"/>
+          <a:stretch/>
+        </p:blipFill>
+        <p:spPr>
+          <a:xfrm>
+            <a:off x="20" y="10"/>
+            <a:ext cx="12191980" cy="6857990"/>
+          </a:xfrm>
+          <a:prstGeom prst="rect">
+            <a:avLst/>
+          </a:prstGeom>
+        </p:spPr>
+      </p:pic>
+      <p:sp>
+        <p:nvSpPr>
+          <p:cNvPr id="9" name="Rectangle 8">
+            <a:extLst>
+              <a:ext uri="{FF2B5EF4-FFF2-40B4-BE49-F238E27FC236}">
+                <a16:creationId xmlns:a16="http://schemas.microsoft.com/office/drawing/2014/main" id="{2B1D4F77-A17C-43D7-B7FA-545148E4E93D}"/>
+              </a:ext>
+              <a:ext uri="{C183D7F6-B498-43B3-948B-1728B52AA6E4}">
+                <adec:decorative xmlns:adec="http://schemas.microsoft.com/office/drawing/2017/decorative" val="1"/>
+              </a:ext>
+            </a:extLst>
+          </p:cNvPr>
+          <p:cNvSpPr>
+            <a:spLocks noGrp="1" noRot="1" noChangeAspect="1" noMove="1" noResize="1" noEditPoints="1" noAdjustHandles="1" noChangeArrowheads="1" noChangeShapeType="1" noTextEdit="1"/>
+          </p:cNvSpPr>
+          <p:nvPr>
+            <p:extLst>
+              <p:ext uri="{386F3935-93C4-4BCD-93E2-E3B085C9AB24}">
+                <p16:designElem xmlns:p16="http://schemas.microsoft.com/office/powerpoint/2015/main" val="1"/>
+              </p:ext>
+            </p:extLst>
+          </p:nvPr>
+        </p:nvSpPr>
+        <p:spPr bwMode="ltGray">
+          <a:xfrm>
+            <a:off x="7492064" y="321176"/>
+            <a:ext cx="4332307" cy="5896743"/>
+          </a:xfrm>
+          <a:prstGeom prst="rect">
+            <a:avLst/>
+          </a:prstGeom>
+          <a:solidFill>
+            <a:schemeClr val="bg1">
+              <a:alpha val="90000"/>
+            </a:schemeClr>
+          </a:solidFill>
+          <a:ln w="127000" cap="sq" cmpd="thinThick">
+            <a:solidFill>
+              <a:schemeClr val="bg1"/>
+            </a:solidFill>
+          </a:ln>
+        </p:spPr>
+        <p:style>
+          <a:lnRef idx="2">
+            <a:schemeClr val="accent1">
+              <a:shade val="50000"/>
+            </a:schemeClr>
+          </a:lnRef>
+          <a:fillRef idx="1">
+            <a:schemeClr val="accent1"/>
+          </a:fillRef>
+          <a:effectRef idx="0">
+            <a:schemeClr val="accent1"/>
+          </a:effectRef>
+          <a:fontRef idx="minor">
+            <a:schemeClr val="lt1"/>
+          </a:fontRef>
+        </p:style>
+        <p:txBody>
+          <a:bodyPr rtlCol="0" anchor="ctr"/>
+          <a:lstStyle/>
+          <a:p>
+            <a:pPr algn="ctr"/>
+            <a:endParaRPr lang="en-US"/>
+          </a:p>
+        </p:txBody>
+      </p:sp>
       <p:sp>
         <p:nvSpPr>
           <p:cNvPr id="2" name="Título 1">
@@ -3931,46 +4300,23 @@
             <p:ph type="title"/>
           </p:nvPr>
         </p:nvSpPr>
-        <p:spPr/>
-        <p:txBody>
-          <a:bodyPr/>
-          <a:lstStyle/>
-          <a:p>
-            <a:r>
-              <a:rPr lang="pt-PT" dirty="0">
+        <p:spPr>
+          <a:xfrm>
+            <a:off x="7749985" y="640263"/>
+            <a:ext cx="3759240" cy="1344975"/>
+          </a:xfrm>
+        </p:spPr>
+        <p:txBody>
+          <a:bodyPr>
+            <a:normAutofit/>
+          </a:bodyPr>
+          <a:lstStyle/>
+          <a:p>
+            <a:r>
+              <a:rPr lang="pt-PT" sz="3400">
                 <a:latin typeface="Pacifico" panose="00000500000000000000" pitchFamily="2" charset="0"/>
               </a:rPr>
-              <a:t>Como funciona o </a:t>
-            </a:r>
-            <a:r>
-              <a:rPr lang="pt-PT" dirty="0">
-                <a:solidFill>
-                  <a:srgbClr val="CC8A14"/>
-                </a:solidFill>
-                <a:latin typeface="Pacifico" panose="00000500000000000000" pitchFamily="2" charset="0"/>
-              </a:rPr>
-              <a:t>Take</a:t>
-            </a:r>
-            <a:r>
-              <a:rPr lang="pt-PT" dirty="0">
-                <a:latin typeface="Pacifico" panose="00000500000000000000" pitchFamily="2" charset="0"/>
-              </a:rPr>
-              <a:t> me </a:t>
-            </a:r>
-            <a:r>
-              <a:rPr lang="pt-PT" dirty="0">
-                <a:solidFill>
-                  <a:srgbClr val="36A327"/>
-                </a:solidFill>
-                <a:latin typeface="Pacifico" panose="00000500000000000000" pitchFamily="2" charset="0"/>
-              </a:rPr>
-              <a:t>Home</a:t>
-            </a:r>
-            <a:r>
-              <a:rPr lang="pt-PT" dirty="0">
-                <a:latin typeface="Pacifico" panose="00000500000000000000" pitchFamily="2" charset="0"/>
-              </a:rPr>
-              <a:t>	?</a:t>
+              <a:t>Como funciona o Take me Home	?</a:t>
             </a:r>
           </a:p>
         </p:txBody>
@@ -3991,45 +4337,52 @@
             <p:ph idx="1"/>
           </p:nvPr>
         </p:nvSpPr>
-        <p:spPr/>
-        <p:txBody>
-          <a:bodyPr/>
+        <p:spPr>
+          <a:xfrm>
+            <a:off x="7749290" y="2121763"/>
+            <a:ext cx="3764826" cy="3773010"/>
+          </a:xfrm>
+        </p:spPr>
+        <p:txBody>
+          <a:bodyPr>
+            <a:normAutofit/>
+          </a:bodyPr>
           <a:lstStyle/>
           <a:p>
             <a:pPr marL="0" indent="0">
               <a:buNone/>
             </a:pPr>
             <a:r>
-              <a:rPr lang="pt-PT" dirty="0"/>
+              <a:rPr lang="pt-PT" sz="1800"/>
               <a:t>Administradores podem</a:t>
             </a:r>
           </a:p>
           <a:p>
             <a:r>
-              <a:rPr lang="pt-PT" dirty="0"/>
+              <a:rPr lang="pt-PT" sz="1800"/>
               <a:t>Ver animais publicados;</a:t>
             </a:r>
           </a:p>
           <a:p>
             <a:r>
-              <a:rPr lang="pt-PT" dirty="0"/>
+              <a:rPr lang="pt-PT" sz="1800"/>
               <a:t>Aprovar instituições;</a:t>
             </a:r>
           </a:p>
           <a:p>
             <a:r>
-              <a:rPr lang="pt-PT" dirty="0"/>
+              <a:rPr lang="pt-PT" sz="1800"/>
               <a:t>Ativar/desativar utilizadores ou instituições;</a:t>
             </a:r>
           </a:p>
           <a:p>
             <a:r>
-              <a:rPr lang="pt-PT" dirty="0"/>
+              <a:rPr lang="pt-PT" sz="1800"/>
               <a:t>Criar conta administrador.</a:t>
             </a:r>
           </a:p>
           <a:p>
-            <a:endParaRPr lang="pt-PT" dirty="0"/>
+            <a:endParaRPr lang="pt-PT" sz="1800"/>
           </a:p>
         </p:txBody>
       </p:sp>

--- a/Take me Home.pptx
+++ b/Take me Home.pptx
@@ -3271,7 +3271,9 @@
               <a:t>Home</a:t>
             </a:r>
             <a:r>
-              <a:rPr lang="en-US" sz="4800" dirty="0"/>
+              <a:rPr lang="en-US" sz="4800" dirty="0">
+                <a:latin typeface="Pacifico" panose="00000500000000000000" pitchFamily="2" charset="0"/>
+              </a:rPr>
               <a:t>?</a:t>
             </a:r>
           </a:p>
@@ -3309,11 +3311,11 @@
               <a:buNone/>
             </a:pPr>
             <a:r>
-              <a:rPr lang="en-US" sz="2000"/>
+              <a:rPr lang="en-US" sz="2000" dirty="0"/>
               <a:t>O </a:t>
             </a:r>
             <a:r>
-              <a:rPr lang="en-US" sz="2000">
+              <a:rPr lang="en-US" sz="2000" dirty="0">
                 <a:solidFill>
                   <a:srgbClr val="CC8A14"/>
                 </a:solidFill>
@@ -3321,11 +3323,11 @@
               <a:t>Take</a:t>
             </a:r>
             <a:r>
-              <a:rPr lang="en-US" sz="2000"/>
+              <a:rPr lang="en-US" sz="2000" dirty="0"/>
               <a:t> me </a:t>
             </a:r>
             <a:r>
-              <a:rPr lang="en-US" sz="2000">
+              <a:rPr lang="en-US" sz="2000" dirty="0">
                 <a:solidFill>
                   <a:srgbClr val="36A327"/>
                 </a:solidFill>
@@ -3333,10 +3335,9 @@
               <a:t>Home</a:t>
             </a:r>
             <a:r>
-              <a:rPr lang="en-US" sz="2000"/>
+              <a:rPr lang="en-US" sz="2000" dirty="0"/>
               <a:t> é um portal para o ajudar a encontrar o animal perfeito para adotar.</a:t>
             </a:r>
-            <a:endParaRPr lang="en-US" sz="2000" dirty="0"/>
           </a:p>
         </p:txBody>
       </p:sp>
@@ -3595,13 +3596,43 @@
           <a:lstStyle/>
           <a:p>
             <a:r>
-              <a:rPr lang="pt-PT" sz="3100">
+              <a:rPr lang="pt-PT" sz="3100" dirty="0">
                 <a:latin typeface="Pacifico" panose="00000500000000000000" pitchFamily="2" charset="0"/>
               </a:rPr>
-              <a:t>Como funciona o Take me Home?</a:t>
-            </a:r>
-            <a:r>
-              <a:rPr lang="pt-PT" sz="3100"/>
+              <a:t>Como funciona o </a:t>
+            </a:r>
+            <a:r>
+              <a:rPr lang="pt-PT" sz="3100" dirty="0">
+                <a:solidFill>
+                  <a:srgbClr val="CC8A14"/>
+                </a:solidFill>
+                <a:latin typeface="Pacifico" panose="00000500000000000000" pitchFamily="2" charset="0"/>
+              </a:rPr>
+              <a:t>Take</a:t>
+            </a:r>
+            <a:r>
+              <a:rPr lang="pt-PT" sz="3100" dirty="0">
+                <a:latin typeface="Pacifico" panose="00000500000000000000" pitchFamily="2" charset="0"/>
+              </a:rPr>
+              <a:t> me </a:t>
+            </a:r>
+            <a:r>
+              <a:rPr lang="pt-PT" sz="3100" dirty="0">
+                <a:solidFill>
+                  <a:srgbClr val="36A327"/>
+                </a:solidFill>
+                <a:latin typeface="Pacifico" panose="00000500000000000000" pitchFamily="2" charset="0"/>
+              </a:rPr>
+              <a:t>Home</a:t>
+            </a:r>
+            <a:r>
+              <a:rPr lang="pt-PT" sz="3100" dirty="0">
+                <a:latin typeface="Pacifico" panose="00000500000000000000" pitchFamily="2" charset="0"/>
+              </a:rPr>
+              <a:t>?</a:t>
+            </a:r>
+            <a:r>
+              <a:rPr lang="pt-PT" sz="3100" dirty="0"/>
               <a:t>	</a:t>
             </a:r>
           </a:p>
@@ -3829,10 +3860,40 @@
           <a:lstStyle/>
           <a:p>
             <a:r>
-              <a:rPr lang="pt-PT" sz="4000">
+              <a:rPr lang="pt-PT" sz="4000" dirty="0">
                 <a:latin typeface="Pacifico" panose="00000500000000000000" pitchFamily="2" charset="0"/>
               </a:rPr>
-              <a:t>Como funciona o Take me Home?</a:t>
+              <a:t>Como funciona o </a:t>
+            </a:r>
+            <a:r>
+              <a:rPr lang="pt-PT" sz="4000" dirty="0">
+                <a:solidFill>
+                  <a:srgbClr val="CC8A14"/>
+                </a:solidFill>
+                <a:latin typeface="Pacifico" panose="00000500000000000000" pitchFamily="2" charset="0"/>
+              </a:rPr>
+              <a:t>Take</a:t>
+            </a:r>
+            <a:r>
+              <a:rPr lang="pt-PT" sz="4000" dirty="0">
+                <a:latin typeface="Pacifico" panose="00000500000000000000" pitchFamily="2" charset="0"/>
+              </a:rPr>
+              <a:t> me </a:t>
+            </a:r>
+            <a:r>
+              <a:rPr lang="pt-PT" sz="4000" dirty="0">
+                <a:solidFill>
+                  <a:srgbClr val="36A327"/>
+                </a:solidFill>
+                <a:latin typeface="Pacifico" panose="00000500000000000000" pitchFamily="2" charset="0"/>
+              </a:rPr>
+              <a:t>Home</a:t>
+            </a:r>
+            <a:r>
+              <a:rPr lang="pt-PT" sz="4000" dirty="0">
+                <a:latin typeface="Pacifico" panose="00000500000000000000" pitchFamily="2" charset="0"/>
+              </a:rPr>
+              <a:t>?</a:t>
             </a:r>
           </a:p>
         </p:txBody>
@@ -4071,10 +4132,40 @@
           <a:lstStyle/>
           <a:p>
             <a:r>
-              <a:rPr lang="pt-PT" sz="3400">
+              <a:rPr lang="pt-PT" sz="3400" dirty="0">
                 <a:latin typeface="Pacifico" panose="00000500000000000000" pitchFamily="2" charset="0"/>
               </a:rPr>
-              <a:t>Como funciona o Take me Home	?</a:t>
+              <a:t>Como funciona o </a:t>
+            </a:r>
+            <a:r>
+              <a:rPr lang="pt-PT" sz="3400" dirty="0">
+                <a:solidFill>
+                  <a:srgbClr val="CC8A14"/>
+                </a:solidFill>
+                <a:latin typeface="Pacifico" panose="00000500000000000000" pitchFamily="2" charset="0"/>
+              </a:rPr>
+              <a:t>Take</a:t>
+            </a:r>
+            <a:r>
+              <a:rPr lang="pt-PT" sz="3400" dirty="0">
+                <a:latin typeface="Pacifico" panose="00000500000000000000" pitchFamily="2" charset="0"/>
+              </a:rPr>
+              <a:t> me </a:t>
+            </a:r>
+            <a:r>
+              <a:rPr lang="pt-PT" sz="3400" dirty="0">
+                <a:solidFill>
+                  <a:srgbClr val="36A327"/>
+                </a:solidFill>
+                <a:latin typeface="Pacifico" panose="00000500000000000000" pitchFamily="2" charset="0"/>
+              </a:rPr>
+              <a:t>Home</a:t>
+            </a:r>
+            <a:r>
+              <a:rPr lang="pt-PT" sz="3400" dirty="0">
+                <a:latin typeface="Pacifico" panose="00000500000000000000" pitchFamily="2" charset="0"/>
+              </a:rPr>
+              <a:t>	?</a:t>
             </a:r>
           </a:p>
         </p:txBody>
@@ -4313,10 +4404,40 @@
           <a:lstStyle/>
           <a:p>
             <a:r>
-              <a:rPr lang="pt-PT" sz="3400">
+              <a:rPr lang="pt-PT" sz="3400" dirty="0">
                 <a:latin typeface="Pacifico" panose="00000500000000000000" pitchFamily="2" charset="0"/>
               </a:rPr>
-              <a:t>Como funciona o Take me Home	?</a:t>
+              <a:t>Como funciona o </a:t>
+            </a:r>
+            <a:r>
+              <a:rPr lang="pt-PT" sz="3400" dirty="0">
+                <a:solidFill>
+                  <a:srgbClr val="CC8A14"/>
+                </a:solidFill>
+                <a:latin typeface="Pacifico" panose="00000500000000000000" pitchFamily="2" charset="0"/>
+              </a:rPr>
+              <a:t>Take</a:t>
+            </a:r>
+            <a:r>
+              <a:rPr lang="pt-PT" sz="3400" dirty="0">
+                <a:latin typeface="Pacifico" panose="00000500000000000000" pitchFamily="2" charset="0"/>
+              </a:rPr>
+              <a:t> me </a:t>
+            </a:r>
+            <a:r>
+              <a:rPr lang="pt-PT" sz="3400" dirty="0">
+                <a:solidFill>
+                  <a:srgbClr val="36A327"/>
+                </a:solidFill>
+                <a:latin typeface="Pacifico" panose="00000500000000000000" pitchFamily="2" charset="0"/>
+              </a:rPr>
+              <a:t>Home</a:t>
+            </a:r>
+            <a:r>
+              <a:rPr lang="pt-PT" sz="3400" dirty="0">
+                <a:latin typeface="Pacifico" panose="00000500000000000000" pitchFamily="2" charset="0"/>
+              </a:rPr>
+              <a:t>	?</a:t>
             </a:r>
           </a:p>
         </p:txBody>

--- a/Take me Home.pptx
+++ b/Take me Home.pptx
@@ -248,7 +248,7 @@
           <a:p>
             <a:fld id="{E779E40A-B168-454D-BC32-9D3B9DD297C1}" type="datetimeFigureOut">
               <a:rPr lang="pt-PT" smtClean="0"/>
-              <a:t>11/07/2022</a:t>
+              <a:t>12/07/2022</a:t>
             </a:fld>
             <a:endParaRPr lang="pt-PT"/>
           </a:p>
@@ -418,7 +418,7 @@
           <a:p>
             <a:fld id="{E779E40A-B168-454D-BC32-9D3B9DD297C1}" type="datetimeFigureOut">
               <a:rPr lang="pt-PT" smtClean="0"/>
-              <a:t>11/07/2022</a:t>
+              <a:t>12/07/2022</a:t>
             </a:fld>
             <a:endParaRPr lang="pt-PT"/>
           </a:p>
@@ -598,7 +598,7 @@
           <a:p>
             <a:fld id="{E779E40A-B168-454D-BC32-9D3B9DD297C1}" type="datetimeFigureOut">
               <a:rPr lang="pt-PT" smtClean="0"/>
-              <a:t>11/07/2022</a:t>
+              <a:t>12/07/2022</a:t>
             </a:fld>
             <a:endParaRPr lang="pt-PT"/>
           </a:p>
@@ -768,7 +768,7 @@
           <a:p>
             <a:fld id="{E779E40A-B168-454D-BC32-9D3B9DD297C1}" type="datetimeFigureOut">
               <a:rPr lang="pt-PT" smtClean="0"/>
-              <a:t>11/07/2022</a:t>
+              <a:t>12/07/2022</a:t>
             </a:fld>
             <a:endParaRPr lang="pt-PT"/>
           </a:p>
@@ -1014,7 +1014,7 @@
           <a:p>
             <a:fld id="{E779E40A-B168-454D-BC32-9D3B9DD297C1}" type="datetimeFigureOut">
               <a:rPr lang="pt-PT" smtClean="0"/>
-              <a:t>11/07/2022</a:t>
+              <a:t>12/07/2022</a:t>
             </a:fld>
             <a:endParaRPr lang="pt-PT"/>
           </a:p>
@@ -1246,7 +1246,7 @@
           <a:p>
             <a:fld id="{E779E40A-B168-454D-BC32-9D3B9DD297C1}" type="datetimeFigureOut">
               <a:rPr lang="pt-PT" smtClean="0"/>
-              <a:t>11/07/2022</a:t>
+              <a:t>12/07/2022</a:t>
             </a:fld>
             <a:endParaRPr lang="pt-PT"/>
           </a:p>
@@ -1613,7 +1613,7 @@
           <a:p>
             <a:fld id="{E779E40A-B168-454D-BC32-9D3B9DD297C1}" type="datetimeFigureOut">
               <a:rPr lang="pt-PT" smtClean="0"/>
-              <a:t>11/07/2022</a:t>
+              <a:t>12/07/2022</a:t>
             </a:fld>
             <a:endParaRPr lang="pt-PT"/>
           </a:p>
@@ -1731,7 +1731,7 @@
           <a:p>
             <a:fld id="{E779E40A-B168-454D-BC32-9D3B9DD297C1}" type="datetimeFigureOut">
               <a:rPr lang="pt-PT" smtClean="0"/>
-              <a:t>11/07/2022</a:t>
+              <a:t>12/07/2022</a:t>
             </a:fld>
             <a:endParaRPr lang="pt-PT"/>
           </a:p>
@@ -1826,7 +1826,7 @@
           <a:p>
             <a:fld id="{E779E40A-B168-454D-BC32-9D3B9DD297C1}" type="datetimeFigureOut">
               <a:rPr lang="pt-PT" smtClean="0"/>
-              <a:t>11/07/2022</a:t>
+              <a:t>12/07/2022</a:t>
             </a:fld>
             <a:endParaRPr lang="pt-PT"/>
           </a:p>
@@ -2103,7 +2103,7 @@
           <a:p>
             <a:fld id="{E779E40A-B168-454D-BC32-9D3B9DD297C1}" type="datetimeFigureOut">
               <a:rPr lang="pt-PT" smtClean="0"/>
-              <a:t>11/07/2022</a:t>
+              <a:t>12/07/2022</a:t>
             </a:fld>
             <a:endParaRPr lang="pt-PT"/>
           </a:p>
@@ -2360,7 +2360,7 @@
           <a:p>
             <a:fld id="{E779E40A-B168-454D-BC32-9D3B9DD297C1}" type="datetimeFigureOut">
               <a:rPr lang="pt-PT" smtClean="0"/>
-              <a:t>11/07/2022</a:t>
+              <a:t>12/07/2022</a:t>
             </a:fld>
             <a:endParaRPr lang="pt-PT"/>
           </a:p>
@@ -2573,7 +2573,7 @@
           <a:p>
             <a:fld id="{E779E40A-B168-454D-BC32-9D3B9DD297C1}" type="datetimeFigureOut">
               <a:rPr lang="pt-PT" smtClean="0"/>
-              <a:t>11/07/2022</a:t>
+              <a:t>12/07/2022</a:t>
             </a:fld>
             <a:endParaRPr lang="pt-PT"/>
           </a:p>
@@ -3670,30 +3670,30 @@
               <a:buNone/>
             </a:pPr>
             <a:r>
-              <a:rPr lang="pt-PT" sz="1800"/>
-              <a:t>Utilizadores anónimos podem</a:t>
-            </a:r>
-          </a:p>
-          <a:p>
-            <a:r>
-              <a:rPr lang="pt-PT" sz="1800"/>
+              <a:rPr lang="pt-PT" sz="2400" dirty="0"/>
+              <a:t>Utilizadores anónimos</a:t>
+            </a:r>
+          </a:p>
+          <a:p>
+            <a:r>
+              <a:rPr lang="pt-PT" sz="2400" dirty="0"/>
               <a:t>Ver animais publicados;</a:t>
             </a:r>
           </a:p>
           <a:p>
             <a:r>
-              <a:rPr lang="pt-PT" sz="1800"/>
+              <a:rPr lang="pt-PT" sz="2400" dirty="0"/>
               <a:t>Registar;</a:t>
             </a:r>
           </a:p>
           <a:p>
             <a:r>
-              <a:rPr lang="pt-PT" sz="1800"/>
+              <a:rPr lang="pt-PT" sz="2400" dirty="0"/>
               <a:t>Login.</a:t>
             </a:r>
           </a:p>
           <a:p>
-            <a:endParaRPr lang="pt-PT" sz="1800"/>
+            <a:endParaRPr lang="pt-PT" sz="1800" dirty="0"/>
           </a:p>
         </p:txBody>
       </p:sp>
@@ -3930,42 +3930,42 @@
               <a:buNone/>
             </a:pPr>
             <a:r>
-              <a:rPr lang="pt-PT" sz="1800"/>
-              <a:t>Utilizadores registados podem</a:t>
-            </a:r>
-          </a:p>
-          <a:p>
-            <a:r>
-              <a:rPr lang="pt-PT" sz="1800"/>
+              <a:rPr lang="pt-PT" sz="2400" dirty="0"/>
+              <a:t>Utilizadores registados</a:t>
+            </a:r>
+          </a:p>
+          <a:p>
+            <a:r>
+              <a:rPr lang="pt-PT" sz="2400" dirty="0"/>
               <a:t>Ver animais publicados;</a:t>
             </a:r>
           </a:p>
           <a:p>
             <a:r>
-              <a:rPr lang="pt-PT" sz="1800"/>
+              <a:rPr lang="pt-PT" sz="2400" dirty="0"/>
               <a:t>Definir interesses;</a:t>
             </a:r>
           </a:p>
           <a:p>
             <a:r>
-              <a:rPr lang="pt-PT" sz="1800"/>
+              <a:rPr lang="pt-PT" sz="2400" dirty="0"/>
               <a:t>Adicionar animais aos favoritos;</a:t>
             </a:r>
           </a:p>
           <a:p>
             <a:r>
-              <a:rPr lang="pt-PT" sz="1800"/>
+              <a:rPr lang="pt-PT" sz="2400" dirty="0"/>
               <a:t>Pedir a adoção de um animal;</a:t>
             </a:r>
           </a:p>
           <a:p>
             <a:r>
-              <a:rPr lang="pt-PT" sz="1800"/>
+              <a:rPr lang="pt-PT" sz="2400" dirty="0"/>
               <a:t>Editar o perfil.</a:t>
             </a:r>
           </a:p>
           <a:p>
-            <a:endParaRPr lang="pt-PT" sz="1800"/>
+            <a:endParaRPr lang="pt-PT" sz="1800" dirty="0"/>
           </a:p>
         </p:txBody>
       </p:sp>
@@ -4202,42 +4202,42 @@
               <a:buNone/>
             </a:pPr>
             <a:r>
-              <a:rPr lang="pt-PT" sz="1800"/>
-              <a:t>Instituições registados e aprovadas podem</a:t>
-            </a:r>
-          </a:p>
-          <a:p>
-            <a:r>
-              <a:rPr lang="pt-PT" sz="1800"/>
+              <a:rPr lang="pt-PT" sz="2400" dirty="0"/>
+              <a:t>Instituições registados e aprovadas</a:t>
+            </a:r>
+          </a:p>
+          <a:p>
+            <a:r>
+              <a:rPr lang="pt-PT" sz="2400" dirty="0"/>
               <a:t>Ver animais publicados;</a:t>
             </a:r>
           </a:p>
           <a:p>
             <a:r>
-              <a:rPr lang="pt-PT" sz="1800"/>
+              <a:rPr lang="pt-PT" sz="2400" dirty="0"/>
               <a:t>Publicar animais;</a:t>
             </a:r>
           </a:p>
           <a:p>
             <a:r>
-              <a:rPr lang="pt-PT" sz="1800"/>
+              <a:rPr lang="pt-PT" sz="2400" dirty="0"/>
               <a:t>Gerir animais publicados;</a:t>
             </a:r>
           </a:p>
           <a:p>
             <a:r>
-              <a:rPr lang="pt-PT" sz="1800"/>
+              <a:rPr lang="pt-PT" sz="2400" dirty="0"/>
               <a:t>Aprovar adoções;</a:t>
             </a:r>
           </a:p>
           <a:p>
             <a:r>
-              <a:rPr lang="pt-PT" sz="1800"/>
+              <a:rPr lang="pt-PT" sz="2400" dirty="0"/>
               <a:t>Editar perfil.</a:t>
             </a:r>
           </a:p>
           <a:p>
-            <a:endParaRPr lang="pt-PT" sz="1800"/>
+            <a:endParaRPr lang="pt-PT" sz="1800" dirty="0"/>
           </a:p>
         </p:txBody>
       </p:sp>
@@ -4474,36 +4474,30 @@
               <a:buNone/>
             </a:pPr>
             <a:r>
-              <a:rPr lang="pt-PT" sz="1800"/>
-              <a:t>Administradores podem</a:t>
-            </a:r>
-          </a:p>
-          <a:p>
-            <a:r>
-              <a:rPr lang="pt-PT" sz="1800"/>
-              <a:t>Ver animais publicados;</a:t>
-            </a:r>
-          </a:p>
-          <a:p>
-            <a:r>
-              <a:rPr lang="pt-PT" sz="1800"/>
+              <a:rPr lang="pt-PT" sz="2400" dirty="0"/>
+              <a:t>Administradores</a:t>
+            </a:r>
+          </a:p>
+          <a:p>
+            <a:r>
+              <a:rPr lang="pt-PT" sz="2400" dirty="0"/>
               <a:t>Aprovar instituições;</a:t>
             </a:r>
           </a:p>
           <a:p>
             <a:r>
-              <a:rPr lang="pt-PT" sz="1800"/>
+              <a:rPr lang="pt-PT" sz="2400" dirty="0"/>
               <a:t>Ativar/desativar utilizadores ou instituições;</a:t>
             </a:r>
           </a:p>
           <a:p>
             <a:r>
-              <a:rPr lang="pt-PT" sz="1800"/>
+              <a:rPr lang="pt-PT" sz="2400" dirty="0"/>
               <a:t>Criar conta administrador.</a:t>
             </a:r>
           </a:p>
           <a:p>
-            <a:endParaRPr lang="pt-PT" sz="1800"/>
+            <a:endParaRPr lang="pt-PT" sz="1800" dirty="0"/>
           </a:p>
         </p:txBody>
       </p:sp>
